--- a/LLMs.pptx
+++ b/LLMs.pptx
@@ -5,11 +5,12 @@
     <p:sldMasterId id="2147483648" r:id="rId1"/>
   </p:sldMasterIdLst>
   <p:notesMasterIdLst>
-    <p:notesMasterId r:id="rId4"/>
+    <p:notesMasterId r:id="rId5"/>
   </p:notesMasterIdLst>
   <p:sldIdLst>
     <p:sldId id="256" r:id="rId2"/>
-    <p:sldId id="258" r:id="rId3"/>
+    <p:sldId id="259" r:id="rId3"/>
+    <p:sldId id="261" r:id="rId4"/>
   </p:sldIdLst>
   <p:sldSz cx="13970000" cy="10795000"/>
   <p:notesSz cx="6858000" cy="9144000"/>
@@ -311,6 +312,11 @@
       </a:defRPr>
     </a:lvl9pPr>
   </p:defaultTextStyle>
+  <p:extLst>
+    <p:ext uri="{EFAFB233-063F-42B5-8137-9DF3F51BA10A}">
+      <p15:sldGuideLst xmlns:p15="http://schemas.microsoft.com/office/powerpoint/2012/main"/>
+    </p:ext>
+  </p:extLst>
 </p:presentation>
 </file>
 
@@ -619,7 +625,73 @@
     </p:spTree>
     <p:extLst>
       <p:ext uri="{BB962C8B-B14F-4D97-AF65-F5344CB8AC3E}">
-        <p14:creationId xmlns:p14="http://schemas.microsoft.com/office/powerpoint/2010/main" val="3205085496"/>
+        <p14:creationId xmlns:p14="http://schemas.microsoft.com/office/powerpoint/2010/main" val="2923381715"/>
+      </p:ext>
+    </p:extLst>
+  </p:cSld>
+  <p:clrMapOvr>
+    <a:masterClrMapping/>
+  </p:clrMapOvr>
+</p:notes>
+</file>
+
+<file path=ppt/notesSlides/notesSlide3.xml><?xml version="1.0" encoding="utf-8"?>
+<p:notes xmlns:a="http://schemas.openxmlformats.org/drawingml/2006/main" xmlns:r="http://schemas.openxmlformats.org/officeDocument/2006/relationships" xmlns:p="http://schemas.openxmlformats.org/presentationml/2006/main">
+  <p:cSld>
+    <p:spTree>
+      <p:nvGrpSpPr>
+        <p:cNvPr id="1" name=""/>
+        <p:cNvGrpSpPr/>
+        <p:nvPr/>
+      </p:nvGrpSpPr>
+      <p:grpSpPr>
+        <a:xfrm>
+          <a:off x="0" y="0"/>
+          <a:ext cx="0" cy="0"/>
+          <a:chOff x="0" y="0"/>
+          <a:chExt cx="0" cy="0"/>
+        </a:xfrm>
+      </p:grpSpPr>
+      <p:sp>
+        <p:nvSpPr>
+          <p:cNvPr id="2" name="Espace réservé de l'image des diapositives 1"/>
+          <p:cNvSpPr>
+            <a:spLocks noGrp="1" noRot="1" noChangeAspect="1"/>
+          </p:cNvSpPr>
+          <p:nvPr>
+            <p:ph type="sldImg"/>
+          </p:nvPr>
+        </p:nvSpPr>
+        <p:spPr>
+          <a:xfrm>
+            <a:off x="1209675" y="685800"/>
+            <a:ext cx="4438650" cy="3429000"/>
+          </a:xfrm>
+        </p:spPr>
+      </p:sp>
+      <p:sp>
+        <p:nvSpPr>
+          <p:cNvPr id="3" name="Espace réservé des notes 2"/>
+          <p:cNvSpPr>
+            <a:spLocks noGrp="1"/>
+          </p:cNvSpPr>
+          <p:nvPr>
+            <p:ph type="body" idx="1"/>
+          </p:nvPr>
+        </p:nvSpPr>
+        <p:spPr/>
+        <p:txBody>
+          <a:bodyPr/>
+          <a:lstStyle/>
+          <a:p>
+            <a:endParaRPr lang="fr-FR" dirty="0"/>
+          </a:p>
+        </p:txBody>
+      </p:sp>
+    </p:spTree>
+    <p:extLst>
+      <p:ext uri="{BB962C8B-B14F-4D97-AF65-F5344CB8AC3E}">
+        <p14:creationId xmlns:p14="http://schemas.microsoft.com/office/powerpoint/2010/main" val="3995469774"/>
       </p:ext>
     </p:extLst>
   </p:cSld>
@@ -2330,7 +2402,7 @@
           </a:ln>
           <a:extLst>
             <a:ext uri="{C572A759-6A51-4108-AA02-DFA0A04FC94B}">
-              <ma14:wrappingTextBoxFlag xmlns:ma14="http://schemas.microsoft.com/office/mac/drawingml/2011/main" xmlns:a14="http://schemas.microsoft.com/office/drawing/2010/main" xmlns:m="http://schemas.openxmlformats.org/officeDocument/2006/math" xmlns="" val="1"/>
+              <ma14:wrappingTextBoxFlag xmlns="" xmlns:m="http://schemas.openxmlformats.org/officeDocument/2006/math" xmlns:a14="http://schemas.microsoft.com/office/drawing/2010/main" xmlns:ma14="http://schemas.microsoft.com/office/mac/drawingml/2011/main" val="1"/>
             </a:ext>
           </a:extLst>
         </p:spPr>
@@ -2369,7 +2441,7 @@
           </a:ln>
           <a:extLst>
             <a:ext uri="{C572A759-6A51-4108-AA02-DFA0A04FC94B}">
-              <ma14:wrappingTextBoxFlag xmlns:ma14="http://schemas.microsoft.com/office/mac/drawingml/2011/main" xmlns:a14="http://schemas.microsoft.com/office/drawing/2010/main" xmlns:m="http://schemas.openxmlformats.org/officeDocument/2006/math" xmlns="" val="1"/>
+              <ma14:wrappingTextBoxFlag xmlns="" xmlns:m="http://schemas.openxmlformats.org/officeDocument/2006/math" xmlns:a14="http://schemas.microsoft.com/office/drawing/2010/main" xmlns:ma14="http://schemas.microsoft.com/office/mac/drawingml/2011/main" val="1"/>
             </a:ext>
           </a:extLst>
         </p:spPr>
@@ -4186,7 +4258,7 @@
           </a:ln>
           <a:extLst>
             <a:ext uri="{C572A759-6A51-4108-AA02-DFA0A04FC94B}">
-              <ma14:wrappingTextBoxFlag xmlns:ma14="http://schemas.microsoft.com/office/mac/drawingml/2011/main" xmlns:a14="http://schemas.microsoft.com/office/drawing/2010/main" xmlns:m="http://schemas.openxmlformats.org/officeDocument/2006/math" xmlns="" val="1"/>
+              <ma14:wrappingTextBoxFlag xmlns="" xmlns:m="http://schemas.openxmlformats.org/officeDocument/2006/math" xmlns:a14="http://schemas.microsoft.com/office/drawing/2010/main" xmlns:ma14="http://schemas.microsoft.com/office/mac/drawingml/2011/main" val="1"/>
             </a:ext>
           </a:extLst>
         </p:spPr>
@@ -4338,7 +4410,7 @@
           </a:ln>
           <a:extLst>
             <a:ext uri="{C572A759-6A51-4108-AA02-DFA0A04FC94B}">
-              <ma14:wrappingTextBoxFlag xmlns:ma14="http://schemas.microsoft.com/office/mac/drawingml/2011/main" xmlns:a14="http://schemas.microsoft.com/office/drawing/2010/main" xmlns:m="http://schemas.openxmlformats.org/officeDocument/2006/math" xmlns="" val="1"/>
+              <ma14:wrappingTextBoxFlag xmlns="" xmlns:m="http://schemas.openxmlformats.org/officeDocument/2006/math" xmlns:a14="http://schemas.microsoft.com/office/drawing/2010/main" xmlns:ma14="http://schemas.microsoft.com/office/mac/drawingml/2011/main" val="1"/>
             </a:ext>
           </a:extLst>
         </p:spPr>
@@ -4399,7 +4471,7 @@
           </a:ln>
           <a:extLst>
             <a:ext uri="{C572A759-6A51-4108-AA02-DFA0A04FC94B}">
-              <ma14:wrappingTextBoxFlag xmlns:ma14="http://schemas.microsoft.com/office/mac/drawingml/2011/main" xmlns:a14="http://schemas.microsoft.com/office/drawing/2010/main" xmlns:m="http://schemas.openxmlformats.org/officeDocument/2006/math" xmlns="" val="1"/>
+              <ma14:wrappingTextBoxFlag xmlns="" xmlns:m="http://schemas.openxmlformats.org/officeDocument/2006/math" xmlns:a14="http://schemas.microsoft.com/office/drawing/2010/main" xmlns:ma14="http://schemas.microsoft.com/office/mac/drawingml/2011/main" val="1"/>
             </a:ext>
           </a:extLst>
         </p:spPr>
@@ -4512,7 +4584,7 @@
           </a:ln>
           <a:extLst>
             <a:ext uri="{C572A759-6A51-4108-AA02-DFA0A04FC94B}">
-              <ma14:wrappingTextBoxFlag xmlns:ma14="http://schemas.microsoft.com/office/mac/drawingml/2011/main" xmlns:a14="http://schemas.microsoft.com/office/drawing/2010/main" xmlns:m="http://schemas.openxmlformats.org/officeDocument/2006/math" xmlns="" val="1"/>
+              <ma14:wrappingTextBoxFlag xmlns="" xmlns:m="http://schemas.openxmlformats.org/officeDocument/2006/math" xmlns:a14="http://schemas.microsoft.com/office/drawing/2010/main" xmlns:ma14="http://schemas.microsoft.com/office/mac/drawingml/2011/main" val="1"/>
             </a:ext>
           </a:extLst>
         </p:spPr>
@@ -4573,7 +4645,7 @@
           </a:ln>
           <a:extLst>
             <a:ext uri="{C572A759-6A51-4108-AA02-DFA0A04FC94B}">
-              <ma14:wrappingTextBoxFlag xmlns:ma14="http://schemas.microsoft.com/office/mac/drawingml/2011/main" xmlns:a14="http://schemas.microsoft.com/office/drawing/2010/main" xmlns:m="http://schemas.openxmlformats.org/officeDocument/2006/math" xmlns="" val="1"/>
+              <ma14:wrappingTextBoxFlag xmlns="" xmlns:m="http://schemas.openxmlformats.org/officeDocument/2006/math" xmlns:a14="http://schemas.microsoft.com/office/drawing/2010/main" xmlns:ma14="http://schemas.microsoft.com/office/mac/drawingml/2011/main" val="1"/>
             </a:ext>
           </a:extLst>
         </p:spPr>
@@ -4631,7 +4703,7 @@
           </a:ln>
           <a:extLst>
             <a:ext uri="{C572A759-6A51-4108-AA02-DFA0A04FC94B}">
-              <ma14:wrappingTextBoxFlag xmlns:ma14="http://schemas.microsoft.com/office/mac/drawingml/2011/main" xmlns:a14="http://schemas.microsoft.com/office/drawing/2010/main" xmlns:m="http://schemas.openxmlformats.org/officeDocument/2006/math" xmlns="" val="1"/>
+              <ma14:wrappingTextBoxFlag xmlns="" xmlns:m="http://schemas.openxmlformats.org/officeDocument/2006/math" xmlns:a14="http://schemas.microsoft.com/office/drawing/2010/main" xmlns:ma14="http://schemas.microsoft.com/office/mac/drawingml/2011/main" val="1"/>
             </a:ext>
           </a:extLst>
         </p:spPr>
@@ -4892,7 +4964,7 @@
           </a:ln>
           <a:extLst>
             <a:ext uri="{C572A759-6A51-4108-AA02-DFA0A04FC94B}">
-              <ma14:wrappingTextBoxFlag xmlns:ma14="http://schemas.microsoft.com/office/mac/drawingml/2011/main" xmlns:a14="http://schemas.microsoft.com/office/drawing/2010/main" xmlns:m="http://schemas.openxmlformats.org/officeDocument/2006/math" xmlns="" val="1"/>
+              <ma14:wrappingTextBoxFlag xmlns="" xmlns:m="http://schemas.openxmlformats.org/officeDocument/2006/math" xmlns:a14="http://schemas.microsoft.com/office/drawing/2010/main" xmlns:ma14="http://schemas.microsoft.com/office/mac/drawingml/2011/main" val="1"/>
             </a:ext>
           </a:extLst>
         </p:spPr>
@@ -5566,7 +5638,7 @@
           </a:bodyPr>
           <a:lstStyle/>
           <a:p>
-            <a:pPr marL="171450" lvl="0" indent="-171450">
+            <a:pPr marL="171450" lvl="0" indent="-171450" algn="just">
               <a:buFont typeface="Arial" panose="020B0604020202020204" pitchFamily="34" charset="0"/>
               <a:buChar char="•"/>
               <a:tabLst>
@@ -5602,7 +5674,7 @@
             </a:r>
           </a:p>
           <a:p>
-            <a:pPr marL="171450" lvl="0" indent="-171450">
+            <a:pPr marL="171450" lvl="0" indent="-171450" algn="just">
               <a:buFont typeface="Arial" panose="020B0604020202020204" pitchFamily="34" charset="0"/>
               <a:buChar char="•"/>
               <a:tabLst>
@@ -5617,7 +5689,7 @@
             </a:endParaRPr>
           </a:p>
           <a:p>
-            <a:pPr marL="171450" lvl="0" indent="-171450">
+            <a:pPr marL="171450" lvl="0" indent="-171450" algn="just">
               <a:buFont typeface="Arial" panose="020B0604020202020204" pitchFamily="34" charset="0"/>
               <a:buChar char="•"/>
               <a:tabLst>
@@ -5667,7 +5739,7 @@
           </a:ln>
           <a:extLst>
             <a:ext uri="{C572A759-6A51-4108-AA02-DFA0A04FC94B}">
-              <ma14:wrappingTextBoxFlag xmlns:ma14="http://schemas.microsoft.com/office/mac/drawingml/2011/main" xmlns:a14="http://schemas.microsoft.com/office/drawing/2010/main" xmlns:m="http://schemas.openxmlformats.org/officeDocument/2006/math" xmlns="" val="1"/>
+              <ma14:wrappingTextBoxFlag xmlns="" xmlns:m="http://schemas.openxmlformats.org/officeDocument/2006/math" xmlns:a14="http://schemas.microsoft.com/office/drawing/2010/main" xmlns:ma14="http://schemas.microsoft.com/office/mac/drawingml/2011/main" val="1"/>
             </a:ext>
           </a:extLst>
         </p:spPr>
@@ -5783,7 +5855,7 @@
           </a:ln>
           <a:extLst>
             <a:ext uri="{C572A759-6A51-4108-AA02-DFA0A04FC94B}">
-              <ma14:wrappingTextBoxFlag xmlns:ma14="http://schemas.microsoft.com/office/mac/drawingml/2011/main" xmlns:a14="http://schemas.microsoft.com/office/drawing/2010/main" xmlns:m="http://schemas.openxmlformats.org/officeDocument/2006/math" xmlns="" val="1"/>
+              <ma14:wrappingTextBoxFlag xmlns="" xmlns:m="http://schemas.openxmlformats.org/officeDocument/2006/math" xmlns:a14="http://schemas.microsoft.com/office/drawing/2010/main" xmlns:ma14="http://schemas.microsoft.com/office/mac/drawingml/2011/main" val="1"/>
             </a:ext>
           </a:extLst>
         </p:spPr>
@@ -6114,7 +6186,7 @@
           </a:ln>
           <a:extLst>
             <a:ext uri="{C572A759-6A51-4108-AA02-DFA0A04FC94B}">
-              <ma14:wrappingTextBoxFlag xmlns:ma14="http://schemas.microsoft.com/office/mac/drawingml/2011/main" xmlns:a14="http://schemas.microsoft.com/office/drawing/2010/main" xmlns:m="http://schemas.openxmlformats.org/officeDocument/2006/math" xmlns="" val="1"/>
+              <ma14:wrappingTextBoxFlag xmlns="" xmlns:m="http://schemas.openxmlformats.org/officeDocument/2006/math" xmlns:a14="http://schemas.microsoft.com/office/drawing/2010/main" xmlns:ma14="http://schemas.microsoft.com/office/mac/drawingml/2011/main" val="1"/>
             </a:ext>
           </a:extLst>
         </p:spPr>
@@ -6210,7 +6282,7 @@
           </a:ln>
           <a:extLst>
             <a:ext uri="{C572A759-6A51-4108-AA02-DFA0A04FC94B}">
-              <ma14:wrappingTextBoxFlag xmlns:ma14="http://schemas.microsoft.com/office/mac/drawingml/2011/main" xmlns:a14="http://schemas.microsoft.com/office/drawing/2010/main" xmlns:m="http://schemas.openxmlformats.org/officeDocument/2006/math" xmlns="" val="1"/>
+              <ma14:wrappingTextBoxFlag xmlns="" xmlns:m="http://schemas.openxmlformats.org/officeDocument/2006/math" xmlns:a14="http://schemas.microsoft.com/office/drawing/2010/main" xmlns:ma14="http://schemas.microsoft.com/office/mac/drawingml/2011/main" val="1"/>
             </a:ext>
           </a:extLst>
         </p:spPr>
@@ -6387,7 +6459,7 @@
           </a:ln>
           <a:extLst>
             <a:ext uri="{C572A759-6A51-4108-AA02-DFA0A04FC94B}">
-              <ma14:wrappingTextBoxFlag xmlns:ma14="http://schemas.microsoft.com/office/mac/drawingml/2011/main" xmlns:a14="http://schemas.microsoft.com/office/drawing/2010/main" xmlns:m="http://schemas.openxmlformats.org/officeDocument/2006/math" xmlns="" val="1"/>
+              <ma14:wrappingTextBoxFlag xmlns="" xmlns:m="http://schemas.openxmlformats.org/officeDocument/2006/math" xmlns:a14="http://schemas.microsoft.com/office/drawing/2010/main" xmlns:ma14="http://schemas.microsoft.com/office/mac/drawingml/2011/main" val="1"/>
             </a:ext>
           </a:extLst>
         </p:spPr>
@@ -6584,7 +6656,7 @@
         </p:nvSpPr>
         <p:spPr>
           <a:xfrm>
-            <a:off x="6983910" y="3886507"/>
+            <a:off x="6985000" y="4227219"/>
             <a:ext cx="3292323" cy="5632311"/>
           </a:xfrm>
           <a:prstGeom prst="rect">
@@ -6927,7 +6999,7 @@
         </p:nvSpPr>
         <p:spPr>
           <a:xfrm>
-            <a:off x="7098554" y="3613830"/>
+            <a:off x="7037811" y="3956623"/>
             <a:ext cx="3072957" cy="252377"/>
           </a:xfrm>
           <a:prstGeom prst="rect">
@@ -6938,7 +7010,7 @@
           </a:ln>
           <a:extLst>
             <a:ext uri="{C572A759-6A51-4108-AA02-DFA0A04FC94B}">
-              <ma14:wrappingTextBoxFlag xmlns:ma14="http://schemas.microsoft.com/office/mac/drawingml/2011/main" xmlns:a14="http://schemas.microsoft.com/office/drawing/2010/main" xmlns:m="http://schemas.openxmlformats.org/officeDocument/2006/math" xmlns="" val="1"/>
+              <ma14:wrappingTextBoxFlag xmlns="" xmlns:m="http://schemas.openxmlformats.org/officeDocument/2006/math" xmlns:a14="http://schemas.microsoft.com/office/drawing/2010/main" xmlns:ma14="http://schemas.microsoft.com/office/mac/drawingml/2011/main" val="1"/>
             </a:ext>
           </a:extLst>
         </p:spPr>
@@ -6987,7 +7059,7 @@
         </p:nvSpPr>
         <p:spPr>
           <a:xfrm>
-            <a:off x="7103663" y="3484508"/>
+            <a:off x="7030410" y="3681020"/>
             <a:ext cx="3087757" cy="0"/>
           </a:xfrm>
           <a:prstGeom prst="line">
@@ -7127,6 +7199,41 @@
           </a:p>
         </p:txBody>
       </p:sp>
+      <p:sp>
+        <p:nvSpPr>
+          <p:cNvPr id="7" name="Line">
+            <a:extLst>
+              <a:ext uri="{FF2B5EF4-FFF2-40B4-BE49-F238E27FC236}">
+                <a16:creationId xmlns:a16="http://schemas.microsoft.com/office/drawing/2014/main" id="{4ADA01A1-8691-0518-2A74-9EDCA1F0AB32}"/>
+              </a:ext>
+            </a:extLst>
+          </p:cNvPr>
+          <p:cNvSpPr/>
+          <p:nvPr/>
+        </p:nvSpPr>
+        <p:spPr>
+          <a:xfrm>
+            <a:off x="3590026" y="9838341"/>
+            <a:ext cx="3087757" cy="0"/>
+          </a:xfrm>
+          <a:prstGeom prst="line">
+            <a:avLst/>
+          </a:prstGeom>
+          <a:ln w="6350">
+            <a:solidFill>
+              <a:srgbClr val="767C85"/>
+            </a:solidFill>
+            <a:miter lim="400000"/>
+          </a:ln>
+        </p:spPr>
+        <p:txBody>
+          <a:bodyPr lIns="45718" tIns="45718" rIns="45718" bIns="45718"/>
+          <a:lstStyle/>
+          <a:p>
+            <a:endParaRPr lang="fr-FR" dirty="0"/>
+          </a:p>
+        </p:txBody>
+      </p:sp>
     </p:spTree>
   </p:cSld>
   <p:clrMapOvr>
@@ -7137,6 +7244,4195 @@
 </file>
 
 <file path=ppt/slides/slide2.xml><?xml version="1.0" encoding="utf-8"?>
+<p:sld xmlns:a="http://schemas.openxmlformats.org/drawingml/2006/main" xmlns:r="http://schemas.openxmlformats.org/officeDocument/2006/relationships" xmlns:p="http://schemas.openxmlformats.org/presentationml/2006/main">
+  <p:cSld>
+    <p:spTree>
+      <p:nvGrpSpPr>
+        <p:cNvPr id="1" name=""/>
+        <p:cNvGrpSpPr/>
+        <p:nvPr/>
+      </p:nvGrpSpPr>
+      <p:grpSpPr>
+        <a:xfrm>
+          <a:off x="0" y="0"/>
+          <a:ext cx="0" cy="0"/>
+          <a:chOff x="0" y="0"/>
+          <a:chExt cx="0" cy="0"/>
+        </a:xfrm>
+      </p:grpSpPr>
+      <p:pic>
+        <p:nvPicPr>
+          <p:cNvPr id="1026" name="Picture 2" descr="3 Lessons from the paper &quot;Attention Is All You Need&quot; as a Beginner - Galaxy  Inferno">
+            <a:extLst>
+              <a:ext uri="{FF2B5EF4-FFF2-40B4-BE49-F238E27FC236}">
+                <a16:creationId xmlns:a16="http://schemas.microsoft.com/office/drawing/2014/main" id="{4E5C270C-0C91-D885-4DC4-BCA64EE89DC0}"/>
+              </a:ext>
+            </a:extLst>
+          </p:cNvPr>
+          <p:cNvPicPr>
+            <a:picLocks noChangeAspect="1" noChangeArrowheads="1"/>
+          </p:cNvPicPr>
+          <p:nvPr/>
+        </p:nvPicPr>
+        <p:blipFill>
+          <a:blip r:embed="rId3">
+            <a:extLst>
+              <a:ext uri="{28A0092B-C50C-407E-A947-70E740481C1C}">
+                <a14:useLocalDpi xmlns:a14="http://schemas.microsoft.com/office/drawing/2010/main" val="0"/>
+              </a:ext>
+            </a:extLst>
+          </a:blip>
+          <a:srcRect/>
+          <a:stretch>
+            <a:fillRect/>
+          </a:stretch>
+        </p:blipFill>
+        <p:spPr bwMode="auto">
+          <a:xfrm>
+            <a:off x="322510" y="4883594"/>
+            <a:ext cx="2501910" cy="3335880"/>
+          </a:xfrm>
+          <a:prstGeom prst="rect">
+            <a:avLst/>
+          </a:prstGeom>
+          <a:noFill/>
+          <a:extLst>
+            <a:ext uri="{909E8E84-426E-40DD-AFC4-6F175D3DCCD1}">
+              <a14:hiddenFill xmlns:a14="http://schemas.microsoft.com/office/drawing/2010/main">
+                <a:solidFill>
+                  <a:srgbClr val="FFFFFF"/>
+                </a:solidFill>
+              </a14:hiddenFill>
+            </a:ext>
+          </a:extLst>
+        </p:spPr>
+      </p:pic>
+      <p:pic>
+        <p:nvPicPr>
+          <p:cNvPr id="4" name="Image 3">
+            <a:extLst>
+              <a:ext uri="{FF2B5EF4-FFF2-40B4-BE49-F238E27FC236}">
+                <a16:creationId xmlns:a16="http://schemas.microsoft.com/office/drawing/2014/main" id="{C1547459-3AD0-0A51-7B94-FF4ECB086C3F}"/>
+              </a:ext>
+            </a:extLst>
+          </p:cNvPr>
+          <p:cNvPicPr>
+            <a:picLocks noChangeAspect="1"/>
+          </p:cNvPicPr>
+          <p:nvPr/>
+        </p:nvPicPr>
+        <p:blipFill>
+          <a:blip r:embed="rId4">
+            <a:extLst>
+              <a:ext uri="{28A0092B-C50C-407E-A947-70E740481C1C}">
+                <a14:useLocalDpi xmlns:a14="http://schemas.microsoft.com/office/drawing/2010/main" val="0"/>
+              </a:ext>
+            </a:extLst>
+          </a:blip>
+          <a:stretch>
+            <a:fillRect/>
+          </a:stretch>
+        </p:blipFill>
+        <p:spPr>
+          <a:xfrm>
+            <a:off x="526224" y="8076470"/>
+            <a:ext cx="1914528" cy="2167812"/>
+          </a:xfrm>
+          <a:prstGeom prst="rect">
+            <a:avLst/>
+          </a:prstGeom>
+        </p:spPr>
+      </p:pic>
+      <p:grpSp>
+        <p:nvGrpSpPr>
+          <p:cNvPr id="136" name="Group"/>
+          <p:cNvGrpSpPr/>
+          <p:nvPr/>
+        </p:nvGrpSpPr>
+        <p:grpSpPr>
+          <a:xfrm>
+            <a:off x="8345220" y="118090"/>
+            <a:ext cx="6157897" cy="3553964"/>
+            <a:chOff x="0" y="51032"/>
+            <a:chExt cx="6157895" cy="3553962"/>
+          </a:xfrm>
+        </p:grpSpPr>
+        <p:grpSp>
+          <p:nvGrpSpPr>
+            <p:cNvPr id="134" name="Group"/>
+            <p:cNvGrpSpPr/>
+            <p:nvPr/>
+          </p:nvGrpSpPr>
+          <p:grpSpPr>
+            <a:xfrm>
+              <a:off x="23292" y="51032"/>
+              <a:ext cx="6134604" cy="2980094"/>
+              <a:chOff x="0" y="51032"/>
+              <a:chExt cx="6134603" cy="2980093"/>
+            </a:xfrm>
+          </p:grpSpPr>
+          <p:sp>
+            <p:nvSpPr>
+              <p:cNvPr id="119" name="Triangle"/>
+              <p:cNvSpPr/>
+              <p:nvPr/>
+            </p:nvSpPr>
+            <p:spPr>
+              <a:xfrm rot="1800000">
+                <a:off x="1177378" y="304285"/>
+                <a:ext cx="1319511" cy="1143862"/>
+              </a:xfrm>
+              <a:prstGeom prst="triangle">
+                <a:avLst/>
+              </a:prstGeom>
+              <a:solidFill>
+                <a:srgbClr val="83AAD7"/>
+              </a:solidFill>
+              <a:ln w="3175" cap="flat">
+                <a:solidFill>
+                  <a:srgbClr val="83AAD7"/>
+                </a:solidFill>
+                <a:prstDash val="solid"/>
+                <a:miter lim="400000"/>
+              </a:ln>
+              <a:effectLst/>
+            </p:spPr>
+            <p:txBody>
+              <a:bodyPr wrap="square" lIns="54569" tIns="54569" rIns="54569" bIns="54569" numCol="1" anchor="ctr">
+                <a:noAutofit/>
+              </a:bodyPr>
+              <a:lstStyle/>
+              <a:p>
+                <a:pPr>
+                  <a:lnSpc>
+                    <a:spcPct val="80000"/>
+                  </a:lnSpc>
+                  <a:spcBef>
+                    <a:spcPts val="0"/>
+                  </a:spcBef>
+                  <a:defRPr>
+                    <a:solidFill>
+                      <a:srgbClr val="000000"/>
+                    </a:solidFill>
+                  </a:defRPr>
+                </a:pPr>
+                <a:endParaRPr dirty="0"/>
+              </a:p>
+            </p:txBody>
+          </p:sp>
+          <p:sp>
+            <p:nvSpPr>
+              <p:cNvPr id="120" name="Circle"/>
+              <p:cNvSpPr/>
+              <p:nvPr/>
+            </p:nvSpPr>
+            <p:spPr>
+              <a:xfrm flipH="1">
+                <a:off x="1550783" y="838358"/>
+                <a:ext cx="422091" cy="422091"/>
+              </a:xfrm>
+              <a:prstGeom prst="ellipse">
+                <a:avLst/>
+              </a:prstGeom>
+              <a:solidFill>
+                <a:srgbClr val="B6D5F0"/>
+              </a:solidFill>
+              <a:ln w="12700" cap="flat">
+                <a:noFill/>
+                <a:miter lim="400000"/>
+              </a:ln>
+              <a:effectLst/>
+            </p:spPr>
+            <p:txBody>
+              <a:bodyPr wrap="square" lIns="54569" tIns="54569" rIns="54569" bIns="54569" numCol="1" anchor="ctr">
+                <a:noAutofit/>
+              </a:bodyPr>
+              <a:lstStyle/>
+              <a:p>
+                <a:pPr>
+                  <a:lnSpc>
+                    <a:spcPct val="80000"/>
+                  </a:lnSpc>
+                  <a:spcBef>
+                    <a:spcPts val="0"/>
+                  </a:spcBef>
+                  <a:defRPr>
+                    <a:solidFill>
+                      <a:srgbClr val="000000"/>
+                    </a:solidFill>
+                  </a:defRPr>
+                </a:pPr>
+                <a:endParaRPr dirty="0"/>
+              </a:p>
+            </p:txBody>
+          </p:sp>
+          <p:sp>
+            <p:nvSpPr>
+              <p:cNvPr id="121" name="Circle"/>
+              <p:cNvSpPr/>
+              <p:nvPr/>
+            </p:nvSpPr>
+            <p:spPr>
+              <a:xfrm flipH="1">
+                <a:off x="0" y="819779"/>
+                <a:ext cx="422090" cy="422090"/>
+              </a:xfrm>
+              <a:prstGeom prst="ellipse">
+                <a:avLst/>
+              </a:prstGeom>
+              <a:solidFill>
+                <a:srgbClr val="83AAD7">
+                  <a:alpha val="50458"/>
+                </a:srgbClr>
+              </a:solidFill>
+              <a:ln w="12700" cap="flat">
+                <a:noFill/>
+                <a:miter lim="400000"/>
+              </a:ln>
+              <a:effectLst/>
+            </p:spPr>
+            <p:txBody>
+              <a:bodyPr wrap="square" lIns="54569" tIns="54569" rIns="54569" bIns="54569" numCol="1" anchor="ctr">
+                <a:noAutofit/>
+              </a:bodyPr>
+              <a:lstStyle/>
+              <a:p>
+                <a:pPr>
+                  <a:lnSpc>
+                    <a:spcPct val="80000"/>
+                  </a:lnSpc>
+                  <a:spcBef>
+                    <a:spcPts val="0"/>
+                  </a:spcBef>
+                  <a:defRPr>
+                    <a:solidFill>
+                      <a:srgbClr val="000000"/>
+                    </a:solidFill>
+                  </a:defRPr>
+                </a:pPr>
+                <a:endParaRPr dirty="0"/>
+              </a:p>
+            </p:txBody>
+          </p:sp>
+          <p:sp>
+            <p:nvSpPr>
+              <p:cNvPr id="122" name="Triangle"/>
+              <p:cNvSpPr/>
+              <p:nvPr/>
+            </p:nvSpPr>
+            <p:spPr>
+              <a:xfrm rot="19800000">
+                <a:off x="2896975" y="973389"/>
+                <a:ext cx="1319511" cy="1143862"/>
+              </a:xfrm>
+              <a:prstGeom prst="triangle">
+                <a:avLst/>
+              </a:prstGeom>
+              <a:solidFill>
+                <a:srgbClr val="B6D5F0"/>
+              </a:solidFill>
+              <a:ln w="6350" cap="flat">
+                <a:solidFill>
+                  <a:srgbClr val="BBD4ED"/>
+                </a:solidFill>
+                <a:prstDash val="solid"/>
+                <a:miter lim="400000"/>
+              </a:ln>
+              <a:effectLst/>
+            </p:spPr>
+            <p:txBody>
+              <a:bodyPr wrap="square" lIns="54569" tIns="54569" rIns="54569" bIns="54569" numCol="1" anchor="ctr">
+                <a:noAutofit/>
+              </a:bodyPr>
+              <a:lstStyle/>
+              <a:p>
+                <a:pPr>
+                  <a:lnSpc>
+                    <a:spcPct val="80000"/>
+                  </a:lnSpc>
+                  <a:spcBef>
+                    <a:spcPts val="0"/>
+                  </a:spcBef>
+                  <a:defRPr>
+                    <a:solidFill>
+                      <a:srgbClr val="000000"/>
+                    </a:solidFill>
+                  </a:defRPr>
+                </a:pPr>
+                <a:endParaRPr dirty="0"/>
+              </a:p>
+            </p:txBody>
+          </p:sp>
+          <p:sp>
+            <p:nvSpPr>
+              <p:cNvPr id="123" name="Triangle"/>
+              <p:cNvSpPr/>
+              <p:nvPr/>
+            </p:nvSpPr>
+            <p:spPr>
+              <a:xfrm rot="1800000">
+                <a:off x="3470361" y="1634010"/>
+                <a:ext cx="1319512" cy="1143863"/>
+              </a:xfrm>
+              <a:prstGeom prst="triangle">
+                <a:avLst/>
+              </a:prstGeom>
+              <a:solidFill>
+                <a:srgbClr val="83AAD7"/>
+              </a:solidFill>
+              <a:ln w="6350" cap="flat">
+                <a:solidFill>
+                  <a:srgbClr val="83AAD7"/>
+                </a:solidFill>
+                <a:prstDash val="solid"/>
+                <a:miter lim="400000"/>
+              </a:ln>
+              <a:effectLst/>
+            </p:spPr>
+            <p:txBody>
+              <a:bodyPr wrap="square" lIns="54569" tIns="54569" rIns="54569" bIns="54569" numCol="1" anchor="ctr">
+                <a:noAutofit/>
+              </a:bodyPr>
+              <a:lstStyle/>
+              <a:p>
+                <a:pPr>
+                  <a:lnSpc>
+                    <a:spcPct val="80000"/>
+                  </a:lnSpc>
+                  <a:spcBef>
+                    <a:spcPts val="0"/>
+                  </a:spcBef>
+                  <a:defRPr>
+                    <a:solidFill>
+                      <a:srgbClr val="000000"/>
+                    </a:solidFill>
+                  </a:defRPr>
+                </a:pPr>
+                <a:endParaRPr dirty="0"/>
+              </a:p>
+            </p:txBody>
+          </p:sp>
+          <p:sp>
+            <p:nvSpPr>
+              <p:cNvPr id="124" name="Circle"/>
+              <p:cNvSpPr/>
+              <p:nvPr/>
+            </p:nvSpPr>
+            <p:spPr>
+              <a:xfrm flipH="1">
+                <a:off x="3461023" y="1507462"/>
+                <a:ext cx="422091" cy="422091"/>
+              </a:xfrm>
+              <a:prstGeom prst="ellipse">
+                <a:avLst/>
+              </a:prstGeom>
+              <a:solidFill>
+                <a:srgbClr val="83AAD7"/>
+              </a:solidFill>
+              <a:ln w="12700" cap="flat">
+                <a:noFill/>
+                <a:miter lim="400000"/>
+              </a:ln>
+              <a:effectLst/>
+            </p:spPr>
+            <p:txBody>
+              <a:bodyPr wrap="square" lIns="54569" tIns="54569" rIns="54569" bIns="54569" numCol="1" anchor="ctr">
+                <a:noAutofit/>
+              </a:bodyPr>
+              <a:lstStyle/>
+              <a:p>
+                <a:pPr>
+                  <a:lnSpc>
+                    <a:spcPct val="80000"/>
+                  </a:lnSpc>
+                  <a:spcBef>
+                    <a:spcPts val="0"/>
+                  </a:spcBef>
+                  <a:defRPr>
+                    <a:solidFill>
+                      <a:srgbClr val="000000"/>
+                    </a:solidFill>
+                  </a:defRPr>
+                </a:pPr>
+                <a:endParaRPr dirty="0"/>
+              </a:p>
+            </p:txBody>
+          </p:sp>
+          <p:sp>
+            <p:nvSpPr>
+              <p:cNvPr id="125" name="Circle"/>
+              <p:cNvSpPr/>
+              <p:nvPr/>
+            </p:nvSpPr>
+            <p:spPr>
+              <a:xfrm flipH="1">
+                <a:off x="3843766" y="2168083"/>
+                <a:ext cx="422091" cy="422091"/>
+              </a:xfrm>
+              <a:prstGeom prst="ellipse">
+                <a:avLst/>
+              </a:prstGeom>
+              <a:solidFill>
+                <a:srgbClr val="B6D5F0"/>
+              </a:solidFill>
+              <a:ln w="12700" cap="flat">
+                <a:noFill/>
+                <a:miter lim="400000"/>
+              </a:ln>
+              <a:effectLst/>
+            </p:spPr>
+            <p:txBody>
+              <a:bodyPr wrap="square" lIns="54569" tIns="54569" rIns="54569" bIns="54569" numCol="1" anchor="ctr">
+                <a:noAutofit/>
+              </a:bodyPr>
+              <a:lstStyle/>
+              <a:p>
+                <a:pPr>
+                  <a:lnSpc>
+                    <a:spcPct val="80000"/>
+                  </a:lnSpc>
+                  <a:spcBef>
+                    <a:spcPts val="0"/>
+                  </a:spcBef>
+                  <a:defRPr>
+                    <a:solidFill>
+                      <a:srgbClr val="000000"/>
+                    </a:solidFill>
+                  </a:defRPr>
+                </a:pPr>
+                <a:endParaRPr dirty="0"/>
+              </a:p>
+            </p:txBody>
+          </p:sp>
+          <p:sp>
+            <p:nvSpPr>
+              <p:cNvPr id="126" name="Triangle"/>
+              <p:cNvSpPr/>
+              <p:nvPr/>
+            </p:nvSpPr>
+            <p:spPr>
+              <a:xfrm rot="1800000">
+                <a:off x="3470361" y="312963"/>
+                <a:ext cx="1319512" cy="1143863"/>
+              </a:xfrm>
+              <a:prstGeom prst="triangle">
+                <a:avLst/>
+              </a:prstGeom>
+              <a:solidFill>
+                <a:srgbClr val="83AAD7"/>
+              </a:solidFill>
+              <a:ln w="6350" cap="flat">
+                <a:solidFill>
+                  <a:srgbClr val="83AAD7"/>
+                </a:solidFill>
+                <a:prstDash val="solid"/>
+                <a:miter lim="400000"/>
+              </a:ln>
+              <a:effectLst/>
+            </p:spPr>
+            <p:txBody>
+              <a:bodyPr wrap="square" lIns="54569" tIns="54569" rIns="54569" bIns="54569" numCol="1" anchor="ctr">
+                <a:noAutofit/>
+              </a:bodyPr>
+              <a:lstStyle/>
+              <a:p>
+                <a:pPr>
+                  <a:lnSpc>
+                    <a:spcPct val="80000"/>
+                  </a:lnSpc>
+                  <a:spcBef>
+                    <a:spcPts val="0"/>
+                  </a:spcBef>
+                  <a:defRPr>
+                    <a:solidFill>
+                      <a:srgbClr val="000000"/>
+                    </a:solidFill>
+                  </a:defRPr>
+                </a:pPr>
+                <a:endParaRPr dirty="0"/>
+              </a:p>
+            </p:txBody>
+          </p:sp>
+          <p:sp>
+            <p:nvSpPr>
+              <p:cNvPr id="127" name="Circle"/>
+              <p:cNvSpPr/>
+              <p:nvPr/>
+            </p:nvSpPr>
+            <p:spPr>
+              <a:xfrm flipH="1">
+                <a:off x="3843766" y="847037"/>
+                <a:ext cx="422091" cy="422091"/>
+              </a:xfrm>
+              <a:prstGeom prst="ellipse">
+                <a:avLst/>
+              </a:prstGeom>
+              <a:solidFill>
+                <a:srgbClr val="B6D5F0"/>
+              </a:solidFill>
+              <a:ln w="12700" cap="flat">
+                <a:noFill/>
+                <a:miter lim="400000"/>
+              </a:ln>
+              <a:effectLst/>
+            </p:spPr>
+            <p:txBody>
+              <a:bodyPr wrap="square" lIns="54569" tIns="54569" rIns="54569" bIns="54569" numCol="1" anchor="ctr">
+                <a:noAutofit/>
+              </a:bodyPr>
+              <a:lstStyle/>
+              <a:p>
+                <a:pPr>
+                  <a:lnSpc>
+                    <a:spcPct val="80000"/>
+                  </a:lnSpc>
+                  <a:spcBef>
+                    <a:spcPts val="0"/>
+                  </a:spcBef>
+                  <a:defRPr>
+                    <a:solidFill>
+                      <a:srgbClr val="000000"/>
+                    </a:solidFill>
+                  </a:defRPr>
+                </a:pPr>
+                <a:endParaRPr dirty="0"/>
+              </a:p>
+            </p:txBody>
+          </p:sp>
+          <p:sp>
+            <p:nvSpPr>
+              <p:cNvPr id="128" name="Triangle"/>
+              <p:cNvSpPr/>
+              <p:nvPr/>
+            </p:nvSpPr>
+            <p:spPr>
+              <a:xfrm rot="19800000">
+                <a:off x="4044132" y="318647"/>
+                <a:ext cx="1319512" cy="1143863"/>
+              </a:xfrm>
+              <a:prstGeom prst="triangle">
+                <a:avLst/>
+              </a:prstGeom>
+              <a:solidFill>
+                <a:srgbClr val="B6D5F0"/>
+              </a:solidFill>
+              <a:ln w="6350" cap="flat">
+                <a:solidFill>
+                  <a:srgbClr val="BBD4ED"/>
+                </a:solidFill>
+                <a:prstDash val="solid"/>
+                <a:miter lim="400000"/>
+              </a:ln>
+              <a:effectLst/>
+            </p:spPr>
+            <p:txBody>
+              <a:bodyPr wrap="square" lIns="54569" tIns="54569" rIns="54569" bIns="54569" numCol="1" anchor="ctr">
+                <a:noAutofit/>
+              </a:bodyPr>
+              <a:lstStyle/>
+              <a:p>
+                <a:pPr>
+                  <a:lnSpc>
+                    <a:spcPct val="80000"/>
+                  </a:lnSpc>
+                  <a:spcBef>
+                    <a:spcPts val="0"/>
+                  </a:spcBef>
+                  <a:defRPr>
+                    <a:solidFill>
+                      <a:srgbClr val="000000"/>
+                    </a:solidFill>
+                  </a:defRPr>
+                </a:pPr>
+                <a:endParaRPr dirty="0"/>
+              </a:p>
+            </p:txBody>
+          </p:sp>
+          <p:sp>
+            <p:nvSpPr>
+              <p:cNvPr id="129" name="Circle"/>
+              <p:cNvSpPr/>
+              <p:nvPr/>
+            </p:nvSpPr>
+            <p:spPr>
+              <a:xfrm flipH="1">
+                <a:off x="4608181" y="852721"/>
+                <a:ext cx="422091" cy="422091"/>
+              </a:xfrm>
+              <a:prstGeom prst="ellipse">
+                <a:avLst/>
+              </a:prstGeom>
+              <a:solidFill>
+                <a:srgbClr val="83AAD7"/>
+              </a:solidFill>
+              <a:ln w="12700" cap="flat">
+                <a:noFill/>
+                <a:miter lim="400000"/>
+              </a:ln>
+              <a:effectLst/>
+            </p:spPr>
+            <p:txBody>
+              <a:bodyPr wrap="square" lIns="54569" tIns="54569" rIns="54569" bIns="54569" numCol="1" anchor="ctr">
+                <a:noAutofit/>
+              </a:bodyPr>
+              <a:lstStyle/>
+              <a:p>
+                <a:pPr>
+                  <a:lnSpc>
+                    <a:spcPct val="80000"/>
+                  </a:lnSpc>
+                  <a:spcBef>
+                    <a:spcPts val="0"/>
+                  </a:spcBef>
+                  <a:defRPr>
+                    <a:solidFill>
+                      <a:srgbClr val="000000"/>
+                    </a:solidFill>
+                  </a:defRPr>
+                </a:pPr>
+                <a:endParaRPr dirty="0"/>
+              </a:p>
+            </p:txBody>
+          </p:sp>
+          <p:sp>
+            <p:nvSpPr>
+              <p:cNvPr id="130" name="Triangle"/>
+              <p:cNvSpPr/>
+              <p:nvPr/>
+            </p:nvSpPr>
+            <p:spPr>
+              <a:xfrm rot="1800000">
+                <a:off x="4617518" y="979269"/>
+                <a:ext cx="1319511" cy="1143863"/>
+              </a:xfrm>
+              <a:prstGeom prst="triangle">
+                <a:avLst/>
+              </a:prstGeom>
+              <a:solidFill>
+                <a:srgbClr val="83AAD7"/>
+              </a:solidFill>
+              <a:ln w="6350" cap="flat">
+                <a:solidFill>
+                  <a:srgbClr val="83AAD7"/>
+                </a:solidFill>
+                <a:prstDash val="solid"/>
+                <a:miter lim="400000"/>
+              </a:ln>
+              <a:effectLst/>
+            </p:spPr>
+            <p:txBody>
+              <a:bodyPr wrap="square" lIns="54569" tIns="54569" rIns="54569" bIns="54569" numCol="1" anchor="ctr">
+                <a:noAutofit/>
+              </a:bodyPr>
+              <a:lstStyle/>
+              <a:p>
+                <a:pPr>
+                  <a:lnSpc>
+                    <a:spcPct val="80000"/>
+                  </a:lnSpc>
+                  <a:spcBef>
+                    <a:spcPts val="0"/>
+                  </a:spcBef>
+                  <a:defRPr>
+                    <a:solidFill>
+                      <a:srgbClr val="000000"/>
+                    </a:solidFill>
+                  </a:defRPr>
+                </a:pPr>
+                <a:endParaRPr dirty="0"/>
+              </a:p>
+            </p:txBody>
+          </p:sp>
+          <p:sp>
+            <p:nvSpPr>
+              <p:cNvPr id="131" name="Circle"/>
+              <p:cNvSpPr/>
+              <p:nvPr/>
+            </p:nvSpPr>
+            <p:spPr>
+              <a:xfrm flipH="1">
+                <a:off x="4990923" y="1513342"/>
+                <a:ext cx="422091" cy="422091"/>
+              </a:xfrm>
+              <a:prstGeom prst="ellipse">
+                <a:avLst/>
+              </a:prstGeom>
+              <a:solidFill>
+                <a:srgbClr val="B6D5F0"/>
+              </a:solidFill>
+              <a:ln w="12700" cap="flat">
+                <a:noFill/>
+                <a:miter lim="400000"/>
+              </a:ln>
+              <a:effectLst/>
+            </p:spPr>
+            <p:txBody>
+              <a:bodyPr wrap="square" lIns="54569" tIns="54569" rIns="54569" bIns="54569" numCol="1" anchor="ctr">
+                <a:noAutofit/>
+              </a:bodyPr>
+              <a:lstStyle/>
+              <a:p>
+                <a:pPr>
+                  <a:lnSpc>
+                    <a:spcPct val="80000"/>
+                  </a:lnSpc>
+                  <a:spcBef>
+                    <a:spcPts val="0"/>
+                  </a:spcBef>
+                  <a:defRPr>
+                    <a:solidFill>
+                      <a:srgbClr val="000000"/>
+                    </a:solidFill>
+                  </a:defRPr>
+                </a:pPr>
+                <a:endParaRPr dirty="0"/>
+              </a:p>
+            </p:txBody>
+          </p:sp>
+          <p:sp>
+            <p:nvSpPr>
+              <p:cNvPr id="132" name="Triangle"/>
+              <p:cNvSpPr/>
+              <p:nvPr/>
+            </p:nvSpPr>
+            <p:spPr>
+              <a:xfrm rot="19800000">
+                <a:off x="1751149" y="309969"/>
+                <a:ext cx="1319512" cy="1143862"/>
+              </a:xfrm>
+              <a:prstGeom prst="triangle">
+                <a:avLst/>
+              </a:prstGeom>
+              <a:solidFill>
+                <a:srgbClr val="B6D5F0"/>
+              </a:solidFill>
+              <a:ln w="6350" cap="flat">
+                <a:solidFill>
+                  <a:srgbClr val="BBD4ED"/>
+                </a:solidFill>
+                <a:prstDash val="solid"/>
+                <a:miter lim="400000"/>
+              </a:ln>
+              <a:effectLst/>
+            </p:spPr>
+            <p:txBody>
+              <a:bodyPr wrap="square" lIns="54569" tIns="54569" rIns="54569" bIns="54569" numCol="1" anchor="ctr">
+                <a:noAutofit/>
+              </a:bodyPr>
+              <a:lstStyle/>
+              <a:p>
+                <a:pPr>
+                  <a:lnSpc>
+                    <a:spcPct val="80000"/>
+                  </a:lnSpc>
+                  <a:spcBef>
+                    <a:spcPts val="0"/>
+                  </a:spcBef>
+                  <a:defRPr>
+                    <a:solidFill>
+                      <a:srgbClr val="000000"/>
+                    </a:solidFill>
+                  </a:defRPr>
+                </a:pPr>
+                <a:endParaRPr dirty="0"/>
+              </a:p>
+            </p:txBody>
+          </p:sp>
+          <p:sp>
+            <p:nvSpPr>
+              <p:cNvPr id="133" name="Circle"/>
+              <p:cNvSpPr/>
+              <p:nvPr/>
+            </p:nvSpPr>
+            <p:spPr>
+              <a:xfrm flipH="1">
+                <a:off x="2315198" y="844042"/>
+                <a:ext cx="422091" cy="422091"/>
+              </a:xfrm>
+              <a:prstGeom prst="ellipse">
+                <a:avLst/>
+              </a:prstGeom>
+              <a:solidFill>
+                <a:srgbClr val="83AAD7"/>
+              </a:solidFill>
+              <a:ln w="12700" cap="flat">
+                <a:noFill/>
+                <a:miter lim="400000"/>
+              </a:ln>
+              <a:effectLst/>
+            </p:spPr>
+            <p:txBody>
+              <a:bodyPr wrap="square" lIns="54569" tIns="54569" rIns="54569" bIns="54569" numCol="1" anchor="ctr">
+                <a:noAutofit/>
+              </a:bodyPr>
+              <a:lstStyle/>
+              <a:p>
+                <a:pPr>
+                  <a:lnSpc>
+                    <a:spcPct val="80000"/>
+                  </a:lnSpc>
+                  <a:spcBef>
+                    <a:spcPts val="0"/>
+                  </a:spcBef>
+                  <a:defRPr>
+                    <a:solidFill>
+                      <a:srgbClr val="000000"/>
+                    </a:solidFill>
+                  </a:defRPr>
+                </a:pPr>
+                <a:endParaRPr dirty="0"/>
+              </a:p>
+            </p:txBody>
+          </p:sp>
+        </p:grpSp>
+        <p:sp>
+          <p:nvSpPr>
+            <p:cNvPr id="135" name="Rectangle"/>
+            <p:cNvSpPr/>
+            <p:nvPr/>
+          </p:nvSpPr>
+          <p:spPr>
+            <a:xfrm>
+              <a:off x="0" y="1038072"/>
+              <a:ext cx="5593306" cy="2566923"/>
+            </a:xfrm>
+            <a:prstGeom prst="rect">
+              <a:avLst/>
+            </a:prstGeom>
+            <a:gradFill flip="none" rotWithShape="1">
+              <a:gsLst>
+                <a:gs pos="0">
+                  <a:srgbClr val="FFFFFF">
+                    <a:alpha val="0"/>
+                  </a:srgbClr>
+                </a:gs>
+                <a:gs pos="20382">
+                  <a:srgbClr val="FFFFFF">
+                    <a:alpha val="45796"/>
+                  </a:srgbClr>
+                </a:gs>
+                <a:gs pos="35803">
+                  <a:srgbClr val="FFFFFF">
+                    <a:alpha val="72898"/>
+                  </a:srgbClr>
+                </a:gs>
+                <a:gs pos="55434">
+                  <a:srgbClr val="FFFFFF"/>
+                </a:gs>
+              </a:gsLst>
+              <a:path path="circle">
+                <a:fillToRect l="119636" t="37721" r="-19636" b="62278"/>
+              </a:path>
+            </a:gradFill>
+            <a:ln w="12700" cap="flat">
+              <a:noFill/>
+              <a:miter lim="400000"/>
+            </a:ln>
+            <a:effectLst/>
+          </p:spPr>
+          <p:txBody>
+            <a:bodyPr wrap="square" lIns="54569" tIns="54569" rIns="54569" bIns="54569" numCol="1" anchor="ctr">
+              <a:noAutofit/>
+            </a:bodyPr>
+            <a:lstStyle/>
+            <a:p>
+              <a:pPr>
+                <a:lnSpc>
+                  <a:spcPct val="80000"/>
+                </a:lnSpc>
+                <a:spcBef>
+                  <a:spcPts val="0"/>
+                </a:spcBef>
+                <a:defRPr>
+                  <a:solidFill>
+                    <a:srgbClr val="000000"/>
+                  </a:solidFill>
+                </a:defRPr>
+              </a:pPr>
+              <a:endParaRPr dirty="0"/>
+            </a:p>
+          </p:txBody>
+        </p:sp>
+      </p:grpSp>
+      <p:sp>
+        <p:nvSpPr>
+          <p:cNvPr id="232" name="RStudio IDE : : CHEAT SHEET"/>
+          <p:cNvSpPr txBox="1">
+            <a:spLocks noGrp="1"/>
+          </p:cNvSpPr>
+          <p:nvPr>
+            <p:ph type="title"/>
+          </p:nvPr>
+        </p:nvSpPr>
+        <p:spPr>
+          <a:xfrm>
+            <a:off x="275720" y="361176"/>
+            <a:ext cx="10898131" cy="803348"/>
+          </a:xfrm>
+          <a:prstGeom prst="rect">
+            <a:avLst/>
+          </a:prstGeom>
+        </p:spPr>
+        <p:txBody>
+          <a:bodyPr lIns="0" tIns="0" rIns="0" bIns="0" anchor="t">
+            <a:normAutofit/>
+          </a:bodyPr>
+          <a:lstStyle/>
+          <a:p>
+            <a:r>
+              <a:rPr lang="en-US" sz="3600" b="1" dirty="0">
+                <a:effectLst/>
+                <a:latin typeface="Calibri" panose="020F0502020204030204" pitchFamily="34" charset="0"/>
+                <a:ea typeface="Calibri" panose="020F0502020204030204" pitchFamily="34" charset="0"/>
+                <a:cs typeface="Times New Roman" panose="02020603050405020304" pitchFamily="18" charset="0"/>
+              </a:rPr>
+              <a:t>Large Language Models </a:t>
+            </a:r>
+            <a:r>
+              <a:rPr lang="fr-FR" dirty="0"/>
+              <a:t>: : </a:t>
+            </a:r>
+            <a:r>
+              <a:rPr lang="fr-FR" sz="3300" b="1" dirty="0">
+                <a:latin typeface="SourceSansPro-SemiBold"/>
+                <a:ea typeface="SourceSansPro-SemiBold"/>
+                <a:cs typeface="SourceSansPro-SemiBold"/>
+                <a:sym typeface="SourceSansPro-SemiBold"/>
+              </a:rPr>
+              <a:t>CHEAT SHEET</a:t>
+            </a:r>
+            <a:r>
+              <a:rPr lang="fr-FR" dirty="0"/>
+              <a:t> </a:t>
+            </a:r>
+          </a:p>
+        </p:txBody>
+      </p:sp>
+      <p:sp>
+        <p:nvSpPr>
+          <p:cNvPr id="234" name="Line"/>
+          <p:cNvSpPr/>
+          <p:nvPr/>
+        </p:nvSpPr>
+        <p:spPr>
+          <a:xfrm>
+            <a:off x="2354307" y="10337513"/>
+            <a:ext cx="11321196" cy="2"/>
+          </a:xfrm>
+          <a:prstGeom prst="line">
+            <a:avLst/>
+          </a:prstGeom>
+          <a:ln w="12700">
+            <a:solidFill>
+              <a:srgbClr val="E4E4E3"/>
+            </a:solidFill>
+            <a:miter lim="400000"/>
+          </a:ln>
+        </p:spPr>
+        <p:txBody>
+          <a:bodyPr lIns="45718" tIns="45718" rIns="45718" bIns="45718"/>
+          <a:lstStyle/>
+          <a:p>
+            <a:endParaRPr dirty="0"/>
+          </a:p>
+        </p:txBody>
+      </p:sp>
+      <p:sp>
+        <p:nvSpPr>
+          <p:cNvPr id="237" name="RStudio® is a trademark of RStudio, PBC  •  CC BY SA  RStudio  •  info@rstudio.com  •  844-448-1212  •  rstudio.com  •  Learn more at rstudio.com  •  Font Awesome 5.15.3  •  RStudio IDE  1.4.1717  •  Updated:  2021-07"/>
+          <p:cNvSpPr txBox="1"/>
+          <p:nvPr/>
+        </p:nvSpPr>
+        <p:spPr>
+          <a:xfrm>
+            <a:off x="2249286" y="10361898"/>
+            <a:ext cx="11321196" cy="234853"/>
+          </a:xfrm>
+          <a:prstGeom prst="rect">
+            <a:avLst/>
+          </a:prstGeom>
+          <a:ln w="12700">
+            <a:miter lim="400000"/>
+          </a:ln>
+          <a:extLst>
+            <a:ext uri="{C572A759-6A51-4108-AA02-DFA0A04FC94B}">
+              <ma14:wrappingTextBoxFlag xmlns="" xmlns:m="http://schemas.openxmlformats.org/officeDocument/2006/math" xmlns:a14="http://schemas.microsoft.com/office/drawing/2010/main" xmlns:ma14="http://schemas.microsoft.com/office/mac/drawingml/2011/main" val="1"/>
+            </a:ext>
+          </a:extLst>
+        </p:spPr>
+        <p:txBody>
+          <a:bodyPr wrap="square" lIns="54569" tIns="54569" rIns="54569" bIns="54569" anchor="ctr">
+            <a:spAutoFit/>
+          </a:bodyPr>
+          <a:lstStyle/>
+          <a:p>
+            <a:pPr algn="r">
+              <a:lnSpc>
+                <a:spcPct val="90000"/>
+              </a:lnSpc>
+              <a:spcBef>
+                <a:spcPts val="0"/>
+              </a:spcBef>
+              <a:defRPr sz="900">
+                <a:solidFill>
+                  <a:srgbClr val="000000"/>
+                </a:solidFill>
+              </a:defRPr>
+            </a:pPr>
+            <a:r>
+              <a:rPr lang="fr-FR" b="1" dirty="0"/>
+              <a:t>Ashish Patel </a:t>
+            </a:r>
+            <a:r>
+              <a:rPr lang="fr-FR" dirty="0"/>
+              <a:t>•  Principal Research  Scientist  • ashishpatel.ce.2011@gmail.com                             </a:t>
+            </a:r>
+            <a:r>
+              <a:rPr lang="fr-FR" b="1" dirty="0"/>
+              <a:t>Abonia Sojasingarayar</a:t>
+            </a:r>
+            <a:r>
+              <a:rPr b="1" dirty="0"/>
+              <a:t> </a:t>
+            </a:r>
+            <a:r>
+              <a:rPr dirty="0"/>
+              <a:t>• </a:t>
+            </a:r>
+            <a:r>
+              <a:rPr lang="fr-FR" dirty="0"/>
+              <a:t> Machine Learning  Scientist  • aboniaa@gmail.com</a:t>
+            </a:r>
+            <a:r>
+              <a:rPr dirty="0"/>
+              <a:t>  </a:t>
+            </a:r>
+            <a:r>
+              <a:rPr lang="fr-FR" dirty="0"/>
+              <a:t>         </a:t>
+            </a:r>
+            <a:r>
+              <a:rPr i="1" dirty="0"/>
+              <a:t>Updated:  202</a:t>
+            </a:r>
+            <a:r>
+              <a:rPr lang="fr-FR" i="1" dirty="0"/>
+              <a:t>3</a:t>
+            </a:r>
+            <a:r>
+              <a:rPr i="1" dirty="0"/>
+              <a:t>-0</a:t>
+            </a:r>
+            <a:r>
+              <a:rPr lang="fr-FR" i="1" dirty="0"/>
+              <a:t>2</a:t>
+            </a:r>
+            <a:endParaRPr i="1" dirty="0"/>
+          </a:p>
+        </p:txBody>
+      </p:sp>
+      <p:sp>
+        <p:nvSpPr>
+          <p:cNvPr id="273" name="Line"/>
+          <p:cNvSpPr/>
+          <p:nvPr/>
+        </p:nvSpPr>
+        <p:spPr>
+          <a:xfrm>
+            <a:off x="6946238" y="1104898"/>
+            <a:ext cx="3149601" cy="2"/>
+          </a:xfrm>
+          <a:prstGeom prst="line">
+            <a:avLst/>
+          </a:prstGeom>
+          <a:ln w="6350">
+            <a:solidFill>
+              <a:srgbClr val="767C85"/>
+            </a:solidFill>
+            <a:miter lim="400000"/>
+          </a:ln>
+        </p:spPr>
+        <p:txBody>
+          <a:bodyPr lIns="45718" tIns="45718" rIns="45718" bIns="45718"/>
+          <a:lstStyle/>
+          <a:p>
+            <a:endParaRPr dirty="0"/>
+          </a:p>
+        </p:txBody>
+      </p:sp>
+      <p:sp>
+        <p:nvSpPr>
+          <p:cNvPr id="275" name="Line"/>
+          <p:cNvSpPr/>
+          <p:nvPr/>
+        </p:nvSpPr>
+        <p:spPr>
+          <a:xfrm flipV="1">
+            <a:off x="3572192" y="1124365"/>
+            <a:ext cx="3075056" cy="3"/>
+          </a:xfrm>
+          <a:prstGeom prst="line">
+            <a:avLst/>
+          </a:prstGeom>
+          <a:ln w="6350">
+            <a:solidFill>
+              <a:srgbClr val="767C85"/>
+            </a:solidFill>
+            <a:miter lim="400000"/>
+          </a:ln>
+        </p:spPr>
+        <p:txBody>
+          <a:bodyPr lIns="45718" tIns="45718" rIns="45718" bIns="45718"/>
+          <a:lstStyle/>
+          <a:p>
+            <a:endParaRPr dirty="0"/>
+          </a:p>
+        </p:txBody>
+      </p:sp>
+      <p:sp>
+        <p:nvSpPr>
+          <p:cNvPr id="394" name="Line"/>
+          <p:cNvSpPr/>
+          <p:nvPr/>
+        </p:nvSpPr>
+        <p:spPr>
+          <a:xfrm>
+            <a:off x="10521908" y="1104900"/>
+            <a:ext cx="1078194" cy="0"/>
+          </a:xfrm>
+          <a:prstGeom prst="line">
+            <a:avLst/>
+          </a:prstGeom>
+          <a:ln w="6350">
+            <a:solidFill>
+              <a:srgbClr val="767C85"/>
+            </a:solidFill>
+            <a:miter lim="400000"/>
+          </a:ln>
+        </p:spPr>
+        <p:txBody>
+          <a:bodyPr lIns="45718" tIns="45718" rIns="45718" bIns="45718"/>
+          <a:lstStyle/>
+          <a:p>
+            <a:endParaRPr dirty="0"/>
+          </a:p>
+        </p:txBody>
+      </p:sp>
+      <p:sp>
+        <p:nvSpPr>
+          <p:cNvPr id="2" name="Package Development">
+            <a:extLst>
+              <a:ext uri="{FF2B5EF4-FFF2-40B4-BE49-F238E27FC236}">
+                <a16:creationId xmlns:a16="http://schemas.microsoft.com/office/drawing/2014/main" id="{4A81DEF9-65A4-6CE4-B19A-B96C61D7F58D}"/>
+              </a:ext>
+            </a:extLst>
+          </p:cNvPr>
+          <p:cNvSpPr txBox="1"/>
+          <p:nvPr/>
+        </p:nvSpPr>
+        <p:spPr>
+          <a:xfrm>
+            <a:off x="3665569" y="7394948"/>
+            <a:ext cx="1402628" cy="176459"/>
+          </a:xfrm>
+          <a:prstGeom prst="rect">
+            <a:avLst/>
+          </a:prstGeom>
+          <a:ln w="12700">
+            <a:miter lim="400000"/>
+          </a:ln>
+          <a:extLst>
+            <a:ext uri="{C572A759-6A51-4108-AA02-DFA0A04FC94B}">
+              <ma14:wrappingTextBoxFlag xmlns="" xmlns:m="http://schemas.openxmlformats.org/officeDocument/2006/math" xmlns:a14="http://schemas.microsoft.com/office/drawing/2010/main" xmlns:ma14="http://schemas.microsoft.com/office/mac/drawingml/2011/main" val="1"/>
+            </a:ext>
+          </a:extLst>
+        </p:spPr>
+        <p:txBody>
+          <a:bodyPr wrap="none" lIns="0" tIns="0" rIns="0" bIns="0" anchor="ctr">
+            <a:spAutoFit/>
+          </a:bodyPr>
+          <a:lstStyle/>
+          <a:p>
+            <a:pPr lvl="1">
+              <a:lnSpc>
+                <a:spcPct val="80000"/>
+              </a:lnSpc>
+              <a:spcBef>
+                <a:spcPts val="0"/>
+              </a:spcBef>
+              <a:defRPr sz="2500">
+                <a:solidFill>
+                  <a:srgbClr val="628DB5"/>
+                </a:solidFill>
+              </a:defRPr>
+            </a:pPr>
+            <a:r>
+              <a:rPr lang="en-IN" sz="1400" dirty="0">
+                <a:latin typeface="Calibri" panose="020F0502020204030204" pitchFamily="34" charset="0"/>
+                <a:cs typeface="Times New Roman" panose="02020603050405020304" pitchFamily="18" charset="0"/>
+              </a:rPr>
+              <a:t>Use Cases ChatGPT</a:t>
+            </a:r>
+            <a:endParaRPr sz="1400" dirty="0"/>
+          </a:p>
+        </p:txBody>
+      </p:sp>
+      <p:sp>
+        <p:nvSpPr>
+          <p:cNvPr id="5" name="Rectangle 2">
+            <a:extLst>
+              <a:ext uri="{FF2B5EF4-FFF2-40B4-BE49-F238E27FC236}">
+                <a16:creationId xmlns:a16="http://schemas.microsoft.com/office/drawing/2014/main" id="{ADC38A32-017C-8A41-F8EF-E163F69FB65C}"/>
+              </a:ext>
+            </a:extLst>
+          </p:cNvPr>
+          <p:cNvSpPr>
+            <a:spLocks noChangeArrowheads="1"/>
+          </p:cNvSpPr>
+          <p:nvPr/>
+        </p:nvSpPr>
+        <p:spPr bwMode="auto">
+          <a:xfrm>
+            <a:off x="0" y="0"/>
+            <a:ext cx="13970000" cy="0"/>
+          </a:xfrm>
+          <a:prstGeom prst="rect">
+            <a:avLst/>
+          </a:prstGeom>
+          <a:noFill/>
+          <a:ln>
+            <a:noFill/>
+          </a:ln>
+          <a:effectLst/>
+          <a:extLst>
+            <a:ext uri="{909E8E84-426E-40DD-AFC4-6F175D3DCCD1}">
+              <a14:hiddenFill xmlns:a14="http://schemas.microsoft.com/office/drawing/2010/main">
+                <a:solidFill>
+                  <a:schemeClr val="accent1"/>
+                </a:solidFill>
+              </a14:hiddenFill>
+            </a:ext>
+            <a:ext uri="{91240B29-F687-4F45-9708-019B960494DF}">
+              <a14:hiddenLine xmlns:a14="http://schemas.microsoft.com/office/drawing/2010/main" w="9525">
+                <a:solidFill>
+                  <a:schemeClr val="tx1"/>
+                </a:solidFill>
+                <a:miter lim="800000"/>
+                <a:headEnd/>
+                <a:tailEnd/>
+              </a14:hiddenLine>
+            </a:ext>
+            <a:ext uri="{AF507438-7753-43E0-B8FC-AC1667EBCBE1}">
+              <a14:hiddenEffects xmlns:a14="http://schemas.microsoft.com/office/drawing/2010/main">
+                <a:effectLst>
+                  <a:outerShdw dist="35921" dir="2700000" algn="ctr" rotWithShape="0">
+                    <a:schemeClr val="bg2"/>
+                  </a:outerShdw>
+                </a:effectLst>
+              </a14:hiddenEffects>
+            </a:ext>
+          </a:extLst>
+        </p:spPr>
+        <p:txBody>
+          <a:bodyPr vert="horz" wrap="none" lIns="91440" tIns="45720" rIns="91440" bIns="45720" numCol="1" anchor="ctr" anchorCtr="0" compatLnSpc="1">
+            <a:prstTxWarp prst="textNoShape">
+              <a:avLst/>
+            </a:prstTxWarp>
+            <a:spAutoFit/>
+          </a:bodyPr>
+          <a:lstStyle/>
+          <a:p>
+            <a:endParaRPr lang="fr-FR" dirty="0"/>
+          </a:p>
+        </p:txBody>
+      </p:sp>
+      <p:pic>
+        <p:nvPicPr>
+          <p:cNvPr id="1034" name="Picture 10" descr="Free Linkedin Logo SVG, PNG Icon, Symbol. Download Image.">
+            <a:hlinkClick r:id="rId5"/>
+            <a:extLst>
+              <a:ext uri="{FF2B5EF4-FFF2-40B4-BE49-F238E27FC236}">
+                <a16:creationId xmlns:a16="http://schemas.microsoft.com/office/drawing/2014/main" id="{BCF8C968-BCE9-8D04-E7B8-19299B476D53}"/>
+              </a:ext>
+            </a:extLst>
+          </p:cNvPr>
+          <p:cNvPicPr>
+            <a:picLocks noChangeAspect="1" noChangeArrowheads="1"/>
+          </p:cNvPicPr>
+          <p:nvPr/>
+        </p:nvPicPr>
+        <p:blipFill>
+          <a:blip r:embed="rId6">
+            <a:extLst>
+              <a:ext uri="{28A0092B-C50C-407E-A947-70E740481C1C}">
+                <a14:useLocalDpi xmlns:a14="http://schemas.microsoft.com/office/drawing/2010/main" val="0"/>
+              </a:ext>
+            </a:extLst>
+          </a:blip>
+          <a:srcRect/>
+          <a:stretch>
+            <a:fillRect/>
+          </a:stretch>
+        </p:blipFill>
+        <p:spPr bwMode="auto">
+          <a:xfrm>
+            <a:off x="4446701" y="10563556"/>
+            <a:ext cx="183817" cy="183817"/>
+          </a:xfrm>
+          <a:prstGeom prst="rect">
+            <a:avLst/>
+          </a:prstGeom>
+          <a:noFill/>
+          <a:extLst>
+            <a:ext uri="{909E8E84-426E-40DD-AFC4-6F175D3DCCD1}">
+              <a14:hiddenFill xmlns:a14="http://schemas.microsoft.com/office/drawing/2010/main">
+                <a:solidFill>
+                  <a:srgbClr val="FFFFFF"/>
+                </a:solidFill>
+              </a14:hiddenFill>
+            </a:ext>
+          </a:extLst>
+        </p:spPr>
+      </p:pic>
+      <p:pic>
+        <p:nvPicPr>
+          <p:cNvPr id="1036" name="Picture 12" descr="GitHub Logos and Usage · GitHub">
+            <a:hlinkClick r:id="rId7"/>
+            <a:extLst>
+              <a:ext uri="{FF2B5EF4-FFF2-40B4-BE49-F238E27FC236}">
+                <a16:creationId xmlns:a16="http://schemas.microsoft.com/office/drawing/2014/main" id="{97C0FB8A-47C5-3CEB-7308-5BB941363C80}"/>
+              </a:ext>
+            </a:extLst>
+          </p:cNvPr>
+          <p:cNvPicPr>
+            <a:picLocks noChangeAspect="1" noChangeArrowheads="1"/>
+          </p:cNvPicPr>
+          <p:nvPr/>
+        </p:nvPicPr>
+        <p:blipFill>
+          <a:blip r:embed="rId8">
+            <a:extLst>
+              <a:ext uri="{28A0092B-C50C-407E-A947-70E740481C1C}">
+                <a14:useLocalDpi xmlns:a14="http://schemas.microsoft.com/office/drawing/2010/main" val="0"/>
+              </a:ext>
+            </a:extLst>
+          </a:blip>
+          <a:srcRect/>
+          <a:stretch>
+            <a:fillRect/>
+          </a:stretch>
+        </p:blipFill>
+        <p:spPr bwMode="auto">
+          <a:xfrm>
+            <a:off x="4854437" y="10535061"/>
+            <a:ext cx="220358" cy="220358"/>
+          </a:xfrm>
+          <a:prstGeom prst="rect">
+            <a:avLst/>
+          </a:prstGeom>
+          <a:noFill/>
+          <a:extLst>
+            <a:ext uri="{909E8E84-426E-40DD-AFC4-6F175D3DCCD1}">
+              <a14:hiddenFill xmlns:a14="http://schemas.microsoft.com/office/drawing/2010/main">
+                <a:solidFill>
+                  <a:srgbClr val="FFFFFF"/>
+                </a:solidFill>
+              </a14:hiddenFill>
+            </a:ext>
+          </a:extLst>
+        </p:spPr>
+      </p:pic>
+      <p:pic>
+        <p:nvPicPr>
+          <p:cNvPr id="23" name="Picture 12" descr="GitHub Logos and Usage · GitHub">
+            <a:hlinkClick r:id="rId9"/>
+            <a:extLst>
+              <a:ext uri="{FF2B5EF4-FFF2-40B4-BE49-F238E27FC236}">
+                <a16:creationId xmlns:a16="http://schemas.microsoft.com/office/drawing/2014/main" id="{2D835262-6B90-114D-4749-100D545C20BB}"/>
+              </a:ext>
+            </a:extLst>
+          </p:cNvPr>
+          <p:cNvPicPr>
+            <a:picLocks noChangeAspect="1" noChangeArrowheads="1"/>
+          </p:cNvPicPr>
+          <p:nvPr/>
+        </p:nvPicPr>
+        <p:blipFill>
+          <a:blip r:embed="rId8">
+            <a:extLst>
+              <a:ext uri="{28A0092B-C50C-407E-A947-70E740481C1C}">
+                <a14:useLocalDpi xmlns:a14="http://schemas.microsoft.com/office/drawing/2010/main" val="0"/>
+              </a:ext>
+            </a:extLst>
+          </a:blip>
+          <a:srcRect/>
+          <a:stretch>
+            <a:fillRect/>
+          </a:stretch>
+        </p:blipFill>
+        <p:spPr bwMode="auto">
+          <a:xfrm>
+            <a:off x="9311646" y="10554467"/>
+            <a:ext cx="220358" cy="220358"/>
+          </a:xfrm>
+          <a:prstGeom prst="rect">
+            <a:avLst/>
+          </a:prstGeom>
+          <a:noFill/>
+          <a:extLst>
+            <a:ext uri="{909E8E84-426E-40DD-AFC4-6F175D3DCCD1}">
+              <a14:hiddenFill xmlns:a14="http://schemas.microsoft.com/office/drawing/2010/main">
+                <a:solidFill>
+                  <a:srgbClr val="FFFFFF"/>
+                </a:solidFill>
+              </a14:hiddenFill>
+            </a:ext>
+          </a:extLst>
+        </p:spPr>
+      </p:pic>
+      <p:pic>
+        <p:nvPicPr>
+          <p:cNvPr id="24" name="Picture 10" descr="Free Linkedin Logo SVG, PNG Icon, Symbol. Download Image.">
+            <a:hlinkClick r:id="rId10"/>
+            <a:extLst>
+              <a:ext uri="{FF2B5EF4-FFF2-40B4-BE49-F238E27FC236}">
+                <a16:creationId xmlns:a16="http://schemas.microsoft.com/office/drawing/2014/main" id="{B93AAFCF-1F74-4D29-500C-1BBCA1E23B66}"/>
+              </a:ext>
+            </a:extLst>
+          </p:cNvPr>
+          <p:cNvPicPr>
+            <a:picLocks noChangeAspect="1" noChangeArrowheads="1"/>
+          </p:cNvPicPr>
+          <p:nvPr/>
+        </p:nvPicPr>
+        <p:blipFill>
+          <a:blip r:embed="rId6">
+            <a:extLst>
+              <a:ext uri="{28A0092B-C50C-407E-A947-70E740481C1C}">
+                <a14:useLocalDpi xmlns:a14="http://schemas.microsoft.com/office/drawing/2010/main" val="0"/>
+              </a:ext>
+            </a:extLst>
+          </a:blip>
+          <a:srcRect/>
+          <a:stretch>
+            <a:fillRect/>
+          </a:stretch>
+        </p:blipFill>
+        <p:spPr bwMode="auto">
+          <a:xfrm>
+            <a:off x="8790602" y="10571498"/>
+            <a:ext cx="183817" cy="183817"/>
+          </a:xfrm>
+          <a:prstGeom prst="rect">
+            <a:avLst/>
+          </a:prstGeom>
+          <a:noFill/>
+          <a:extLst>
+            <a:ext uri="{909E8E84-426E-40DD-AFC4-6F175D3DCCD1}">
+              <a14:hiddenFill xmlns:a14="http://schemas.microsoft.com/office/drawing/2010/main">
+                <a:solidFill>
+                  <a:srgbClr val="FFFFFF"/>
+                </a:solidFill>
+              </a14:hiddenFill>
+            </a:ext>
+          </a:extLst>
+        </p:spPr>
+      </p:pic>
+      <p:sp>
+        <p:nvSpPr>
+          <p:cNvPr id="30" name="Line">
+            <a:extLst>
+              <a:ext uri="{FF2B5EF4-FFF2-40B4-BE49-F238E27FC236}">
+                <a16:creationId xmlns:a16="http://schemas.microsoft.com/office/drawing/2014/main" id="{E67808E4-8A6F-013D-934F-2B67D1E6136B}"/>
+              </a:ext>
+            </a:extLst>
+          </p:cNvPr>
+          <p:cNvSpPr/>
+          <p:nvPr/>
+        </p:nvSpPr>
+        <p:spPr>
+          <a:xfrm>
+            <a:off x="6963894" y="6695888"/>
+            <a:ext cx="3087757" cy="0"/>
+          </a:xfrm>
+          <a:prstGeom prst="line">
+            <a:avLst/>
+          </a:prstGeom>
+          <a:ln w="6350">
+            <a:solidFill>
+              <a:srgbClr val="767C85"/>
+            </a:solidFill>
+            <a:miter lim="400000"/>
+          </a:ln>
+        </p:spPr>
+        <p:txBody>
+          <a:bodyPr lIns="45718" tIns="45718" rIns="45718" bIns="45718"/>
+          <a:lstStyle/>
+          <a:p>
+            <a:endParaRPr lang="fr-FR" dirty="0"/>
+          </a:p>
+        </p:txBody>
+      </p:sp>
+      <p:sp>
+        <p:nvSpPr>
+          <p:cNvPr id="56" name="Line">
+            <a:extLst>
+              <a:ext uri="{FF2B5EF4-FFF2-40B4-BE49-F238E27FC236}">
+                <a16:creationId xmlns:a16="http://schemas.microsoft.com/office/drawing/2014/main" id="{4FAAC126-1404-B07F-DEBC-DF7D20839C57}"/>
+              </a:ext>
+            </a:extLst>
+          </p:cNvPr>
+          <p:cNvSpPr/>
+          <p:nvPr/>
+        </p:nvSpPr>
+        <p:spPr>
+          <a:xfrm>
+            <a:off x="10519690" y="1104968"/>
+            <a:ext cx="3149601" cy="2"/>
+          </a:xfrm>
+          <a:prstGeom prst="line">
+            <a:avLst/>
+          </a:prstGeom>
+          <a:ln w="6350">
+            <a:solidFill>
+              <a:srgbClr val="767C85"/>
+            </a:solidFill>
+            <a:miter lim="400000"/>
+          </a:ln>
+        </p:spPr>
+        <p:txBody>
+          <a:bodyPr lIns="45718" tIns="45718" rIns="45718" bIns="45718"/>
+          <a:lstStyle/>
+          <a:p>
+            <a:endParaRPr dirty="0"/>
+          </a:p>
+        </p:txBody>
+      </p:sp>
+      <p:sp>
+        <p:nvSpPr>
+          <p:cNvPr id="57" name="Source Editor">
+            <a:extLst>
+              <a:ext uri="{FF2B5EF4-FFF2-40B4-BE49-F238E27FC236}">
+                <a16:creationId xmlns:a16="http://schemas.microsoft.com/office/drawing/2014/main" id="{BF099895-AB30-2CEB-2F28-C6B2AA5B1DAE}"/>
+              </a:ext>
+            </a:extLst>
+          </p:cNvPr>
+          <p:cNvSpPr txBox="1"/>
+          <p:nvPr/>
+        </p:nvSpPr>
+        <p:spPr>
+          <a:xfrm>
+            <a:off x="10577284" y="1236776"/>
+            <a:ext cx="2851743" cy="743922"/>
+          </a:xfrm>
+          <a:prstGeom prst="rect">
+            <a:avLst/>
+          </a:prstGeom>
+          <a:ln w="12700">
+            <a:miter lim="400000"/>
+          </a:ln>
+          <a:extLst>
+            <a:ext uri="{C572A759-6A51-4108-AA02-DFA0A04FC94B}">
+              <ma14:wrappingTextBoxFlag xmlns="" xmlns:m="http://schemas.openxmlformats.org/officeDocument/2006/math" xmlns:a14="http://schemas.microsoft.com/office/drawing/2010/main" xmlns:ma14="http://schemas.microsoft.com/office/mac/drawingml/2011/main" val="1"/>
+            </a:ext>
+          </a:extLst>
+        </p:spPr>
+        <p:txBody>
+          <a:bodyPr wrap="none" lIns="0" tIns="0" rIns="0" bIns="0" anchor="ctr">
+            <a:spAutoFit/>
+          </a:bodyPr>
+          <a:lstStyle/>
+          <a:p>
+            <a:pPr lvl="1">
+              <a:lnSpc>
+                <a:spcPct val="80000"/>
+              </a:lnSpc>
+              <a:spcBef>
+                <a:spcPts val="0"/>
+              </a:spcBef>
+              <a:defRPr sz="2500">
+                <a:solidFill>
+                  <a:srgbClr val="628DB5"/>
+                </a:solidFill>
+              </a:defRPr>
+            </a:pPr>
+            <a:r>
+              <a:rPr lang="fr-FR" sz="2000" dirty="0"/>
+              <a:t>Challenges and limitations</a:t>
+            </a:r>
+          </a:p>
+          <a:p>
+            <a:pPr lvl="1">
+              <a:lnSpc>
+                <a:spcPct val="80000"/>
+              </a:lnSpc>
+              <a:spcBef>
+                <a:spcPts val="0"/>
+              </a:spcBef>
+              <a:defRPr sz="2500">
+                <a:solidFill>
+                  <a:srgbClr val="628DB5"/>
+                </a:solidFill>
+              </a:defRPr>
+            </a:pPr>
+            <a:r>
+              <a:rPr lang="fr-FR" sz="2000" dirty="0"/>
+              <a:t> with LLMs</a:t>
+            </a:r>
+          </a:p>
+          <a:p>
+            <a:pPr lvl="1">
+              <a:lnSpc>
+                <a:spcPct val="80000"/>
+              </a:lnSpc>
+              <a:spcBef>
+                <a:spcPts val="0"/>
+              </a:spcBef>
+              <a:defRPr sz="2500">
+                <a:solidFill>
+                  <a:srgbClr val="628DB5"/>
+                </a:solidFill>
+              </a:defRPr>
+            </a:pPr>
+            <a:endParaRPr sz="2000" dirty="0"/>
+          </a:p>
+        </p:txBody>
+      </p:sp>
+      <p:sp>
+        <p:nvSpPr>
+          <p:cNvPr id="58" name="Line">
+            <a:extLst>
+              <a:ext uri="{FF2B5EF4-FFF2-40B4-BE49-F238E27FC236}">
+                <a16:creationId xmlns:a16="http://schemas.microsoft.com/office/drawing/2014/main" id="{446FBAE0-EC20-C64B-532A-83B98ADF8B25}"/>
+              </a:ext>
+            </a:extLst>
+          </p:cNvPr>
+          <p:cNvSpPr/>
+          <p:nvPr/>
+        </p:nvSpPr>
+        <p:spPr>
+          <a:xfrm>
+            <a:off x="10616794" y="7268568"/>
+            <a:ext cx="3087757" cy="0"/>
+          </a:xfrm>
+          <a:prstGeom prst="line">
+            <a:avLst/>
+          </a:prstGeom>
+          <a:ln w="6350">
+            <a:solidFill>
+              <a:srgbClr val="767C85"/>
+            </a:solidFill>
+            <a:miter lim="400000"/>
+          </a:ln>
+        </p:spPr>
+        <p:txBody>
+          <a:bodyPr lIns="45718" tIns="45718" rIns="45718" bIns="45718"/>
+          <a:lstStyle/>
+          <a:p>
+            <a:endParaRPr lang="fr-FR" dirty="0"/>
+          </a:p>
+        </p:txBody>
+      </p:sp>
+      <p:sp>
+        <p:nvSpPr>
+          <p:cNvPr id="59" name="ZoneTexte 58">
+            <a:extLst>
+              <a:ext uri="{FF2B5EF4-FFF2-40B4-BE49-F238E27FC236}">
+                <a16:creationId xmlns:a16="http://schemas.microsoft.com/office/drawing/2014/main" id="{0729C3ED-8197-9DD3-FDFC-3DBD5CF7DF09}"/>
+              </a:ext>
+            </a:extLst>
+          </p:cNvPr>
+          <p:cNvSpPr txBox="1"/>
+          <p:nvPr/>
+        </p:nvSpPr>
+        <p:spPr>
+          <a:xfrm>
+            <a:off x="11442168" y="1745875"/>
+            <a:ext cx="2285559" cy="3272691"/>
+          </a:xfrm>
+          <a:prstGeom prst="rect">
+            <a:avLst/>
+          </a:prstGeom>
+          <a:noFill/>
+          <a:ln w="12700" cap="flat">
+            <a:noFill/>
+            <a:miter lim="400000"/>
+          </a:ln>
+          <a:effectLst/>
+          <a:sp3d/>
+        </p:spPr>
+        <p:style>
+          <a:lnRef idx="0">
+            <a:scrgbClr r="0" g="0" b="0"/>
+          </a:lnRef>
+          <a:fillRef idx="0">
+            <a:scrgbClr r="0" g="0" b="0"/>
+          </a:fillRef>
+          <a:effectRef idx="0">
+            <a:scrgbClr r="0" g="0" b="0"/>
+          </a:effectRef>
+          <a:fontRef idx="none"/>
+        </p:style>
+        <p:txBody>
+          <a:bodyPr wrap="square">
+            <a:spAutoFit/>
+          </a:bodyPr>
+          <a:lstStyle/>
+          <a:p>
+            <a:pPr marL="171450" indent="-171450" algn="just">
+              <a:buFont typeface="Arial" panose="020B0604020202020204" pitchFamily="34" charset="0"/>
+              <a:buChar char="•"/>
+              <a:tabLst>
+                <a:tab pos="457200" algn="l"/>
+              </a:tabLst>
+            </a:pPr>
+            <a:r>
+              <a:rPr lang="en-IN" sz="1000" dirty="0">
+                <a:effectLst/>
+                <a:latin typeface="Calibri" panose="020F0502020204030204" pitchFamily="34" charset="0"/>
+                <a:ea typeface="Calibri" panose="020F0502020204030204" pitchFamily="34" charset="0"/>
+                <a:cs typeface="Times New Roman" panose="02020603050405020304" pitchFamily="18" charset="0"/>
+              </a:rPr>
+              <a:t>One of the main challenges with LLMs is the potential for biased or offensive language, as the models learn from the patterns found in the training data. </a:t>
+            </a:r>
+          </a:p>
+          <a:p>
+            <a:pPr marL="171450" indent="-171450" algn="just">
+              <a:buFont typeface="Arial" panose="020B0604020202020204" pitchFamily="34" charset="0"/>
+              <a:buChar char="•"/>
+              <a:tabLst>
+                <a:tab pos="457200" algn="l"/>
+              </a:tabLst>
+            </a:pPr>
+            <a:r>
+              <a:rPr lang="en-IN" sz="1000" dirty="0">
+                <a:latin typeface="Calibri" panose="020F0502020204030204" pitchFamily="34" charset="0"/>
+                <a:ea typeface="Calibri" panose="020F0502020204030204" pitchFamily="34" charset="0"/>
+                <a:cs typeface="Times New Roman" panose="02020603050405020304" pitchFamily="18" charset="0"/>
+              </a:rPr>
+              <a:t>U</a:t>
+            </a:r>
+            <a:r>
+              <a:rPr lang="en-IN" sz="1000" dirty="0">
+                <a:effectLst/>
+                <a:latin typeface="Calibri" panose="020F0502020204030204" pitchFamily="34" charset="0"/>
+                <a:ea typeface="Calibri" panose="020F0502020204030204" pitchFamily="34" charset="0"/>
+                <a:cs typeface="Times New Roman" panose="02020603050405020304" pitchFamily="18" charset="0"/>
+              </a:rPr>
+              <a:t>nethical considerations, such as gender and racial biases.</a:t>
+            </a:r>
+          </a:p>
+          <a:p>
+            <a:pPr marL="171450" indent="-171450" algn="just">
+              <a:buFont typeface="Arial" panose="020B0604020202020204" pitchFamily="34" charset="0"/>
+              <a:buChar char="•"/>
+              <a:tabLst>
+                <a:tab pos="457200" algn="l"/>
+              </a:tabLst>
+            </a:pPr>
+            <a:r>
+              <a:rPr lang="en-IN" sz="1000" dirty="0">
+                <a:latin typeface="Calibri" panose="020F0502020204030204" pitchFamily="34" charset="0"/>
+                <a:ea typeface="Calibri" panose="020F0502020204030204" pitchFamily="34" charset="0"/>
+                <a:cs typeface="Times New Roman" panose="02020603050405020304" pitchFamily="18" charset="0"/>
+              </a:rPr>
+              <a:t>A</a:t>
+            </a:r>
+            <a:r>
+              <a:rPr lang="en-IN" sz="1000" dirty="0">
+                <a:effectLst/>
+                <a:latin typeface="Calibri" panose="020F0502020204030204" pitchFamily="34" charset="0"/>
+                <a:ea typeface="Calibri" panose="020F0502020204030204" pitchFamily="34" charset="0"/>
+                <a:cs typeface="Times New Roman" panose="02020603050405020304" pitchFamily="18" charset="0"/>
+              </a:rPr>
+              <a:t>mount of computational resources needed to train and run LLMs, which can be expensive and energy-intensive. </a:t>
+            </a:r>
+          </a:p>
+          <a:p>
+            <a:pPr marL="171450" indent="-171450" algn="just">
+              <a:buFont typeface="Arial" panose="020B0604020202020204" pitchFamily="34" charset="0"/>
+              <a:buChar char="•"/>
+              <a:tabLst>
+                <a:tab pos="457200" algn="l"/>
+              </a:tabLst>
+            </a:pPr>
+            <a:r>
+              <a:rPr lang="en-IN" sz="1000" dirty="0">
+                <a:latin typeface="Calibri" panose="020F0502020204030204" pitchFamily="34" charset="0"/>
+                <a:ea typeface="Calibri" panose="020F0502020204030204" pitchFamily="34" charset="0"/>
+                <a:cs typeface="Times New Roman" panose="02020603050405020304" pitchFamily="18" charset="0"/>
+              </a:rPr>
+              <a:t>H</a:t>
+            </a:r>
+            <a:r>
+              <a:rPr lang="en-IN" sz="1000" dirty="0">
+                <a:effectLst/>
+                <a:latin typeface="Calibri" panose="020F0502020204030204" pitchFamily="34" charset="0"/>
+                <a:ea typeface="Calibri" panose="020F0502020204030204" pitchFamily="34" charset="0"/>
+                <a:cs typeface="Times New Roman" panose="02020603050405020304" pitchFamily="18" charset="0"/>
+              </a:rPr>
+              <a:t>andling out-of-vocabulary words</a:t>
+            </a:r>
+          </a:p>
+          <a:p>
+            <a:pPr marL="171450" indent="-171450" algn="just">
+              <a:buFont typeface="Arial" panose="020B0604020202020204" pitchFamily="34" charset="0"/>
+              <a:buChar char="•"/>
+              <a:tabLst>
+                <a:tab pos="457200" algn="l"/>
+              </a:tabLst>
+            </a:pPr>
+            <a:r>
+              <a:rPr lang="en-IN" sz="1000" dirty="0">
+                <a:latin typeface="Calibri" panose="020F0502020204030204" pitchFamily="34" charset="0"/>
+                <a:ea typeface="Calibri" panose="020F0502020204030204" pitchFamily="34" charset="0"/>
+                <a:cs typeface="Times New Roman" panose="02020603050405020304" pitchFamily="18" charset="0"/>
+              </a:rPr>
+              <a:t>I</a:t>
+            </a:r>
+            <a:r>
+              <a:rPr lang="en-IN" sz="1000" dirty="0">
+                <a:effectLst/>
+                <a:latin typeface="Calibri" panose="020F0502020204030204" pitchFamily="34" charset="0"/>
+                <a:ea typeface="Calibri" panose="020F0502020204030204" pitchFamily="34" charset="0"/>
+                <a:cs typeface="Times New Roman" panose="02020603050405020304" pitchFamily="18" charset="0"/>
+              </a:rPr>
+              <a:t>mproving interpretability. While large language models have shown impressive performance on a variety of NLP tasks, they may not perform as well on specific tasks, such as those that require a deeper understanding of the underlying context. </a:t>
+            </a:r>
+            <a:endParaRPr lang="fr-FR" sz="1000" dirty="0">
+              <a:effectLst/>
+              <a:latin typeface="Calibri" panose="020F0502020204030204" pitchFamily="34" charset="0"/>
+              <a:ea typeface="Calibri" panose="020F0502020204030204" pitchFamily="34" charset="0"/>
+              <a:cs typeface="Times New Roman" panose="02020603050405020304" pitchFamily="18" charset="0"/>
+            </a:endParaRPr>
+          </a:p>
+        </p:txBody>
+      </p:sp>
+      <p:pic>
+        <p:nvPicPr>
+          <p:cNvPr id="60" name="Picture 14" descr="Challenge - Free education icons">
+            <a:extLst>
+              <a:ext uri="{FF2B5EF4-FFF2-40B4-BE49-F238E27FC236}">
+                <a16:creationId xmlns:a16="http://schemas.microsoft.com/office/drawing/2014/main" id="{13D898B2-63F6-30A0-227A-540342751FF8}"/>
+              </a:ext>
+            </a:extLst>
+          </p:cNvPr>
+          <p:cNvPicPr>
+            <a:picLocks noChangeAspect="1" noChangeArrowheads="1"/>
+          </p:cNvPicPr>
+          <p:nvPr/>
+        </p:nvPicPr>
+        <p:blipFill>
+          <a:blip r:embed="rId11">
+            <a:extLst>
+              <a:ext uri="{28A0092B-C50C-407E-A947-70E740481C1C}">
+                <a14:useLocalDpi xmlns:a14="http://schemas.microsoft.com/office/drawing/2010/main" val="0"/>
+              </a:ext>
+            </a:extLst>
+          </a:blip>
+          <a:srcRect/>
+          <a:stretch>
+            <a:fillRect/>
+          </a:stretch>
+        </p:blipFill>
+        <p:spPr bwMode="auto">
+          <a:xfrm>
+            <a:off x="10660330" y="1805137"/>
+            <a:ext cx="810862" cy="810862"/>
+          </a:xfrm>
+          <a:prstGeom prst="rect">
+            <a:avLst/>
+          </a:prstGeom>
+          <a:noFill/>
+          <a:extLst>
+            <a:ext uri="{909E8E84-426E-40DD-AFC4-6F175D3DCCD1}">
+              <a14:hiddenFill xmlns:a14="http://schemas.microsoft.com/office/drawing/2010/main">
+                <a:solidFill>
+                  <a:srgbClr val="FFFFFF"/>
+                </a:solidFill>
+              </a14:hiddenFill>
+            </a:ext>
+          </a:extLst>
+        </p:spPr>
+      </p:pic>
+      <p:sp>
+        <p:nvSpPr>
+          <p:cNvPr id="61" name="Line">
+            <a:extLst>
+              <a:ext uri="{FF2B5EF4-FFF2-40B4-BE49-F238E27FC236}">
+                <a16:creationId xmlns:a16="http://schemas.microsoft.com/office/drawing/2014/main" id="{02018303-E245-3848-EA22-196C74FCD58D}"/>
+              </a:ext>
+            </a:extLst>
+          </p:cNvPr>
+          <p:cNvSpPr/>
+          <p:nvPr/>
+        </p:nvSpPr>
+        <p:spPr>
+          <a:xfrm>
+            <a:off x="10616794" y="5077161"/>
+            <a:ext cx="3087757" cy="0"/>
+          </a:xfrm>
+          <a:prstGeom prst="line">
+            <a:avLst/>
+          </a:prstGeom>
+          <a:ln w="6350">
+            <a:solidFill>
+              <a:srgbClr val="767C85"/>
+            </a:solidFill>
+            <a:miter lim="400000"/>
+          </a:ln>
+        </p:spPr>
+        <p:txBody>
+          <a:bodyPr lIns="45718" tIns="45718" rIns="45718" bIns="45718"/>
+          <a:lstStyle/>
+          <a:p>
+            <a:endParaRPr dirty="0"/>
+          </a:p>
+        </p:txBody>
+      </p:sp>
+      <p:pic>
+        <p:nvPicPr>
+          <p:cNvPr id="62" name="Picture 16" descr="Ethics - Free miscellaneous icons">
+            <a:extLst>
+              <a:ext uri="{FF2B5EF4-FFF2-40B4-BE49-F238E27FC236}">
+                <a16:creationId xmlns:a16="http://schemas.microsoft.com/office/drawing/2014/main" id="{C548F9A6-8D68-AA14-9628-9B7CBFF085DB}"/>
+              </a:ext>
+            </a:extLst>
+          </p:cNvPr>
+          <p:cNvPicPr>
+            <a:picLocks noChangeAspect="1" noChangeArrowheads="1"/>
+          </p:cNvPicPr>
+          <p:nvPr/>
+        </p:nvPicPr>
+        <p:blipFill>
+          <a:blip r:embed="rId12">
+            <a:extLst>
+              <a:ext uri="{28A0092B-C50C-407E-A947-70E740481C1C}">
+                <a14:useLocalDpi xmlns:a14="http://schemas.microsoft.com/office/drawing/2010/main" val="0"/>
+              </a:ext>
+            </a:extLst>
+          </a:blip>
+          <a:srcRect/>
+          <a:stretch>
+            <a:fillRect/>
+          </a:stretch>
+        </p:blipFill>
+        <p:spPr bwMode="auto">
+          <a:xfrm>
+            <a:off x="10954408" y="2686701"/>
+            <a:ext cx="312300" cy="312300"/>
+          </a:xfrm>
+          <a:prstGeom prst="rect">
+            <a:avLst/>
+          </a:prstGeom>
+          <a:noFill/>
+          <a:extLst>
+            <a:ext uri="{909E8E84-426E-40DD-AFC4-6F175D3DCCD1}">
+              <a14:hiddenFill xmlns:a14="http://schemas.microsoft.com/office/drawing/2010/main">
+                <a:solidFill>
+                  <a:srgbClr val="FFFFFF"/>
+                </a:solidFill>
+              </a14:hiddenFill>
+            </a:ext>
+          </a:extLst>
+        </p:spPr>
+      </p:pic>
+      <p:pic>
+        <p:nvPicPr>
+          <p:cNvPr id="63" name="Picture 22" descr="Vocabulary Icon Stock Illustrations – 6,270 Vocabulary Icon Stock  Illustrations, Vectors &amp; Clipart - Dreamstime">
+            <a:extLst>
+              <a:ext uri="{FF2B5EF4-FFF2-40B4-BE49-F238E27FC236}">
+                <a16:creationId xmlns:a16="http://schemas.microsoft.com/office/drawing/2014/main" id="{A3AF04CB-8CC2-0F90-8FE1-470321CEA9C1}"/>
+              </a:ext>
+            </a:extLst>
+          </p:cNvPr>
+          <p:cNvPicPr>
+            <a:picLocks noChangeAspect="1" noChangeArrowheads="1"/>
+          </p:cNvPicPr>
+          <p:nvPr/>
+        </p:nvPicPr>
+        <p:blipFill>
+          <a:blip r:embed="rId13">
+            <a:extLst>
+              <a:ext uri="{28A0092B-C50C-407E-A947-70E740481C1C}">
+                <a14:useLocalDpi xmlns:a14="http://schemas.microsoft.com/office/drawing/2010/main" val="0"/>
+              </a:ext>
+            </a:extLst>
+          </a:blip>
+          <a:srcRect/>
+          <a:stretch>
+            <a:fillRect/>
+          </a:stretch>
+        </p:blipFill>
+        <p:spPr bwMode="auto">
+          <a:xfrm>
+            <a:off x="10600061" y="3115271"/>
+            <a:ext cx="396008" cy="321655"/>
+          </a:xfrm>
+          <a:prstGeom prst="rect">
+            <a:avLst/>
+          </a:prstGeom>
+          <a:noFill/>
+          <a:extLst>
+            <a:ext uri="{909E8E84-426E-40DD-AFC4-6F175D3DCCD1}">
+              <a14:hiddenFill xmlns:a14="http://schemas.microsoft.com/office/drawing/2010/main">
+                <a:solidFill>
+                  <a:srgbClr val="FFFFFF"/>
+                </a:solidFill>
+              </a14:hiddenFill>
+            </a:ext>
+          </a:extLst>
+        </p:spPr>
+      </p:pic>
+      <p:pic>
+        <p:nvPicPr>
+          <p:cNvPr id="455" name="Picture 24" descr="Resource Allocation Icon - Download in Line Style">
+            <a:extLst>
+              <a:ext uri="{FF2B5EF4-FFF2-40B4-BE49-F238E27FC236}">
+                <a16:creationId xmlns:a16="http://schemas.microsoft.com/office/drawing/2014/main" id="{C30B8857-EC22-BA1A-2F75-961745D291CA}"/>
+              </a:ext>
+            </a:extLst>
+          </p:cNvPr>
+          <p:cNvPicPr>
+            <a:picLocks noChangeAspect="1" noChangeArrowheads="1"/>
+          </p:cNvPicPr>
+          <p:nvPr/>
+        </p:nvPicPr>
+        <p:blipFill>
+          <a:blip r:embed="rId14">
+            <a:extLst>
+              <a:ext uri="{28A0092B-C50C-407E-A947-70E740481C1C}">
+                <a14:useLocalDpi xmlns:a14="http://schemas.microsoft.com/office/drawing/2010/main" val="0"/>
+              </a:ext>
+            </a:extLst>
+          </a:blip>
+          <a:srcRect/>
+          <a:stretch>
+            <a:fillRect/>
+          </a:stretch>
+        </p:blipFill>
+        <p:spPr bwMode="auto">
+          <a:xfrm>
+            <a:off x="10970803" y="3486230"/>
+            <a:ext cx="351249" cy="351249"/>
+          </a:xfrm>
+          <a:prstGeom prst="rect">
+            <a:avLst/>
+          </a:prstGeom>
+          <a:noFill/>
+          <a:extLst>
+            <a:ext uri="{909E8E84-426E-40DD-AFC4-6F175D3DCCD1}">
+              <a14:hiddenFill xmlns:a14="http://schemas.microsoft.com/office/drawing/2010/main">
+                <a:solidFill>
+                  <a:srgbClr val="FFFFFF"/>
+                </a:solidFill>
+              </a14:hiddenFill>
+            </a:ext>
+          </a:extLst>
+        </p:spPr>
+      </p:pic>
+      <p:pic>
+        <p:nvPicPr>
+          <p:cNvPr id="456" name="Picture 26" descr="Racism Icons - Free SVG &amp; PNG Racism Images - Noun Project">
+            <a:extLst>
+              <a:ext uri="{FF2B5EF4-FFF2-40B4-BE49-F238E27FC236}">
+                <a16:creationId xmlns:a16="http://schemas.microsoft.com/office/drawing/2014/main" id="{9C0662CA-DE8A-E40A-4BEB-F797C8E91481}"/>
+              </a:ext>
+            </a:extLst>
+          </p:cNvPr>
+          <p:cNvPicPr>
+            <a:picLocks noChangeAspect="1" noChangeArrowheads="1"/>
+          </p:cNvPicPr>
+          <p:nvPr/>
+        </p:nvPicPr>
+        <p:blipFill>
+          <a:blip r:embed="rId15">
+            <a:extLst>
+              <a:ext uri="{28A0092B-C50C-407E-A947-70E740481C1C}">
+                <a14:useLocalDpi xmlns:a14="http://schemas.microsoft.com/office/drawing/2010/main" val="0"/>
+              </a:ext>
+            </a:extLst>
+          </a:blip>
+          <a:srcRect/>
+          <a:stretch>
+            <a:fillRect/>
+          </a:stretch>
+        </p:blipFill>
+        <p:spPr bwMode="auto">
+          <a:xfrm>
+            <a:off x="11278893" y="3080392"/>
+            <a:ext cx="348064" cy="348064"/>
+          </a:xfrm>
+          <a:prstGeom prst="rect">
+            <a:avLst/>
+          </a:prstGeom>
+          <a:noFill/>
+          <a:extLst>
+            <a:ext uri="{909E8E84-426E-40DD-AFC4-6F175D3DCCD1}">
+              <a14:hiddenFill xmlns:a14="http://schemas.microsoft.com/office/drawing/2010/main">
+                <a:solidFill>
+                  <a:srgbClr val="FFFFFF"/>
+                </a:solidFill>
+              </a14:hiddenFill>
+            </a:ext>
+          </a:extLst>
+        </p:spPr>
+      </p:pic>
+      <p:sp>
+        <p:nvSpPr>
+          <p:cNvPr id="457" name="ZoneTexte 456">
+            <a:extLst>
+              <a:ext uri="{FF2B5EF4-FFF2-40B4-BE49-F238E27FC236}">
+                <a16:creationId xmlns:a16="http://schemas.microsoft.com/office/drawing/2014/main" id="{5AC0B572-38BB-DC73-F4CF-4A898B848C05}"/>
+              </a:ext>
+            </a:extLst>
+          </p:cNvPr>
+          <p:cNvSpPr txBox="1"/>
+          <p:nvPr/>
+        </p:nvSpPr>
+        <p:spPr>
+          <a:xfrm>
+            <a:off x="11523696" y="5523332"/>
+            <a:ext cx="2103365" cy="1528624"/>
+          </a:xfrm>
+          <a:prstGeom prst="rect">
+            <a:avLst/>
+          </a:prstGeom>
+          <a:noFill/>
+          <a:ln w="12700" cap="flat">
+            <a:noFill/>
+            <a:miter lim="400000"/>
+          </a:ln>
+          <a:effectLst/>
+          <a:sp3d/>
+        </p:spPr>
+        <p:style>
+          <a:lnRef idx="0">
+            <a:scrgbClr r="0" g="0" b="0"/>
+          </a:lnRef>
+          <a:fillRef idx="0">
+            <a:scrgbClr r="0" g="0" b="0"/>
+          </a:fillRef>
+          <a:effectRef idx="0">
+            <a:scrgbClr r="0" g="0" b="0"/>
+          </a:effectRef>
+          <a:fontRef idx="none"/>
+        </p:style>
+        <p:txBody>
+          <a:bodyPr wrap="square">
+            <a:spAutoFit/>
+          </a:bodyPr>
+          <a:lstStyle/>
+          <a:p>
+            <a:pPr marL="171450" lvl="0" indent="-171450" algn="just">
+              <a:buFont typeface="Arial" panose="020B0604020202020204" pitchFamily="34" charset="0"/>
+              <a:buChar char="•"/>
+              <a:tabLst>
+                <a:tab pos="457200" algn="l"/>
+              </a:tabLst>
+            </a:pPr>
+            <a:r>
+              <a:rPr lang="en-IN" sz="1000" dirty="0">
+                <a:effectLst/>
+                <a:latin typeface="Calibri" panose="020F0502020204030204" pitchFamily="34" charset="0"/>
+                <a:ea typeface="Calibri" panose="020F0502020204030204" pitchFamily="34" charset="0"/>
+                <a:cs typeface="Times New Roman" panose="02020603050405020304" pitchFamily="18" charset="0"/>
+              </a:rPr>
+              <a:t>LLMs are used in a wide range of applications, </a:t>
+            </a:r>
+            <a:r>
+              <a:rPr lang="en-IN" sz="1000" b="1" dirty="0">
+                <a:effectLst/>
+                <a:latin typeface="Calibri" panose="020F0502020204030204" pitchFamily="34" charset="0"/>
+                <a:ea typeface="Calibri" panose="020F0502020204030204" pitchFamily="34" charset="0"/>
+                <a:cs typeface="Times New Roman" panose="02020603050405020304" pitchFamily="18" charset="0"/>
+              </a:rPr>
+              <a:t>including language translation, chatbots, content creation, and text summarization</a:t>
+            </a:r>
+            <a:r>
+              <a:rPr lang="en-IN" sz="1000" dirty="0">
+                <a:effectLst/>
+                <a:latin typeface="Calibri" panose="020F0502020204030204" pitchFamily="34" charset="0"/>
+                <a:ea typeface="Calibri" panose="020F0502020204030204" pitchFamily="34" charset="0"/>
+                <a:cs typeface="Times New Roman" panose="02020603050405020304" pitchFamily="18" charset="0"/>
+              </a:rPr>
+              <a:t>. </a:t>
+            </a:r>
+          </a:p>
+          <a:p>
+            <a:pPr marL="171450" lvl="0" indent="-171450" algn="just">
+              <a:buFont typeface="Arial" panose="020B0604020202020204" pitchFamily="34" charset="0"/>
+              <a:buChar char="•"/>
+              <a:tabLst>
+                <a:tab pos="457200" algn="l"/>
+              </a:tabLst>
+            </a:pPr>
+            <a:endParaRPr lang="en-IN" sz="1000" dirty="0">
+              <a:effectLst/>
+              <a:latin typeface="Calibri" panose="020F0502020204030204" pitchFamily="34" charset="0"/>
+              <a:ea typeface="Calibri" panose="020F0502020204030204" pitchFamily="34" charset="0"/>
+              <a:cs typeface="Times New Roman" panose="02020603050405020304" pitchFamily="18" charset="0"/>
+            </a:endParaRPr>
+          </a:p>
+          <a:p>
+            <a:pPr marL="171450" lvl="0" indent="-171450" algn="just">
+              <a:buFont typeface="Arial" panose="020B0604020202020204" pitchFamily="34" charset="0"/>
+              <a:buChar char="•"/>
+              <a:tabLst>
+                <a:tab pos="457200" algn="l"/>
+              </a:tabLst>
+            </a:pPr>
+            <a:r>
+              <a:rPr lang="en-IN" sz="1000" dirty="0">
+                <a:effectLst/>
+                <a:latin typeface="Calibri" panose="020F0502020204030204" pitchFamily="34" charset="0"/>
+                <a:ea typeface="Calibri" panose="020F0502020204030204" pitchFamily="34" charset="0"/>
+                <a:cs typeface="Times New Roman" panose="02020603050405020304" pitchFamily="18" charset="0"/>
+              </a:rPr>
+              <a:t>They can also be used to improve search engines, voice assistants, and virtual assistants.</a:t>
+            </a:r>
+            <a:endParaRPr lang="fr-FR" sz="1000" dirty="0">
+              <a:effectLst/>
+              <a:latin typeface="Calibri" panose="020F0502020204030204" pitchFamily="34" charset="0"/>
+              <a:ea typeface="Calibri" panose="020F0502020204030204" pitchFamily="34" charset="0"/>
+              <a:cs typeface="Times New Roman" panose="02020603050405020304" pitchFamily="18" charset="0"/>
+            </a:endParaRPr>
+          </a:p>
+        </p:txBody>
+      </p:sp>
+      <p:sp>
+        <p:nvSpPr>
+          <p:cNvPr id="458" name="Source Editor">
+            <a:extLst>
+              <a:ext uri="{FF2B5EF4-FFF2-40B4-BE49-F238E27FC236}">
+                <a16:creationId xmlns:a16="http://schemas.microsoft.com/office/drawing/2014/main" id="{AB6C4815-8A23-8040-41C8-CC0DEA8FDB8A}"/>
+              </a:ext>
+            </a:extLst>
+          </p:cNvPr>
+          <p:cNvSpPr txBox="1"/>
+          <p:nvPr/>
+        </p:nvSpPr>
+        <p:spPr>
+          <a:xfrm>
+            <a:off x="10678907" y="5196280"/>
+            <a:ext cx="2149627" cy="252185"/>
+          </a:xfrm>
+          <a:prstGeom prst="rect">
+            <a:avLst/>
+          </a:prstGeom>
+          <a:ln w="12700">
+            <a:miter lim="400000"/>
+          </a:ln>
+          <a:extLst>
+            <a:ext uri="{C572A759-6A51-4108-AA02-DFA0A04FC94B}">
+              <ma14:wrappingTextBoxFlag xmlns="" xmlns:m="http://schemas.openxmlformats.org/officeDocument/2006/math" xmlns:a14="http://schemas.microsoft.com/office/drawing/2010/main" xmlns:ma14="http://schemas.microsoft.com/office/mac/drawingml/2011/main" val="1"/>
+            </a:ext>
+          </a:extLst>
+        </p:spPr>
+        <p:txBody>
+          <a:bodyPr wrap="none" lIns="0" tIns="0" rIns="0" bIns="0" anchor="ctr">
+            <a:spAutoFit/>
+          </a:bodyPr>
+          <a:lstStyle/>
+          <a:p>
+            <a:pPr lvl="1">
+              <a:lnSpc>
+                <a:spcPct val="80000"/>
+              </a:lnSpc>
+              <a:spcBef>
+                <a:spcPts val="0"/>
+              </a:spcBef>
+              <a:defRPr sz="2500">
+                <a:solidFill>
+                  <a:srgbClr val="628DB5"/>
+                </a:solidFill>
+              </a:defRPr>
+            </a:pPr>
+            <a:r>
+              <a:rPr lang="en-IN" sz="2000" dirty="0">
+                <a:latin typeface="Calibri" panose="020F0502020204030204" pitchFamily="34" charset="0"/>
+                <a:ea typeface="Calibri" panose="020F0502020204030204" pitchFamily="34" charset="0"/>
+                <a:cs typeface="Times New Roman" panose="02020603050405020304" pitchFamily="18" charset="0"/>
+              </a:rPr>
+              <a:t>A</a:t>
+            </a:r>
+            <a:r>
+              <a:rPr lang="en-IN" sz="2000" dirty="0">
+                <a:effectLst/>
+                <a:latin typeface="Calibri" panose="020F0502020204030204" pitchFamily="34" charset="0"/>
+                <a:ea typeface="Calibri" panose="020F0502020204030204" pitchFamily="34" charset="0"/>
+                <a:cs typeface="Times New Roman" panose="02020603050405020304" pitchFamily="18" charset="0"/>
+              </a:rPr>
+              <a:t>pplications of LLMs</a:t>
+            </a:r>
+            <a:endParaRPr sz="2000" dirty="0"/>
+          </a:p>
+        </p:txBody>
+      </p:sp>
+      <p:pic>
+        <p:nvPicPr>
+          <p:cNvPr id="459" name="Picture 28" descr="Online Application Icon - Free Transparent PNG Download - PNGkey">
+            <a:extLst>
+              <a:ext uri="{FF2B5EF4-FFF2-40B4-BE49-F238E27FC236}">
+                <a16:creationId xmlns:a16="http://schemas.microsoft.com/office/drawing/2014/main" id="{932C6AF8-32FE-5827-5E96-10118708F25B}"/>
+              </a:ext>
+            </a:extLst>
+          </p:cNvPr>
+          <p:cNvPicPr>
+            <a:picLocks noChangeAspect="1" noChangeArrowheads="1"/>
+          </p:cNvPicPr>
+          <p:nvPr/>
+        </p:nvPicPr>
+        <p:blipFill>
+          <a:blip r:embed="rId16">
+            <a:extLst>
+              <a:ext uri="{28A0092B-C50C-407E-A947-70E740481C1C}">
+                <a14:useLocalDpi xmlns:a14="http://schemas.microsoft.com/office/drawing/2010/main" val="0"/>
+              </a:ext>
+            </a:extLst>
+          </a:blip>
+          <a:srcRect/>
+          <a:stretch>
+            <a:fillRect/>
+          </a:stretch>
+        </p:blipFill>
+        <p:spPr bwMode="auto">
+          <a:xfrm>
+            <a:off x="10650936" y="5976990"/>
+            <a:ext cx="844089" cy="888256"/>
+          </a:xfrm>
+          <a:prstGeom prst="rect">
+            <a:avLst/>
+          </a:prstGeom>
+          <a:noFill/>
+          <a:extLst>
+            <a:ext uri="{909E8E84-426E-40DD-AFC4-6F175D3DCCD1}">
+              <a14:hiddenFill xmlns:a14="http://schemas.microsoft.com/office/drawing/2010/main">
+                <a:solidFill>
+                  <a:srgbClr val="FFFFFF"/>
+                </a:solidFill>
+              </a14:hiddenFill>
+            </a:ext>
+          </a:extLst>
+        </p:spPr>
+      </p:pic>
+      <p:sp>
+        <p:nvSpPr>
+          <p:cNvPr id="460" name="Source Editor">
+            <a:extLst>
+              <a:ext uri="{FF2B5EF4-FFF2-40B4-BE49-F238E27FC236}">
+                <a16:creationId xmlns:a16="http://schemas.microsoft.com/office/drawing/2014/main" id="{48D8D1D8-ADD4-B5FF-B5E0-B1E4686CE7C1}"/>
+              </a:ext>
+            </a:extLst>
+          </p:cNvPr>
+          <p:cNvSpPr txBox="1"/>
+          <p:nvPr/>
+        </p:nvSpPr>
+        <p:spPr>
+          <a:xfrm>
+            <a:off x="10623120" y="7399465"/>
+            <a:ext cx="1556516" cy="252185"/>
+          </a:xfrm>
+          <a:prstGeom prst="rect">
+            <a:avLst/>
+          </a:prstGeom>
+          <a:ln w="12700">
+            <a:miter lim="400000"/>
+          </a:ln>
+          <a:extLst>
+            <a:ext uri="{C572A759-6A51-4108-AA02-DFA0A04FC94B}">
+              <ma14:wrappingTextBoxFlag xmlns="" xmlns:m="http://schemas.openxmlformats.org/officeDocument/2006/math" xmlns:a14="http://schemas.microsoft.com/office/drawing/2010/main" xmlns:ma14="http://schemas.microsoft.com/office/mac/drawingml/2011/main" val="1"/>
+            </a:ext>
+          </a:extLst>
+        </p:spPr>
+        <p:txBody>
+          <a:bodyPr wrap="none" lIns="0" tIns="0" rIns="0" bIns="0" anchor="ctr">
+            <a:spAutoFit/>
+          </a:bodyPr>
+          <a:lstStyle/>
+          <a:p>
+            <a:pPr lvl="1">
+              <a:lnSpc>
+                <a:spcPct val="80000"/>
+              </a:lnSpc>
+              <a:spcBef>
+                <a:spcPts val="0"/>
+              </a:spcBef>
+              <a:defRPr sz="2500">
+                <a:solidFill>
+                  <a:srgbClr val="628DB5"/>
+                </a:solidFill>
+              </a:defRPr>
+            </a:pPr>
+            <a:r>
+              <a:rPr lang="en-IN" sz="2000" dirty="0">
+                <a:latin typeface="Calibri" panose="020F0502020204030204" pitchFamily="34" charset="0"/>
+                <a:ea typeface="Calibri" panose="020F0502020204030204" pitchFamily="34" charset="0"/>
+                <a:cs typeface="Times New Roman" panose="02020603050405020304" pitchFamily="18" charset="0"/>
+              </a:rPr>
+              <a:t>F</a:t>
+            </a:r>
+            <a:r>
+              <a:rPr lang="en-IN" sz="2000" dirty="0">
+                <a:effectLst/>
+                <a:latin typeface="Calibri" panose="020F0502020204030204" pitchFamily="34" charset="0"/>
+                <a:ea typeface="Calibri" panose="020F0502020204030204" pitchFamily="34" charset="0"/>
+                <a:cs typeface="Times New Roman" panose="02020603050405020304" pitchFamily="18" charset="0"/>
+              </a:rPr>
+              <a:t>uture of LLMs</a:t>
+            </a:r>
+            <a:endParaRPr sz="2000" dirty="0"/>
+          </a:p>
+        </p:txBody>
+      </p:sp>
+      <p:sp>
+        <p:nvSpPr>
+          <p:cNvPr id="461" name="ZoneTexte 460">
+            <a:extLst>
+              <a:ext uri="{FF2B5EF4-FFF2-40B4-BE49-F238E27FC236}">
+                <a16:creationId xmlns:a16="http://schemas.microsoft.com/office/drawing/2014/main" id="{62C51730-1AB8-309E-C01E-51127D6F200D}"/>
+              </a:ext>
+            </a:extLst>
+          </p:cNvPr>
+          <p:cNvSpPr txBox="1"/>
+          <p:nvPr/>
+        </p:nvSpPr>
+        <p:spPr>
+          <a:xfrm>
+            <a:off x="10614631" y="7758991"/>
+            <a:ext cx="3124472" cy="1041311"/>
+          </a:xfrm>
+          <a:prstGeom prst="rect">
+            <a:avLst/>
+          </a:prstGeom>
+          <a:noFill/>
+          <a:ln w="12700" cap="flat">
+            <a:noFill/>
+            <a:miter lim="400000"/>
+          </a:ln>
+          <a:effectLst/>
+          <a:sp3d/>
+        </p:spPr>
+        <p:style>
+          <a:lnRef idx="0">
+            <a:scrgbClr r="0" g="0" b="0"/>
+          </a:lnRef>
+          <a:fillRef idx="0">
+            <a:scrgbClr r="0" g="0" b="0"/>
+          </a:fillRef>
+          <a:effectRef idx="0">
+            <a:scrgbClr r="0" g="0" b="0"/>
+          </a:effectRef>
+          <a:fontRef idx="none"/>
+        </p:style>
+        <p:txBody>
+          <a:bodyPr wrap="square">
+            <a:spAutoFit/>
+          </a:bodyPr>
+          <a:lstStyle/>
+          <a:p>
+            <a:pPr lvl="0" algn="just">
+              <a:tabLst>
+                <a:tab pos="457200" algn="l"/>
+              </a:tabLst>
+            </a:pPr>
+            <a:r>
+              <a:rPr lang="en-IN" sz="1000" dirty="0">
+                <a:effectLst/>
+                <a:latin typeface="Calibri" panose="020F0502020204030204" pitchFamily="34" charset="0"/>
+                <a:ea typeface="Calibri" panose="020F0502020204030204" pitchFamily="34" charset="0"/>
+                <a:cs typeface="Times New Roman" panose="02020603050405020304" pitchFamily="18" charset="0"/>
+              </a:rPr>
+              <a:t>The future of LLMs is promising, with ongoing research focused on improving their accuracy, reducing bias, and making them more accessible and energy-efficient. </a:t>
+            </a:r>
+          </a:p>
+          <a:p>
+            <a:pPr lvl="0" algn="just">
+              <a:tabLst>
+                <a:tab pos="457200" algn="l"/>
+              </a:tabLst>
+            </a:pPr>
+            <a:r>
+              <a:rPr lang="en-IN" sz="1000" dirty="0">
+                <a:effectLst/>
+                <a:latin typeface="Calibri" panose="020F0502020204030204" pitchFamily="34" charset="0"/>
+                <a:ea typeface="Calibri" panose="020F0502020204030204" pitchFamily="34" charset="0"/>
+                <a:cs typeface="Times New Roman" panose="02020603050405020304" pitchFamily="18" charset="0"/>
+              </a:rPr>
+              <a:t>As the demand for AI-driven applications continues to grow, LLMs will play an increasingly important role in shaping the future of human-machine interaction.</a:t>
+            </a:r>
+            <a:endParaRPr lang="fr-FR" sz="1000" dirty="0">
+              <a:effectLst/>
+              <a:latin typeface="Calibri" panose="020F0502020204030204" pitchFamily="34" charset="0"/>
+              <a:ea typeface="Calibri" panose="020F0502020204030204" pitchFamily="34" charset="0"/>
+              <a:cs typeface="Times New Roman" panose="02020603050405020304" pitchFamily="18" charset="0"/>
+            </a:endParaRPr>
+          </a:p>
+        </p:txBody>
+      </p:sp>
+      <p:sp>
+        <p:nvSpPr>
+          <p:cNvPr id="462" name="Line">
+            <a:extLst>
+              <a:ext uri="{FF2B5EF4-FFF2-40B4-BE49-F238E27FC236}">
+                <a16:creationId xmlns:a16="http://schemas.microsoft.com/office/drawing/2014/main" id="{3D8517A0-3E72-92A2-E6A3-DB9FF70FC19D}"/>
+              </a:ext>
+            </a:extLst>
+          </p:cNvPr>
+          <p:cNvSpPr/>
+          <p:nvPr/>
+        </p:nvSpPr>
+        <p:spPr>
+          <a:xfrm>
+            <a:off x="10660330" y="9049240"/>
+            <a:ext cx="3087757" cy="0"/>
+          </a:xfrm>
+          <a:prstGeom prst="line">
+            <a:avLst/>
+          </a:prstGeom>
+          <a:ln w="6350">
+            <a:solidFill>
+              <a:srgbClr val="767C85"/>
+            </a:solidFill>
+            <a:miter lim="400000"/>
+          </a:ln>
+        </p:spPr>
+        <p:txBody>
+          <a:bodyPr lIns="45718" tIns="45718" rIns="45718" bIns="45718"/>
+          <a:lstStyle/>
+          <a:p>
+            <a:endParaRPr lang="fr-FR" dirty="0"/>
+          </a:p>
+        </p:txBody>
+      </p:sp>
+      <p:sp>
+        <p:nvSpPr>
+          <p:cNvPr id="9" name="ZoneTexte 8">
+            <a:extLst>
+              <a:ext uri="{FF2B5EF4-FFF2-40B4-BE49-F238E27FC236}">
+                <a16:creationId xmlns:a16="http://schemas.microsoft.com/office/drawing/2014/main" id="{169407A1-1A24-C4BB-9715-F994BBB316A6}"/>
+              </a:ext>
+            </a:extLst>
+          </p:cNvPr>
+          <p:cNvSpPr txBox="1"/>
+          <p:nvPr/>
+        </p:nvSpPr>
+        <p:spPr>
+          <a:xfrm>
+            <a:off x="3589808" y="7589717"/>
+            <a:ext cx="2956778" cy="2631490"/>
+          </a:xfrm>
+          <a:prstGeom prst="rect">
+            <a:avLst/>
+          </a:prstGeom>
+          <a:noFill/>
+          <a:ln w="12700" cap="flat">
+            <a:noFill/>
+            <a:miter lim="400000"/>
+          </a:ln>
+          <a:effectLst/>
+          <a:sp3d/>
+        </p:spPr>
+        <p:style>
+          <a:lnRef idx="0">
+            <a:scrgbClr r="0" g="0" b="0"/>
+          </a:lnRef>
+          <a:fillRef idx="0">
+            <a:scrgbClr r="0" g="0" b="0"/>
+          </a:fillRef>
+          <a:effectRef idx="0">
+            <a:scrgbClr r="0" g="0" b="0"/>
+          </a:effectRef>
+          <a:fontRef idx="none"/>
+        </p:style>
+        <p:txBody>
+          <a:bodyPr wrap="square">
+            <a:spAutoFit/>
+          </a:bodyPr>
+          <a:lstStyle/>
+          <a:p>
+            <a:pPr algn="just"/>
+            <a:r>
+              <a:rPr lang="fr-FR" sz="1000" dirty="0">
+                <a:solidFill>
+                  <a:srgbClr val="0070C0"/>
+                </a:solidFill>
+                <a:latin typeface="Calibri" panose="020F0502020204030204" pitchFamily="34" charset="0"/>
+                <a:cs typeface="Calibri" panose="020F0502020204030204" pitchFamily="34" charset="0"/>
+              </a:rPr>
+              <a:t>Question Answering</a:t>
+            </a:r>
+            <a:r>
+              <a:rPr lang="fr-FR" sz="1000" dirty="0">
+                <a:latin typeface="Calibri" panose="020F0502020204030204" pitchFamily="34" charset="0"/>
+                <a:cs typeface="Calibri" panose="020F0502020204030204" pitchFamily="34" charset="0"/>
+              </a:rPr>
+              <a:t>: ChatGPT can answer factual questions based on the information it has been trained on. Example:</a:t>
+            </a:r>
+          </a:p>
+          <a:p>
+            <a:pPr algn="just"/>
+            <a:endParaRPr lang="fr-FR" sz="1000" dirty="0">
+              <a:latin typeface="Calibri" panose="020F0502020204030204" pitchFamily="34" charset="0"/>
+              <a:cs typeface="Calibri" panose="020F0502020204030204" pitchFamily="34" charset="0"/>
+            </a:endParaRPr>
+          </a:p>
+          <a:p>
+            <a:pPr algn="just"/>
+            <a:r>
+              <a:rPr lang="fr-FR" sz="1000" dirty="0">
+                <a:solidFill>
+                  <a:schemeClr val="accent6"/>
+                </a:solidFill>
+                <a:latin typeface="Calibri" panose="020F0502020204030204" pitchFamily="34" charset="0"/>
+                <a:cs typeface="Calibri" panose="020F0502020204030204" pitchFamily="34" charset="0"/>
+              </a:rPr>
+              <a:t>Human : </a:t>
+            </a:r>
+            <a:r>
+              <a:rPr lang="fr-FR" sz="1000" dirty="0">
+                <a:solidFill>
+                  <a:schemeClr val="accent4"/>
+                </a:solidFill>
+                <a:latin typeface="Calibri" panose="020F0502020204030204" pitchFamily="34" charset="0"/>
+                <a:cs typeface="Calibri" panose="020F0502020204030204" pitchFamily="34" charset="0"/>
+              </a:rPr>
+              <a:t>What is the capital of France?   </a:t>
+            </a:r>
+          </a:p>
+          <a:p>
+            <a:pPr algn="just"/>
+            <a:r>
+              <a:rPr lang="fr-FR" sz="1000" dirty="0">
+                <a:solidFill>
+                  <a:schemeClr val="accent6"/>
+                </a:solidFill>
+                <a:latin typeface="Calibri" panose="020F0502020204030204" pitchFamily="34" charset="0"/>
+                <a:cs typeface="Calibri" panose="020F0502020204030204" pitchFamily="34" charset="0"/>
+              </a:rPr>
+              <a:t>ChatGPT: </a:t>
+            </a:r>
+            <a:r>
+              <a:rPr lang="fr-FR" sz="1000" dirty="0">
+                <a:solidFill>
+                  <a:srgbClr val="00B050"/>
+                </a:solidFill>
+                <a:latin typeface="Calibri" panose="020F0502020204030204" pitchFamily="34" charset="0"/>
+                <a:cs typeface="Calibri" panose="020F0502020204030204" pitchFamily="34" charset="0"/>
+              </a:rPr>
+              <a:t>The capital of France is Paris.</a:t>
+            </a:r>
+          </a:p>
+          <a:p>
+            <a:pPr algn="just"/>
+            <a:endParaRPr lang="fr-FR" sz="1000" dirty="0">
+              <a:solidFill>
+                <a:srgbClr val="00B050"/>
+              </a:solidFill>
+              <a:latin typeface="Calibri" panose="020F0502020204030204" pitchFamily="34" charset="0"/>
+              <a:cs typeface="Calibri" panose="020F0502020204030204" pitchFamily="34" charset="0"/>
+            </a:endParaRPr>
+          </a:p>
+          <a:p>
+            <a:pPr algn="just"/>
+            <a:r>
+              <a:rPr lang="fr-FR" sz="1000" dirty="0">
+                <a:solidFill>
+                  <a:srgbClr val="0070C0"/>
+                </a:solidFill>
+                <a:latin typeface="Calibri" panose="020F0502020204030204" pitchFamily="34" charset="0"/>
+                <a:cs typeface="Calibri" panose="020F0502020204030204" pitchFamily="34" charset="0"/>
+              </a:rPr>
+              <a:t>Conversational</a:t>
+            </a:r>
+            <a:r>
+              <a:rPr lang="fr-FR" sz="1000" dirty="0">
+                <a:latin typeface="Calibri" panose="020F0502020204030204" pitchFamily="34" charset="0"/>
+                <a:cs typeface="Calibri" panose="020F0502020204030204" pitchFamily="34" charset="0"/>
+              </a:rPr>
+              <a:t>: ChatGPT can engage in a conversation with a user. Example:</a:t>
+            </a:r>
+          </a:p>
+          <a:p>
+            <a:pPr algn="just"/>
+            <a:endParaRPr lang="fr-FR" sz="1000" dirty="0">
+              <a:latin typeface="Calibri" panose="020F0502020204030204" pitchFamily="34" charset="0"/>
+              <a:cs typeface="Calibri" panose="020F0502020204030204" pitchFamily="34" charset="0"/>
+            </a:endParaRPr>
+          </a:p>
+          <a:p>
+            <a:pPr algn="just"/>
+            <a:r>
+              <a:rPr lang="fr-FR" sz="1000" dirty="0">
+                <a:solidFill>
+                  <a:schemeClr val="accent6"/>
+                </a:solidFill>
+                <a:latin typeface="Calibri" panose="020F0502020204030204" pitchFamily="34" charset="0"/>
+                <a:cs typeface="Calibri" panose="020F0502020204030204" pitchFamily="34" charset="0"/>
+              </a:rPr>
+              <a:t> Human  : </a:t>
+            </a:r>
+            <a:r>
+              <a:rPr lang="fr-FR" sz="1000" dirty="0">
+                <a:solidFill>
+                  <a:schemeClr val="accent4"/>
+                </a:solidFill>
+                <a:latin typeface="Calibri" panose="020F0502020204030204" pitchFamily="34" charset="0"/>
+                <a:cs typeface="Calibri" panose="020F0502020204030204" pitchFamily="34" charset="0"/>
+              </a:rPr>
+              <a:t>Hi, how are you today?   </a:t>
+            </a:r>
+          </a:p>
+          <a:p>
+            <a:pPr algn="just"/>
+            <a:r>
+              <a:rPr lang="fr-FR" sz="1000" dirty="0">
+                <a:solidFill>
+                  <a:schemeClr val="accent6"/>
+                </a:solidFill>
+                <a:latin typeface="Calibri" panose="020F0502020204030204" pitchFamily="34" charset="0"/>
+                <a:cs typeface="Calibri" panose="020F0502020204030204" pitchFamily="34" charset="0"/>
+              </a:rPr>
+              <a:t>ChatGPT: </a:t>
+            </a:r>
+            <a:r>
+              <a:rPr lang="fr-FR" sz="1000" dirty="0">
+                <a:solidFill>
+                  <a:srgbClr val="00B050"/>
+                </a:solidFill>
+                <a:latin typeface="Calibri" panose="020F0502020204030204" pitchFamily="34" charset="0"/>
+                <a:cs typeface="Calibri" panose="020F0502020204030204" pitchFamily="34" charset="0"/>
+              </a:rPr>
+              <a:t>Hello! I'm just an AI, so I don't have emotions, but I'm functioning well today. How can I assist you?</a:t>
+            </a:r>
+          </a:p>
+          <a:p>
+            <a:pPr algn="just"/>
+            <a:endParaRPr lang="fr-FR" sz="1000" dirty="0">
+              <a:solidFill>
+                <a:srgbClr val="00B050"/>
+              </a:solidFill>
+              <a:latin typeface="Calibri" panose="020F0502020204030204" pitchFamily="34" charset="0"/>
+              <a:cs typeface="Calibri" panose="020F0502020204030204" pitchFamily="34" charset="0"/>
+            </a:endParaRPr>
+          </a:p>
+        </p:txBody>
+      </p:sp>
+      <p:sp>
+        <p:nvSpPr>
+          <p:cNvPr id="12" name="Source Editor">
+            <a:extLst>
+              <a:ext uri="{FF2B5EF4-FFF2-40B4-BE49-F238E27FC236}">
+                <a16:creationId xmlns:a16="http://schemas.microsoft.com/office/drawing/2014/main" id="{2EF3FA6B-0814-FBD7-7161-2F6D74F13363}"/>
+              </a:ext>
+            </a:extLst>
+          </p:cNvPr>
+          <p:cNvSpPr txBox="1"/>
+          <p:nvPr/>
+        </p:nvSpPr>
+        <p:spPr>
+          <a:xfrm>
+            <a:off x="6912296" y="6888049"/>
+            <a:ext cx="3334521" cy="250068"/>
+          </a:xfrm>
+          <a:prstGeom prst="rect">
+            <a:avLst/>
+          </a:prstGeom>
+          <a:ln w="12700">
+            <a:miter lim="400000"/>
+          </a:ln>
+          <a:extLst>
+            <a:ext uri="{C572A759-6A51-4108-AA02-DFA0A04FC94B}">
+              <ma14:wrappingTextBoxFlag xmlns:ma14="http://schemas.microsoft.com/office/mac/drawingml/2011/main" xmlns:a14="http://schemas.microsoft.com/office/drawing/2010/main" xmlns:m="http://schemas.openxmlformats.org/officeDocument/2006/math" xmlns="" val="1"/>
+            </a:ext>
+          </a:extLst>
+        </p:spPr>
+        <p:txBody>
+          <a:bodyPr wrap="square" lIns="0" tIns="0" rIns="0" bIns="0" anchor="ctr">
+            <a:spAutoFit/>
+          </a:bodyPr>
+          <a:lstStyle/>
+          <a:p>
+            <a:pPr lvl="1">
+              <a:lnSpc>
+                <a:spcPct val="80000"/>
+              </a:lnSpc>
+              <a:spcBef>
+                <a:spcPts val="0"/>
+              </a:spcBef>
+              <a:defRPr sz="2500">
+                <a:solidFill>
+                  <a:srgbClr val="628DB5"/>
+                </a:solidFill>
+              </a:defRPr>
+            </a:pPr>
+            <a:r>
+              <a:rPr lang="en-US" sz="2000" dirty="0">
+                <a:effectLst/>
+                <a:latin typeface="Times New Roman" panose="02020603050405020304" pitchFamily="18" charset="0"/>
+                <a:ea typeface="Times New Roman" panose="02020603050405020304" pitchFamily="18" charset="0"/>
+              </a:rPr>
+              <a:t>Tools&amp;Libraries support LLMs</a:t>
+            </a:r>
+            <a:endParaRPr sz="2000" dirty="0"/>
+          </a:p>
+        </p:txBody>
+      </p:sp>
+      <p:sp>
+        <p:nvSpPr>
+          <p:cNvPr id="13" name="ZoneTexte 12">
+            <a:extLst>
+              <a:ext uri="{FF2B5EF4-FFF2-40B4-BE49-F238E27FC236}">
+                <a16:creationId xmlns:a16="http://schemas.microsoft.com/office/drawing/2014/main" id="{5760EE29-F038-1F40-1A63-B589972FC1B8}"/>
+              </a:ext>
+            </a:extLst>
+          </p:cNvPr>
+          <p:cNvSpPr txBox="1"/>
+          <p:nvPr/>
+        </p:nvSpPr>
+        <p:spPr>
+          <a:xfrm>
+            <a:off x="6833496" y="7164006"/>
+            <a:ext cx="3243129" cy="1836400"/>
+          </a:xfrm>
+          <a:prstGeom prst="rect">
+            <a:avLst/>
+          </a:prstGeom>
+          <a:noFill/>
+          <a:ln w="12700" cap="flat">
+            <a:noFill/>
+            <a:miter lim="400000"/>
+          </a:ln>
+          <a:effectLst/>
+          <a:sp3d/>
+        </p:spPr>
+        <p:style>
+          <a:lnRef idx="0">
+            <a:scrgbClr r="0" g="0" b="0"/>
+          </a:lnRef>
+          <a:fillRef idx="0">
+            <a:scrgbClr r="0" g="0" b="0"/>
+          </a:fillRef>
+          <a:effectRef idx="0">
+            <a:scrgbClr r="0" g="0" b="0"/>
+          </a:effectRef>
+          <a:fontRef idx="none"/>
+        </p:style>
+        <p:txBody>
+          <a:bodyPr wrap="square">
+            <a:spAutoFit/>
+          </a:bodyPr>
+          <a:lstStyle/>
+          <a:p>
+            <a:pPr marL="228600" indent="-228600" algn="just">
+              <a:buFontTx/>
+              <a:buAutoNum type="alphaLcPeriod"/>
+              <a:tabLst>
+                <a:tab pos="457200" algn="l"/>
+              </a:tabLst>
+            </a:pPr>
+            <a:r>
+              <a:rPr lang="en-US" sz="1000" dirty="0">
+                <a:effectLst/>
+                <a:latin typeface="Calibri" panose="020F0502020204030204" pitchFamily="34" charset="0"/>
+                <a:ea typeface="Times New Roman" panose="02020603050405020304" pitchFamily="18" charset="0"/>
+                <a:cs typeface="Calibri" panose="020F0502020204030204" pitchFamily="34" charset="0"/>
+              </a:rPr>
+              <a:t>Popular NLP libraries, such as TensorFlow, PyTorch, spaCy, Hugging Face Transformers, AllenNLP,OpenAI GPT-3 API, AllenAI's ELMO, spaCy Transformers etc provide tools for working with large language models. These libraries allow for easy fine-tuning and deployment of models. </a:t>
+            </a:r>
+          </a:p>
+          <a:p>
+            <a:pPr marL="228600" lvl="0" indent="-228600" algn="just">
+              <a:buAutoNum type="alphaLcPeriod"/>
+              <a:tabLst>
+                <a:tab pos="457200" algn="l"/>
+              </a:tabLst>
+            </a:pPr>
+            <a:endParaRPr lang="en-US" sz="1000" dirty="0">
+              <a:latin typeface="Calibri" panose="020F0502020204030204" pitchFamily="34" charset="0"/>
+              <a:ea typeface="Times New Roman" panose="02020603050405020304" pitchFamily="18" charset="0"/>
+              <a:cs typeface="Calibri" panose="020F0502020204030204" pitchFamily="34" charset="0"/>
+            </a:endParaRPr>
+          </a:p>
+          <a:p>
+            <a:pPr marL="228600" lvl="0" indent="-228600" algn="just">
+              <a:buAutoNum type="alphaLcPeriod"/>
+              <a:tabLst>
+                <a:tab pos="457200" algn="l"/>
+              </a:tabLst>
+            </a:pPr>
+            <a:r>
+              <a:rPr lang="en-US" sz="1000" dirty="0">
+                <a:effectLst/>
+                <a:latin typeface="Calibri" panose="020F0502020204030204" pitchFamily="34" charset="0"/>
+                <a:ea typeface="Times New Roman" panose="02020603050405020304" pitchFamily="18" charset="0"/>
+                <a:cs typeface="Calibri" panose="020F0502020204030204" pitchFamily="34" charset="0"/>
+              </a:rPr>
+              <a:t>Some large language models, such as GPT-3, provide APIs for access to their models. This can simplify the process of integrating a large language model into a real-world application.</a:t>
+            </a:r>
+            <a:endParaRPr lang="en-US" sz="1000" dirty="0">
+              <a:latin typeface="Calibri" panose="020F0502020204030204" pitchFamily="34" charset="0"/>
+              <a:ea typeface="Times New Roman" panose="02020603050405020304" pitchFamily="18" charset="0"/>
+              <a:cs typeface="Calibri" panose="020F0502020204030204" pitchFamily="34" charset="0"/>
+            </a:endParaRPr>
+          </a:p>
+        </p:txBody>
+      </p:sp>
+      <p:sp>
+        <p:nvSpPr>
+          <p:cNvPr id="15" name="Source Editor">
+            <a:extLst>
+              <a:ext uri="{FF2B5EF4-FFF2-40B4-BE49-F238E27FC236}">
+                <a16:creationId xmlns:a16="http://schemas.microsoft.com/office/drawing/2014/main" id="{80517E16-8BEF-D71B-7371-DA1AB1D779B4}"/>
+              </a:ext>
+            </a:extLst>
+          </p:cNvPr>
+          <p:cNvSpPr txBox="1"/>
+          <p:nvPr/>
+        </p:nvSpPr>
+        <p:spPr>
+          <a:xfrm>
+            <a:off x="273492" y="1326903"/>
+            <a:ext cx="2167260" cy="227113"/>
+          </a:xfrm>
+          <a:prstGeom prst="rect">
+            <a:avLst/>
+          </a:prstGeom>
+          <a:ln w="12700">
+            <a:miter lim="400000"/>
+          </a:ln>
+          <a:extLst>
+            <a:ext uri="{C572A759-6A51-4108-AA02-DFA0A04FC94B}">
+              <ma14:wrappingTextBoxFlag xmlns:ma14="http://schemas.microsoft.com/office/mac/drawingml/2011/main" xmlns:a14="http://schemas.microsoft.com/office/drawing/2010/main" xmlns:m="http://schemas.openxmlformats.org/officeDocument/2006/math" xmlns="" val="1"/>
+            </a:ext>
+          </a:extLst>
+        </p:spPr>
+        <p:txBody>
+          <a:bodyPr wrap="none" lIns="0" tIns="0" rIns="0" bIns="0" anchor="ctr">
+            <a:spAutoFit/>
+          </a:bodyPr>
+          <a:lstStyle/>
+          <a:p>
+            <a:pPr lvl="1">
+              <a:lnSpc>
+                <a:spcPct val="80000"/>
+              </a:lnSpc>
+              <a:spcBef>
+                <a:spcPts val="0"/>
+              </a:spcBef>
+              <a:defRPr sz="2500">
+                <a:solidFill>
+                  <a:srgbClr val="628DB5"/>
+                </a:solidFill>
+              </a:defRPr>
+            </a:pPr>
+            <a:r>
+              <a:rPr lang="en-US" sz="1800" dirty="0">
+                <a:effectLst/>
+                <a:latin typeface="Calibri" panose="020F0502020204030204" pitchFamily="34" charset="0"/>
+                <a:ea typeface="Calibri" panose="020F0502020204030204" pitchFamily="34" charset="0"/>
+                <a:cs typeface="Times New Roman" panose="02020603050405020304" pitchFamily="18" charset="0"/>
+              </a:rPr>
+              <a:t>Attention Mechanisms</a:t>
+            </a:r>
+            <a:r>
+              <a:rPr lang="fr-FR" sz="1400" dirty="0">
+                <a:effectLst/>
+              </a:rPr>
+              <a:t> </a:t>
+            </a:r>
+            <a:endParaRPr sz="2000" dirty="0"/>
+          </a:p>
+        </p:txBody>
+      </p:sp>
+      <p:sp>
+        <p:nvSpPr>
+          <p:cNvPr id="16" name="Source Editor">
+            <a:extLst>
+              <a:ext uri="{FF2B5EF4-FFF2-40B4-BE49-F238E27FC236}">
+                <a16:creationId xmlns:a16="http://schemas.microsoft.com/office/drawing/2014/main" id="{9B72EFC2-DCEA-6AAE-7817-A9D7DAB1F215}"/>
+              </a:ext>
+            </a:extLst>
+          </p:cNvPr>
+          <p:cNvSpPr txBox="1"/>
+          <p:nvPr/>
+        </p:nvSpPr>
+        <p:spPr>
+          <a:xfrm>
+            <a:off x="3704600" y="1289524"/>
+            <a:ext cx="1538883" cy="227113"/>
+          </a:xfrm>
+          <a:prstGeom prst="rect">
+            <a:avLst/>
+          </a:prstGeom>
+          <a:ln w="12700">
+            <a:miter lim="400000"/>
+          </a:ln>
+          <a:extLst>
+            <a:ext uri="{C572A759-6A51-4108-AA02-DFA0A04FC94B}">
+              <ma14:wrappingTextBoxFlag xmlns:ma14="http://schemas.microsoft.com/office/mac/drawingml/2011/main" xmlns:a14="http://schemas.microsoft.com/office/drawing/2010/main" xmlns:m="http://schemas.openxmlformats.org/officeDocument/2006/math" xmlns="" val="1"/>
+            </a:ext>
+          </a:extLst>
+        </p:spPr>
+        <p:txBody>
+          <a:bodyPr wrap="none" lIns="0" tIns="0" rIns="0" bIns="0" anchor="ctr">
+            <a:spAutoFit/>
+          </a:bodyPr>
+          <a:lstStyle/>
+          <a:p>
+            <a:pPr lvl="1">
+              <a:lnSpc>
+                <a:spcPct val="80000"/>
+              </a:lnSpc>
+              <a:spcBef>
+                <a:spcPts val="0"/>
+              </a:spcBef>
+              <a:defRPr sz="2500">
+                <a:solidFill>
+                  <a:srgbClr val="628DB5"/>
+                </a:solidFill>
+              </a:defRPr>
+            </a:pPr>
+            <a:r>
+              <a:rPr lang="en-US" sz="1800" dirty="0">
+                <a:effectLst/>
+                <a:latin typeface="Calibri" panose="020F0502020204030204" pitchFamily="34" charset="0"/>
+                <a:ea typeface="Calibri" panose="020F0502020204030204" pitchFamily="34" charset="0"/>
+                <a:cs typeface="Times New Roman" panose="02020603050405020304" pitchFamily="18" charset="0"/>
+              </a:rPr>
+              <a:t>Evaluating LLMs</a:t>
+            </a:r>
+            <a:r>
+              <a:rPr lang="fr-FR" sz="1200" dirty="0">
+                <a:effectLst/>
+              </a:rPr>
+              <a:t> </a:t>
+            </a:r>
+            <a:endParaRPr sz="2000" dirty="0"/>
+          </a:p>
+        </p:txBody>
+      </p:sp>
+      <p:sp>
+        <p:nvSpPr>
+          <p:cNvPr id="17" name="Line">
+            <a:extLst>
+              <a:ext uri="{FF2B5EF4-FFF2-40B4-BE49-F238E27FC236}">
+                <a16:creationId xmlns:a16="http://schemas.microsoft.com/office/drawing/2014/main" id="{5C144FFE-49AB-AF6A-6B45-73385AAB66E5}"/>
+              </a:ext>
+            </a:extLst>
+          </p:cNvPr>
+          <p:cNvSpPr/>
+          <p:nvPr/>
+        </p:nvSpPr>
+        <p:spPr>
+          <a:xfrm>
+            <a:off x="3686975" y="5760278"/>
+            <a:ext cx="3087757" cy="0"/>
+          </a:xfrm>
+          <a:prstGeom prst="line">
+            <a:avLst/>
+          </a:prstGeom>
+          <a:ln w="6350">
+            <a:solidFill>
+              <a:srgbClr val="767C85"/>
+            </a:solidFill>
+            <a:miter lim="400000"/>
+          </a:ln>
+        </p:spPr>
+        <p:txBody>
+          <a:bodyPr lIns="45718" tIns="45718" rIns="45718" bIns="45718"/>
+          <a:lstStyle/>
+          <a:p>
+            <a:endParaRPr dirty="0"/>
+          </a:p>
+        </p:txBody>
+      </p:sp>
+      <p:sp>
+        <p:nvSpPr>
+          <p:cNvPr id="18" name="ZoneTexte 17">
+            <a:extLst>
+              <a:ext uri="{FF2B5EF4-FFF2-40B4-BE49-F238E27FC236}">
+                <a16:creationId xmlns:a16="http://schemas.microsoft.com/office/drawing/2014/main" id="{1A8A89A2-B633-C2CC-595E-CF9B0FD25B8A}"/>
+              </a:ext>
+            </a:extLst>
+          </p:cNvPr>
+          <p:cNvSpPr txBox="1"/>
+          <p:nvPr/>
+        </p:nvSpPr>
+        <p:spPr>
+          <a:xfrm>
+            <a:off x="3584694" y="1657212"/>
+            <a:ext cx="3167462" cy="3968241"/>
+          </a:xfrm>
+          <a:prstGeom prst="rect">
+            <a:avLst/>
+          </a:prstGeom>
+          <a:noFill/>
+          <a:ln w="12700" cap="flat">
+            <a:noFill/>
+            <a:miter lim="400000"/>
+          </a:ln>
+          <a:effectLst/>
+          <a:sp3d/>
+        </p:spPr>
+        <p:style>
+          <a:lnRef idx="0">
+            <a:scrgbClr r="0" g="0" b="0"/>
+          </a:lnRef>
+          <a:fillRef idx="0">
+            <a:scrgbClr r="0" g="0" b="0"/>
+          </a:fillRef>
+          <a:effectRef idx="0">
+            <a:scrgbClr r="0" g="0" b="0"/>
+          </a:effectRef>
+          <a:fontRef idx="none"/>
+        </p:style>
+        <p:txBody>
+          <a:bodyPr wrap="square">
+            <a:spAutoFit/>
+          </a:bodyPr>
+          <a:lstStyle/>
+          <a:p>
+            <a:pPr algn="just">
+              <a:buFont typeface="Arial" panose="020B0604020202020204" pitchFamily="34" charset="0"/>
+              <a:buChar char="•"/>
+            </a:pPr>
+            <a:r>
+              <a:rPr lang="fr-FR" sz="1000" b="1" dirty="0">
+                <a:latin typeface="Calibri" panose="020F0502020204030204" pitchFamily="34" charset="0"/>
+                <a:cs typeface="Calibri" panose="020F0502020204030204" pitchFamily="34" charset="0"/>
+              </a:rPr>
+              <a:t>Accuracy</a:t>
+            </a:r>
+            <a:r>
+              <a:rPr lang="fr-FR" sz="1000" dirty="0">
+                <a:latin typeface="Calibri" panose="020F0502020204030204" pitchFamily="34" charset="0"/>
+                <a:cs typeface="Calibri" panose="020F0502020204030204" pitchFamily="34" charset="0"/>
+              </a:rPr>
+              <a:t> measures the proportion of correctly classified instances out of all instances. This metric is commonly used for text classification tasks such as sentiment analysis, where the goal is to correctly classify a text as positive, negative, or neutral.</a:t>
+            </a:r>
+          </a:p>
+          <a:p>
+            <a:pPr algn="just">
+              <a:buFont typeface="Arial" panose="020B0604020202020204" pitchFamily="34" charset="0"/>
+              <a:buChar char="•"/>
+            </a:pPr>
+            <a:endParaRPr lang="fr-FR" sz="1000" dirty="0">
+              <a:latin typeface="Calibri" panose="020F0502020204030204" pitchFamily="34" charset="0"/>
+              <a:cs typeface="Calibri" panose="020F0502020204030204" pitchFamily="34" charset="0"/>
+            </a:endParaRPr>
+          </a:p>
+          <a:p>
+            <a:pPr algn="just">
+              <a:buFont typeface="Arial" panose="020B0604020202020204" pitchFamily="34" charset="0"/>
+              <a:buChar char="•"/>
+            </a:pPr>
+            <a:r>
+              <a:rPr lang="fr-FR" sz="1000" b="1" dirty="0">
+                <a:latin typeface="Calibri" panose="020F0502020204030204" pitchFamily="34" charset="0"/>
+                <a:cs typeface="Calibri" panose="020F0502020204030204" pitchFamily="34" charset="0"/>
+              </a:rPr>
+              <a:t>F1-score</a:t>
+            </a:r>
+            <a:r>
+              <a:rPr lang="fr-FR" sz="1000" dirty="0">
+                <a:latin typeface="Calibri" panose="020F0502020204030204" pitchFamily="34" charset="0"/>
+                <a:cs typeface="Calibri" panose="020F0502020204030204" pitchFamily="34" charset="0"/>
+              </a:rPr>
+              <a:t> is a metric that takes into account both precision and recall. Precision is the proportion of true positive results out of all predicted positive results, while recall is the proportion of true positive results out of all actual positive results. The F1-score is the harmonic mean of precision and recall, and it provides a balanced measure of model performance on text classification, question answering, and other tasks.</a:t>
+            </a:r>
+          </a:p>
+          <a:p>
+            <a:pPr algn="just">
+              <a:buFont typeface="Arial" panose="020B0604020202020204" pitchFamily="34" charset="0"/>
+              <a:buChar char="•"/>
+            </a:pPr>
+            <a:endParaRPr lang="fr-FR" sz="1000" dirty="0">
+              <a:latin typeface="Calibri" panose="020F0502020204030204" pitchFamily="34" charset="0"/>
+              <a:cs typeface="Calibri" panose="020F0502020204030204" pitchFamily="34" charset="0"/>
+            </a:endParaRPr>
+          </a:p>
+          <a:p>
+            <a:pPr algn="just">
+              <a:buFont typeface="Arial" panose="020B0604020202020204" pitchFamily="34" charset="0"/>
+              <a:buChar char="•"/>
+            </a:pPr>
+            <a:r>
+              <a:rPr lang="fr-FR" sz="1000" b="1" dirty="0">
+                <a:latin typeface="Calibri" panose="020F0502020204030204" pitchFamily="34" charset="0"/>
+                <a:cs typeface="Calibri" panose="020F0502020204030204" pitchFamily="34" charset="0"/>
+              </a:rPr>
+              <a:t>Perplexity </a:t>
+            </a:r>
+            <a:r>
+              <a:rPr lang="fr-FR" sz="1000" dirty="0">
+                <a:latin typeface="Calibri" panose="020F0502020204030204" pitchFamily="34" charset="0"/>
+                <a:cs typeface="Calibri" panose="020F0502020204030204" pitchFamily="34" charset="0"/>
+              </a:rPr>
+              <a:t>: It measures how well a language model predicts the next word in a sequence. The lower the perplexity, the better the model is at predicting the next word. Perplexity is calculated as 2 to the power of the cross-entropy, which is a measure of how well the model's predicted probabilities match the true probabilities of the next word in the sequence.Also  text can be evaluated using metrics such as BLEU or ROUGE scores.</a:t>
+            </a:r>
+          </a:p>
+        </p:txBody>
+      </p:sp>
+      <p:sp>
+        <p:nvSpPr>
+          <p:cNvPr id="20" name="ZoneTexte 19">
+            <a:extLst>
+              <a:ext uri="{FF2B5EF4-FFF2-40B4-BE49-F238E27FC236}">
+                <a16:creationId xmlns:a16="http://schemas.microsoft.com/office/drawing/2014/main" id="{BD195FE1-5CEF-09A7-4C3A-5EF633BA43D0}"/>
+              </a:ext>
+            </a:extLst>
+          </p:cNvPr>
+          <p:cNvSpPr txBox="1"/>
+          <p:nvPr/>
+        </p:nvSpPr>
+        <p:spPr>
+          <a:xfrm>
+            <a:off x="152475" y="1574521"/>
+            <a:ext cx="3365318" cy="3400931"/>
+          </a:xfrm>
+          <a:prstGeom prst="rect">
+            <a:avLst/>
+          </a:prstGeom>
+          <a:noFill/>
+          <a:ln w="12700" cap="flat">
+            <a:noFill/>
+            <a:miter lim="400000"/>
+          </a:ln>
+          <a:effectLst/>
+          <a:sp3d/>
+        </p:spPr>
+        <p:style>
+          <a:lnRef idx="0">
+            <a:scrgbClr r="0" g="0" b="0"/>
+          </a:lnRef>
+          <a:fillRef idx="0">
+            <a:scrgbClr r="0" g="0" b="0"/>
+          </a:fillRef>
+          <a:effectRef idx="0">
+            <a:scrgbClr r="0" g="0" b="0"/>
+          </a:effectRef>
+          <a:fontRef idx="none"/>
+        </p:style>
+        <p:txBody>
+          <a:bodyPr wrap="square">
+            <a:spAutoFit/>
+          </a:bodyPr>
+          <a:lstStyle/>
+          <a:p>
+            <a:pPr algn="just"/>
+            <a:r>
+              <a:rPr lang="fr-FR" sz="1000" b="1" dirty="0">
+                <a:latin typeface="Calibri" panose="020F0502020204030204" pitchFamily="34" charset="0"/>
+                <a:cs typeface="Calibri" panose="020F0502020204030204" pitchFamily="34" charset="0"/>
+              </a:rPr>
+              <a:t>Self-Attention:</a:t>
+            </a:r>
+          </a:p>
+          <a:p>
+            <a:pPr algn="just">
+              <a:buFont typeface="Arial" panose="020B0604020202020204" pitchFamily="34" charset="0"/>
+              <a:buChar char="•"/>
+            </a:pPr>
+            <a:r>
+              <a:rPr lang="fr-FR" sz="1000" dirty="0">
+                <a:latin typeface="Calibri" panose="020F0502020204030204" pitchFamily="34" charset="0"/>
+                <a:cs typeface="Calibri" panose="020F0502020204030204" pitchFamily="34" charset="0"/>
+              </a:rPr>
+              <a:t>A mechanism that allows a sequence to weigh the importance of all other elements in the sequence when computing a representation for each element.</a:t>
+            </a:r>
+          </a:p>
+          <a:p>
+            <a:pPr algn="just">
+              <a:buFont typeface="Arial" panose="020B0604020202020204" pitchFamily="34" charset="0"/>
+              <a:buChar char="•"/>
+            </a:pPr>
+            <a:r>
+              <a:rPr lang="fr-FR" sz="1000" dirty="0">
+                <a:latin typeface="Calibri" panose="020F0502020204030204" pitchFamily="34" charset="0"/>
+                <a:cs typeface="Calibri" panose="020F0502020204030204" pitchFamily="34" charset="0"/>
+              </a:rPr>
+              <a:t>Can capture relationships between different elements in the sequence, making it well-suited for tasks that require modeling long-range dependencies.</a:t>
+            </a:r>
+          </a:p>
+          <a:p>
+            <a:pPr algn="just">
+              <a:buFont typeface="Arial" panose="020B0604020202020204" pitchFamily="34" charset="0"/>
+              <a:buChar char="•"/>
+            </a:pPr>
+            <a:r>
+              <a:rPr lang="fr-FR" sz="1000" dirty="0">
+                <a:latin typeface="Calibri" panose="020F0502020204030204" pitchFamily="34" charset="0"/>
+                <a:cs typeface="Calibri" panose="020F0502020204030204" pitchFamily="34" charset="0"/>
+              </a:rPr>
+              <a:t>Popularized by the Transformer model.</a:t>
+            </a:r>
+          </a:p>
+          <a:p>
+            <a:pPr algn="just">
+              <a:buFont typeface="Arial" panose="020B0604020202020204" pitchFamily="34" charset="0"/>
+              <a:buChar char="•"/>
+            </a:pPr>
+            <a:endParaRPr lang="fr-FR" sz="1000" dirty="0">
+              <a:latin typeface="Calibri" panose="020F0502020204030204" pitchFamily="34" charset="0"/>
+              <a:cs typeface="Calibri" panose="020F0502020204030204" pitchFamily="34" charset="0"/>
+            </a:endParaRPr>
+          </a:p>
+          <a:p>
+            <a:pPr algn="just"/>
+            <a:r>
+              <a:rPr lang="fr-FR" sz="1000" b="1" dirty="0">
+                <a:latin typeface="Calibri" panose="020F0502020204030204" pitchFamily="34" charset="0"/>
+                <a:cs typeface="Calibri" panose="020F0502020204030204" pitchFamily="34" charset="0"/>
+              </a:rPr>
+              <a:t>Multi-Head Attention:</a:t>
+            </a:r>
+          </a:p>
+          <a:p>
+            <a:pPr algn="just">
+              <a:buFont typeface="Arial" panose="020B0604020202020204" pitchFamily="34" charset="0"/>
+              <a:buChar char="•"/>
+            </a:pPr>
+            <a:r>
+              <a:rPr lang="fr-FR" sz="1000" dirty="0">
+                <a:latin typeface="Calibri" panose="020F0502020204030204" pitchFamily="34" charset="0"/>
+                <a:cs typeface="Calibri" panose="020F0502020204030204" pitchFamily="34" charset="0"/>
+              </a:rPr>
+              <a:t>A variation of self-attention where the attention mechanism is applied multiple times in parallel with different sets of weights.</a:t>
+            </a:r>
+          </a:p>
+          <a:p>
+            <a:pPr algn="just">
+              <a:buFont typeface="Arial" panose="020B0604020202020204" pitchFamily="34" charset="0"/>
+              <a:buChar char="•"/>
+            </a:pPr>
+            <a:r>
+              <a:rPr lang="fr-FR" sz="1000" dirty="0">
+                <a:latin typeface="Calibri" panose="020F0502020204030204" pitchFamily="34" charset="0"/>
+                <a:cs typeface="Calibri" panose="020F0502020204030204" pitchFamily="34" charset="0"/>
+              </a:rPr>
+              <a:t>Allows the model to attend to different aspects of the input sequence, improving its ability to capture complex patterns and dependencies.</a:t>
+            </a:r>
+          </a:p>
+          <a:p>
+            <a:pPr algn="just">
+              <a:buFont typeface="Arial" panose="020B0604020202020204" pitchFamily="34" charset="0"/>
+              <a:buChar char="•"/>
+            </a:pPr>
+            <a:r>
+              <a:rPr lang="fr-FR" sz="1000" dirty="0">
+                <a:latin typeface="Calibri" panose="020F0502020204030204" pitchFamily="34" charset="0"/>
+                <a:cs typeface="Calibri" panose="020F0502020204030204" pitchFamily="34" charset="0"/>
+              </a:rPr>
+              <a:t>Each "head" produces a separate output that is concatenated and linearly transformed to produce the final output.</a:t>
+            </a:r>
+          </a:p>
+          <a:p>
+            <a:pPr algn="just">
+              <a:buFont typeface="Arial" panose="020B0604020202020204" pitchFamily="34" charset="0"/>
+              <a:buChar char="•"/>
+            </a:pPr>
+            <a:r>
+              <a:rPr lang="fr-FR" sz="1000" dirty="0">
+                <a:latin typeface="Calibri" panose="020F0502020204030204" pitchFamily="34" charset="0"/>
+                <a:cs typeface="Calibri" panose="020F0502020204030204" pitchFamily="34" charset="0"/>
+              </a:rPr>
+              <a:t>Also commonly used in the Transformer model.</a:t>
+            </a:r>
+          </a:p>
+        </p:txBody>
+      </p:sp>
+      <p:sp>
+        <p:nvSpPr>
+          <p:cNvPr id="21" name="Documents and Apps">
+            <a:extLst>
+              <a:ext uri="{FF2B5EF4-FFF2-40B4-BE49-F238E27FC236}">
+                <a16:creationId xmlns:a16="http://schemas.microsoft.com/office/drawing/2014/main" id="{3E8F5C43-F4CC-4D58-4401-FC6FCC08CEF4}"/>
+              </a:ext>
+            </a:extLst>
+          </p:cNvPr>
+          <p:cNvSpPr txBox="1"/>
+          <p:nvPr/>
+        </p:nvSpPr>
+        <p:spPr>
+          <a:xfrm>
+            <a:off x="3708666" y="5964663"/>
+            <a:ext cx="2082301" cy="252185"/>
+          </a:xfrm>
+          <a:prstGeom prst="rect">
+            <a:avLst/>
+          </a:prstGeom>
+          <a:ln w="12700">
+            <a:miter lim="400000"/>
+          </a:ln>
+          <a:extLst>
+            <a:ext uri="{C572A759-6A51-4108-AA02-DFA0A04FC94B}">
+              <ma14:wrappingTextBoxFlag xmlns="" xmlns:m="http://schemas.openxmlformats.org/officeDocument/2006/math" xmlns:a14="http://schemas.microsoft.com/office/drawing/2010/main" xmlns:ma14="http://schemas.microsoft.com/office/mac/drawingml/2011/main" val="1"/>
+            </a:ext>
+          </a:extLst>
+        </p:spPr>
+        <p:txBody>
+          <a:bodyPr wrap="none" lIns="0" tIns="0" rIns="0" bIns="0" anchor="ctr">
+            <a:spAutoFit/>
+          </a:bodyPr>
+          <a:lstStyle/>
+          <a:p>
+            <a:pPr lvl="1">
+              <a:lnSpc>
+                <a:spcPct val="80000"/>
+              </a:lnSpc>
+              <a:spcBef>
+                <a:spcPts val="0"/>
+              </a:spcBef>
+              <a:defRPr sz="2500">
+                <a:solidFill>
+                  <a:srgbClr val="628DB5"/>
+                </a:solidFill>
+              </a:defRPr>
+            </a:pPr>
+            <a:r>
+              <a:rPr lang="en-IN" sz="2000" dirty="0">
+                <a:effectLst/>
+                <a:latin typeface="Calibri" panose="020F0502020204030204" pitchFamily="34" charset="0"/>
+                <a:ea typeface="Calibri" panose="020F0502020204030204" pitchFamily="34" charset="0"/>
+                <a:cs typeface="Times New Roman" panose="02020603050405020304" pitchFamily="18" charset="0"/>
+              </a:rPr>
+              <a:t>Example - </a:t>
+            </a:r>
+            <a:r>
+              <a:rPr lang="fr-FR" sz="2000" dirty="0"/>
+              <a:t>ChatGPT</a:t>
+            </a:r>
+            <a:r>
+              <a:rPr lang="en-IN" sz="2000" dirty="0">
+                <a:effectLst/>
+                <a:latin typeface="Calibri" panose="020F0502020204030204" pitchFamily="34" charset="0"/>
+                <a:ea typeface="Calibri" panose="020F0502020204030204" pitchFamily="34" charset="0"/>
+                <a:cs typeface="Times New Roman" panose="02020603050405020304" pitchFamily="18" charset="0"/>
+              </a:rPr>
+              <a:t> </a:t>
+            </a:r>
+            <a:endParaRPr sz="2000" dirty="0"/>
+          </a:p>
+        </p:txBody>
+      </p:sp>
+      <p:sp>
+        <p:nvSpPr>
+          <p:cNvPr id="22" name="ZoneTexte 21">
+            <a:extLst>
+              <a:ext uri="{FF2B5EF4-FFF2-40B4-BE49-F238E27FC236}">
+                <a16:creationId xmlns:a16="http://schemas.microsoft.com/office/drawing/2014/main" id="{7583D631-8A6F-A771-6D50-CF0AC7E32658}"/>
+              </a:ext>
+            </a:extLst>
+          </p:cNvPr>
+          <p:cNvSpPr txBox="1"/>
+          <p:nvPr/>
+        </p:nvSpPr>
+        <p:spPr>
+          <a:xfrm>
+            <a:off x="3618696" y="6272927"/>
+            <a:ext cx="2942647" cy="1015663"/>
+          </a:xfrm>
+          <a:prstGeom prst="rect">
+            <a:avLst/>
+          </a:prstGeom>
+          <a:noFill/>
+          <a:ln w="12700" cap="flat">
+            <a:noFill/>
+            <a:miter lim="400000"/>
+          </a:ln>
+          <a:effectLst/>
+          <a:sp3d/>
+        </p:spPr>
+        <p:style>
+          <a:lnRef idx="0">
+            <a:scrgbClr r="0" g="0" b="0"/>
+          </a:lnRef>
+          <a:fillRef idx="0">
+            <a:scrgbClr r="0" g="0" b="0"/>
+          </a:fillRef>
+          <a:effectRef idx="0">
+            <a:scrgbClr r="0" g="0" b="0"/>
+          </a:effectRef>
+          <a:fontRef idx="none"/>
+        </p:style>
+        <p:txBody>
+          <a:bodyPr wrap="square">
+            <a:spAutoFit/>
+          </a:bodyPr>
+          <a:lstStyle/>
+          <a:p>
+            <a:pPr algn="just"/>
+            <a:r>
+              <a:rPr lang="fr-FR" sz="1000" dirty="0"/>
+              <a:t>ChatGPT is a large language model developed by OpenAI that has been trained on a diverse range of internet text, including articles, forums, and social media. This training allows ChatGPT to generate human-like text and answer a wide variety of questions on many topics.</a:t>
+            </a:r>
+          </a:p>
+        </p:txBody>
+      </p:sp>
+      <p:sp>
+        <p:nvSpPr>
+          <p:cNvPr id="27" name="Line">
+            <a:extLst>
+              <a:ext uri="{FF2B5EF4-FFF2-40B4-BE49-F238E27FC236}">
+                <a16:creationId xmlns:a16="http://schemas.microsoft.com/office/drawing/2014/main" id="{3811F0B1-9419-303F-1801-1E1AC779B626}"/>
+              </a:ext>
+            </a:extLst>
+          </p:cNvPr>
+          <p:cNvSpPr/>
+          <p:nvPr/>
+        </p:nvSpPr>
+        <p:spPr>
+          <a:xfrm flipV="1">
+            <a:off x="153810" y="1145581"/>
+            <a:ext cx="3075056" cy="3"/>
+          </a:xfrm>
+          <a:prstGeom prst="line">
+            <a:avLst/>
+          </a:prstGeom>
+          <a:ln w="6350">
+            <a:solidFill>
+              <a:srgbClr val="767C85"/>
+            </a:solidFill>
+            <a:miter lim="400000"/>
+          </a:ln>
+        </p:spPr>
+        <p:txBody>
+          <a:bodyPr lIns="45718" tIns="45718" rIns="45718" bIns="45718"/>
+          <a:lstStyle/>
+          <a:p>
+            <a:endParaRPr dirty="0"/>
+          </a:p>
+        </p:txBody>
+      </p:sp>
+      <p:pic>
+        <p:nvPicPr>
+          <p:cNvPr id="29" name="Picture 40" descr="Medium's New Logo (2020)— Unfinished Ellipses Logomark | by Medium  Formatting | Blogging Guide | Medium">
+            <a:hlinkClick r:id="rId17"/>
+            <a:extLst>
+              <a:ext uri="{FF2B5EF4-FFF2-40B4-BE49-F238E27FC236}">
+                <a16:creationId xmlns:a16="http://schemas.microsoft.com/office/drawing/2014/main" id="{09C6AB13-1E84-5776-7CB6-41B1AE2D299C}"/>
+              </a:ext>
+            </a:extLst>
+          </p:cNvPr>
+          <p:cNvPicPr>
+            <a:picLocks noChangeAspect="1" noChangeArrowheads="1"/>
+          </p:cNvPicPr>
+          <p:nvPr/>
+        </p:nvPicPr>
+        <p:blipFill>
+          <a:blip r:embed="rId18">
+            <a:extLst>
+              <a:ext uri="{28A0092B-C50C-407E-A947-70E740481C1C}">
+                <a14:useLocalDpi xmlns:a14="http://schemas.microsoft.com/office/drawing/2010/main" val="0"/>
+              </a:ext>
+            </a:extLst>
+          </a:blip>
+          <a:srcRect/>
+          <a:stretch>
+            <a:fillRect/>
+          </a:stretch>
+        </p:blipFill>
+        <p:spPr bwMode="auto">
+          <a:xfrm>
+            <a:off x="9766773" y="10580147"/>
+            <a:ext cx="167226" cy="167226"/>
+          </a:xfrm>
+          <a:prstGeom prst="rect">
+            <a:avLst/>
+          </a:prstGeom>
+          <a:noFill/>
+          <a:extLst>
+            <a:ext uri="{909E8E84-426E-40DD-AFC4-6F175D3DCCD1}">
+              <a14:hiddenFill xmlns:a14="http://schemas.microsoft.com/office/drawing/2010/main">
+                <a:solidFill>
+                  <a:srgbClr val="FFFFFF"/>
+                </a:solidFill>
+              </a14:hiddenFill>
+            </a:ext>
+          </a:extLst>
+        </p:spPr>
+      </p:pic>
+      <p:sp>
+        <p:nvSpPr>
+          <p:cNvPr id="32" name="ZoneTexte 31">
+            <a:extLst>
+              <a:ext uri="{FF2B5EF4-FFF2-40B4-BE49-F238E27FC236}">
+                <a16:creationId xmlns:a16="http://schemas.microsoft.com/office/drawing/2014/main" id="{BA10B32C-0D43-8C11-E69B-2EE5F099222E}"/>
+              </a:ext>
+            </a:extLst>
+          </p:cNvPr>
+          <p:cNvSpPr txBox="1"/>
+          <p:nvPr/>
+        </p:nvSpPr>
+        <p:spPr>
+          <a:xfrm>
+            <a:off x="6906721" y="1129619"/>
+            <a:ext cx="3086441" cy="5504071"/>
+          </a:xfrm>
+          <a:prstGeom prst="rect">
+            <a:avLst/>
+          </a:prstGeom>
+          <a:noFill/>
+          <a:ln w="12700" cap="flat">
+            <a:noFill/>
+            <a:miter lim="400000"/>
+          </a:ln>
+          <a:effectLst/>
+          <a:sp3d/>
+        </p:spPr>
+        <p:style>
+          <a:lnRef idx="0">
+            <a:scrgbClr r="0" g="0" b="0"/>
+          </a:lnRef>
+          <a:fillRef idx="0">
+            <a:scrgbClr r="0" g="0" b="0"/>
+          </a:fillRef>
+          <a:effectRef idx="0">
+            <a:scrgbClr r="0" g="0" b="0"/>
+          </a:effectRef>
+          <a:fontRef idx="none"/>
+        </p:style>
+        <p:txBody>
+          <a:bodyPr wrap="square">
+            <a:spAutoFit/>
+          </a:bodyPr>
+          <a:lstStyle/>
+          <a:p>
+            <a:pPr algn="just"/>
+            <a:r>
+              <a:rPr lang="fr-FR" sz="1000" dirty="0">
+                <a:solidFill>
+                  <a:srgbClr val="0070C0"/>
+                </a:solidFill>
+                <a:latin typeface="Calibri" panose="020F0502020204030204" pitchFamily="34" charset="0"/>
+                <a:cs typeface="Calibri" panose="020F0502020204030204" pitchFamily="34" charset="0"/>
+              </a:rPr>
+              <a:t>Text Generation</a:t>
+            </a:r>
+            <a:r>
+              <a:rPr lang="fr-FR" sz="1000" dirty="0">
+                <a:latin typeface="Calibri" panose="020F0502020204030204" pitchFamily="34" charset="0"/>
+                <a:cs typeface="Calibri" panose="020F0502020204030204" pitchFamily="34" charset="0"/>
+              </a:rPr>
+              <a:t>: ChatGPT can generate text based on a prompt or seed text. Example:</a:t>
+            </a:r>
+          </a:p>
+          <a:p>
+            <a:pPr algn="just"/>
+            <a:endParaRPr lang="fr-FR" sz="1000" dirty="0">
+              <a:latin typeface="Calibri" panose="020F0502020204030204" pitchFamily="34" charset="0"/>
+              <a:cs typeface="Calibri" panose="020F0502020204030204" pitchFamily="34" charset="0"/>
+            </a:endParaRPr>
+          </a:p>
+          <a:p>
+            <a:pPr algn="just"/>
+            <a:r>
+              <a:rPr lang="fr-FR" sz="1000" dirty="0">
+                <a:solidFill>
+                  <a:schemeClr val="accent6"/>
+                </a:solidFill>
+                <a:latin typeface="Calibri" panose="020F0502020204030204" pitchFamily="34" charset="0"/>
+                <a:cs typeface="Calibri" panose="020F0502020204030204" pitchFamily="34" charset="0"/>
+              </a:rPr>
+              <a:t>Human : </a:t>
+            </a:r>
+            <a:r>
+              <a:rPr lang="fr-FR" sz="1000" dirty="0">
+                <a:solidFill>
+                  <a:schemeClr val="accent4"/>
+                </a:solidFill>
+                <a:latin typeface="Calibri" panose="020F0502020204030204" pitchFamily="34" charset="0"/>
+                <a:cs typeface="Calibri" panose="020F0502020204030204" pitchFamily="34" charset="0"/>
+              </a:rPr>
+              <a:t>Write a short story about a magical world.  </a:t>
+            </a:r>
+          </a:p>
+          <a:p>
+            <a:pPr algn="just"/>
+            <a:r>
+              <a:rPr lang="fr-FR" sz="1000" dirty="0">
+                <a:solidFill>
+                  <a:schemeClr val="accent6"/>
+                </a:solidFill>
+                <a:latin typeface="Calibri" panose="020F0502020204030204" pitchFamily="34" charset="0"/>
+                <a:cs typeface="Calibri" panose="020F0502020204030204" pitchFamily="34" charset="0"/>
+              </a:rPr>
+              <a:t>ChatGPT: </a:t>
+            </a:r>
+            <a:r>
+              <a:rPr lang="fr-FR" sz="1000" dirty="0">
+                <a:solidFill>
+                  <a:srgbClr val="00B050"/>
+                </a:solidFill>
+                <a:latin typeface="Calibri" panose="020F0502020204030204" pitchFamily="34" charset="0"/>
+                <a:cs typeface="Calibri" panose="020F0502020204030204" pitchFamily="34" charset="0"/>
+              </a:rPr>
+              <a:t>Once upon a time, in a land far away, there was a magical world filled with wonder and enchantment. The sky was always a brilliant shade of purple, and the stars twinkled like diamonds in the sky. The people of this world possessed magical powers that they used to create incredible wonders and to help those in need. One day, a young woman discovered that she too had magical powers, and set out on an incredible journey to explore the wonders of this magical world and to hone her skills.</a:t>
+            </a:r>
+          </a:p>
+          <a:p>
+            <a:pPr algn="just"/>
+            <a:endParaRPr lang="fr-FR" sz="1000" dirty="0">
+              <a:latin typeface="Calibri" panose="020F0502020204030204" pitchFamily="34" charset="0"/>
+              <a:cs typeface="Calibri" panose="020F0502020204030204" pitchFamily="34" charset="0"/>
+            </a:endParaRPr>
+          </a:p>
+          <a:p>
+            <a:pPr algn="just"/>
+            <a:r>
+              <a:rPr lang="fr-FR" sz="1000" dirty="0">
+                <a:solidFill>
+                  <a:srgbClr val="0070C0"/>
+                </a:solidFill>
+                <a:latin typeface="Calibri" panose="020F0502020204030204" pitchFamily="34" charset="0"/>
+                <a:cs typeface="Calibri" panose="020F0502020204030204" pitchFamily="34" charset="0"/>
+              </a:rPr>
+              <a:t>Summarization</a:t>
+            </a:r>
+            <a:r>
+              <a:rPr lang="fr-FR" sz="1000" dirty="0">
+                <a:latin typeface="Calibri" panose="020F0502020204030204" pitchFamily="34" charset="0"/>
+                <a:cs typeface="Calibri" panose="020F0502020204030204" pitchFamily="34" charset="0"/>
+              </a:rPr>
+              <a:t>: ChatGPT can summarize a long text or article. Example:</a:t>
+            </a:r>
+          </a:p>
+          <a:p>
+            <a:pPr algn="just"/>
+            <a:endParaRPr lang="fr-FR" sz="1000" dirty="0">
+              <a:latin typeface="Calibri" panose="020F0502020204030204" pitchFamily="34" charset="0"/>
+              <a:cs typeface="Calibri" panose="020F0502020204030204" pitchFamily="34" charset="0"/>
+            </a:endParaRPr>
+          </a:p>
+          <a:p>
+            <a:pPr algn="just"/>
+            <a:r>
+              <a:rPr lang="fr-FR" sz="1000" dirty="0">
+                <a:solidFill>
+                  <a:schemeClr val="accent6"/>
+                </a:solidFill>
+                <a:latin typeface="Calibri" panose="020F0502020204030204" pitchFamily="34" charset="0"/>
+                <a:cs typeface="Calibri" panose="020F0502020204030204" pitchFamily="34" charset="0"/>
+              </a:rPr>
+              <a:t>Human : </a:t>
+            </a:r>
+            <a:r>
+              <a:rPr lang="fr-FR" sz="1000" dirty="0">
+                <a:solidFill>
+                  <a:schemeClr val="accent4"/>
+                </a:solidFill>
+                <a:latin typeface="Calibri" panose="020F0502020204030204" pitchFamily="34" charset="0"/>
+                <a:cs typeface="Calibri" panose="020F0502020204030204" pitchFamily="34" charset="0"/>
+              </a:rPr>
+              <a:t>Please summarize this article about the benefits of exercise.   </a:t>
+            </a:r>
+          </a:p>
+          <a:p>
+            <a:pPr algn="just"/>
+            <a:r>
+              <a:rPr lang="fr-FR" sz="1000" dirty="0">
+                <a:solidFill>
+                  <a:schemeClr val="accent6"/>
+                </a:solidFill>
+                <a:latin typeface="Calibri" panose="020F0502020204030204" pitchFamily="34" charset="0"/>
+                <a:cs typeface="Calibri" panose="020F0502020204030204" pitchFamily="34" charset="0"/>
+              </a:rPr>
+              <a:t>ChatGPT: </a:t>
+            </a:r>
+            <a:r>
+              <a:rPr lang="fr-FR" sz="1000" dirty="0">
+                <a:solidFill>
+                  <a:srgbClr val="00B050"/>
+                </a:solidFill>
+                <a:latin typeface="Calibri" panose="020F0502020204030204" pitchFamily="34" charset="0"/>
+                <a:cs typeface="Calibri" panose="020F0502020204030204" pitchFamily="34" charset="0"/>
+              </a:rPr>
+              <a:t>The article discusses the various physical and mental health benefits of exercise, including improved cardiovascular health, stronger muscles and bones, better weight management, and reduced stress and anxiety. It also highlights the importance of finding an exercise routine that is enjoyable and sustainable.</a:t>
+            </a:r>
+          </a:p>
+          <a:p>
+            <a:pPr algn="just"/>
+            <a:endParaRPr lang="fr-FR" sz="1000" dirty="0">
+              <a:solidFill>
+                <a:srgbClr val="00B050"/>
+              </a:solidFill>
+              <a:latin typeface="Calibri" panose="020F0502020204030204" pitchFamily="34" charset="0"/>
+              <a:cs typeface="Calibri" panose="020F0502020204030204" pitchFamily="34" charset="0"/>
+            </a:endParaRPr>
+          </a:p>
+          <a:p>
+            <a:pPr algn="just"/>
+            <a:r>
+              <a:rPr lang="fr-FR" sz="1000" dirty="0">
+                <a:solidFill>
+                  <a:srgbClr val="0070C0"/>
+                </a:solidFill>
+                <a:latin typeface="Calibri" panose="020F0502020204030204" pitchFamily="34" charset="0"/>
+                <a:cs typeface="Calibri" panose="020F0502020204030204" pitchFamily="34" charset="0"/>
+              </a:rPr>
+              <a:t>Translation</a:t>
+            </a:r>
+            <a:r>
+              <a:rPr lang="fr-FR" sz="1000" dirty="0">
+                <a:latin typeface="Calibri" panose="020F0502020204030204" pitchFamily="34" charset="0"/>
+                <a:cs typeface="Calibri" panose="020F0502020204030204" pitchFamily="34" charset="0"/>
+              </a:rPr>
+              <a:t>: ChatGPT can translate text from one language to another. Example:</a:t>
+            </a:r>
+          </a:p>
+          <a:p>
+            <a:pPr algn="just"/>
+            <a:endParaRPr lang="fr-FR" sz="1000" dirty="0">
+              <a:latin typeface="Calibri" panose="020F0502020204030204" pitchFamily="34" charset="0"/>
+              <a:cs typeface="Calibri" panose="020F0502020204030204" pitchFamily="34" charset="0"/>
+            </a:endParaRPr>
+          </a:p>
+          <a:p>
+            <a:pPr algn="just"/>
+            <a:r>
+              <a:rPr lang="fr-FR" sz="1000" dirty="0">
+                <a:latin typeface="Calibri" panose="020F0502020204030204" pitchFamily="34" charset="0"/>
+                <a:cs typeface="Calibri" panose="020F0502020204030204" pitchFamily="34" charset="0"/>
+              </a:rPr>
+              <a:t> </a:t>
+            </a:r>
+            <a:r>
+              <a:rPr lang="fr-FR" sz="1000" dirty="0">
+                <a:solidFill>
+                  <a:schemeClr val="accent4">
+                    <a:lumMod val="60000"/>
+                    <a:lumOff val="40000"/>
+                  </a:schemeClr>
+                </a:solidFill>
+                <a:latin typeface="Calibri" panose="020F0502020204030204" pitchFamily="34" charset="0"/>
+                <a:cs typeface="Calibri" panose="020F0502020204030204" pitchFamily="34" charset="0"/>
+              </a:rPr>
+              <a:t>Translate this sentence from English to Spanish. "The sky is blue." </a:t>
+            </a:r>
+          </a:p>
+          <a:p>
+            <a:pPr algn="just"/>
+            <a:r>
+              <a:rPr lang="fr-FR" sz="1000" dirty="0">
+                <a:solidFill>
+                  <a:schemeClr val="accent6"/>
+                </a:solidFill>
+                <a:latin typeface="Calibri" panose="020F0502020204030204" pitchFamily="34" charset="0"/>
+                <a:cs typeface="Calibri" panose="020F0502020204030204" pitchFamily="34" charset="0"/>
+              </a:rPr>
+              <a:t>ChatGPT: </a:t>
+            </a:r>
+            <a:r>
+              <a:rPr lang="fr-FR" sz="1000" dirty="0">
+                <a:solidFill>
+                  <a:srgbClr val="00B050"/>
+                </a:solidFill>
+                <a:latin typeface="Calibri" panose="020F0502020204030204" pitchFamily="34" charset="0"/>
+                <a:cs typeface="Calibri" panose="020F0502020204030204" pitchFamily="34" charset="0"/>
+              </a:rPr>
+              <a:t>El cielo es azul.</a:t>
+            </a:r>
+          </a:p>
+        </p:txBody>
+      </p:sp>
+      <p:pic>
+        <p:nvPicPr>
+          <p:cNvPr id="1032" name="Picture 8" descr="TensorFlow - Wikipedia">
+            <a:extLst>
+              <a:ext uri="{FF2B5EF4-FFF2-40B4-BE49-F238E27FC236}">
+                <a16:creationId xmlns:a16="http://schemas.microsoft.com/office/drawing/2014/main" id="{04035426-B9C6-99AC-8DD3-8BB82AE6BBAD}"/>
+              </a:ext>
+            </a:extLst>
+          </p:cNvPr>
+          <p:cNvPicPr>
+            <a:picLocks noChangeAspect="1" noChangeArrowheads="1"/>
+          </p:cNvPicPr>
+          <p:nvPr/>
+        </p:nvPicPr>
+        <p:blipFill>
+          <a:blip r:embed="rId19">
+            <a:extLst>
+              <a:ext uri="{28A0092B-C50C-407E-A947-70E740481C1C}">
+                <a14:useLocalDpi xmlns:a14="http://schemas.microsoft.com/office/drawing/2010/main" val="0"/>
+              </a:ext>
+            </a:extLst>
+          </a:blip>
+          <a:srcRect/>
+          <a:stretch>
+            <a:fillRect/>
+          </a:stretch>
+        </p:blipFill>
+        <p:spPr bwMode="auto">
+          <a:xfrm>
+            <a:off x="6906721" y="9195247"/>
+            <a:ext cx="1176114" cy="753383"/>
+          </a:xfrm>
+          <a:prstGeom prst="rect">
+            <a:avLst/>
+          </a:prstGeom>
+          <a:noFill/>
+          <a:extLst>
+            <a:ext uri="{909E8E84-426E-40DD-AFC4-6F175D3DCCD1}">
+              <a14:hiddenFill xmlns:a14="http://schemas.microsoft.com/office/drawing/2010/main">
+                <a:solidFill>
+                  <a:srgbClr val="FFFFFF"/>
+                </a:solidFill>
+              </a14:hiddenFill>
+            </a:ext>
+          </a:extLst>
+        </p:spPr>
+      </p:pic>
+      <p:pic>
+        <p:nvPicPr>
+          <p:cNvPr id="6" name="Picture 10" descr="SpaCy — Wikipédia">
+            <a:extLst>
+              <a:ext uri="{FF2B5EF4-FFF2-40B4-BE49-F238E27FC236}">
+                <a16:creationId xmlns:a16="http://schemas.microsoft.com/office/drawing/2014/main" id="{D9311689-605B-E039-62B6-AAC80799E99A}"/>
+              </a:ext>
+            </a:extLst>
+          </p:cNvPr>
+          <p:cNvPicPr>
+            <a:picLocks noChangeAspect="1" noChangeArrowheads="1"/>
+          </p:cNvPicPr>
+          <p:nvPr/>
+        </p:nvPicPr>
+        <p:blipFill>
+          <a:blip r:embed="rId20">
+            <a:extLst>
+              <a:ext uri="{28A0092B-C50C-407E-A947-70E740481C1C}">
+                <a14:useLocalDpi xmlns:a14="http://schemas.microsoft.com/office/drawing/2010/main" val="0"/>
+              </a:ext>
+            </a:extLst>
+          </a:blip>
+          <a:srcRect/>
+          <a:stretch>
+            <a:fillRect/>
+          </a:stretch>
+        </p:blipFill>
+        <p:spPr bwMode="auto">
+          <a:xfrm>
+            <a:off x="7964451" y="9170864"/>
+            <a:ext cx="785961" cy="282193"/>
+          </a:xfrm>
+          <a:prstGeom prst="rect">
+            <a:avLst/>
+          </a:prstGeom>
+          <a:noFill/>
+          <a:extLst>
+            <a:ext uri="{909E8E84-426E-40DD-AFC4-6F175D3DCCD1}">
+              <a14:hiddenFill xmlns:a14="http://schemas.microsoft.com/office/drawing/2010/main">
+                <a:solidFill>
+                  <a:srgbClr val="FFFFFF"/>
+                </a:solidFill>
+              </a14:hiddenFill>
+            </a:ext>
+          </a:extLst>
+        </p:spPr>
+      </p:pic>
+      <p:pic>
+        <p:nvPicPr>
+          <p:cNvPr id="8" name="Picture 10" descr="SpaCy — Wikipédia">
+            <a:extLst>
+              <a:ext uri="{FF2B5EF4-FFF2-40B4-BE49-F238E27FC236}">
+                <a16:creationId xmlns:a16="http://schemas.microsoft.com/office/drawing/2014/main" id="{5DD7307D-8CEB-E0C5-0B64-E0C6BBCE4D83}"/>
+              </a:ext>
+            </a:extLst>
+          </p:cNvPr>
+          <p:cNvPicPr>
+            <a:picLocks noChangeAspect="1" noChangeArrowheads="1"/>
+          </p:cNvPicPr>
+          <p:nvPr/>
+        </p:nvPicPr>
+        <p:blipFill>
+          <a:blip r:embed="rId20">
+            <a:extLst>
+              <a:ext uri="{28A0092B-C50C-407E-A947-70E740481C1C}">
+                <a14:useLocalDpi xmlns:a14="http://schemas.microsoft.com/office/drawing/2010/main" val="0"/>
+              </a:ext>
+            </a:extLst>
+          </a:blip>
+          <a:srcRect/>
+          <a:stretch>
+            <a:fillRect/>
+          </a:stretch>
+        </p:blipFill>
+        <p:spPr bwMode="auto">
+          <a:xfrm>
+            <a:off x="10722009" y="14992176"/>
+            <a:ext cx="178475" cy="64080"/>
+          </a:xfrm>
+          <a:prstGeom prst="rect">
+            <a:avLst/>
+          </a:prstGeom>
+          <a:noFill/>
+          <a:extLst>
+            <a:ext uri="{909E8E84-426E-40DD-AFC4-6F175D3DCCD1}">
+              <a14:hiddenFill xmlns:a14="http://schemas.microsoft.com/office/drawing/2010/main">
+                <a:solidFill>
+                  <a:srgbClr val="FFFFFF"/>
+                </a:solidFill>
+              </a14:hiddenFill>
+            </a:ext>
+          </a:extLst>
+        </p:spPr>
+      </p:pic>
+      <p:pic>
+        <p:nvPicPr>
+          <p:cNvPr id="10" name="Picture 12" descr="Hugging Face - Current Openings">
+            <a:extLst>
+              <a:ext uri="{FF2B5EF4-FFF2-40B4-BE49-F238E27FC236}">
+                <a16:creationId xmlns:a16="http://schemas.microsoft.com/office/drawing/2014/main" id="{004551C8-F89C-27D9-72C1-C5CE97811783}"/>
+              </a:ext>
+            </a:extLst>
+          </p:cNvPr>
+          <p:cNvPicPr>
+            <a:picLocks noChangeAspect="1" noChangeArrowheads="1"/>
+          </p:cNvPicPr>
+          <p:nvPr/>
+        </p:nvPicPr>
+        <p:blipFill>
+          <a:blip r:embed="rId21">
+            <a:extLst>
+              <a:ext uri="{28A0092B-C50C-407E-A947-70E740481C1C}">
+                <a14:useLocalDpi xmlns:a14="http://schemas.microsoft.com/office/drawing/2010/main" val="0"/>
+              </a:ext>
+            </a:extLst>
+          </a:blip>
+          <a:srcRect/>
+          <a:stretch>
+            <a:fillRect/>
+          </a:stretch>
+        </p:blipFill>
+        <p:spPr bwMode="auto">
+          <a:xfrm>
+            <a:off x="9548165" y="9674242"/>
+            <a:ext cx="582176" cy="582176"/>
+          </a:xfrm>
+          <a:prstGeom prst="rect">
+            <a:avLst/>
+          </a:prstGeom>
+          <a:noFill/>
+          <a:extLst>
+            <a:ext uri="{909E8E84-426E-40DD-AFC4-6F175D3DCCD1}">
+              <a14:hiddenFill xmlns:a14="http://schemas.microsoft.com/office/drawing/2010/main">
+                <a:solidFill>
+                  <a:srgbClr val="FFFFFF"/>
+                </a:solidFill>
+              </a14:hiddenFill>
+            </a:ext>
+          </a:extLst>
+        </p:spPr>
+      </p:pic>
+      <p:pic>
+        <p:nvPicPr>
+          <p:cNvPr id="1038" name="Picture 14">
+            <a:extLst>
+              <a:ext uri="{FF2B5EF4-FFF2-40B4-BE49-F238E27FC236}">
+                <a16:creationId xmlns:a16="http://schemas.microsoft.com/office/drawing/2014/main" id="{3782C8D4-BAFE-6B37-DA3F-B26066CEAB17}"/>
+              </a:ext>
+            </a:extLst>
+          </p:cNvPr>
+          <p:cNvPicPr>
+            <a:picLocks noChangeAspect="1" noChangeArrowheads="1"/>
+          </p:cNvPicPr>
+          <p:nvPr/>
+        </p:nvPicPr>
+        <p:blipFill>
+          <a:blip r:embed="rId22">
+            <a:extLst>
+              <a:ext uri="{28A0092B-C50C-407E-A947-70E740481C1C}">
+                <a14:useLocalDpi xmlns:a14="http://schemas.microsoft.com/office/drawing/2010/main" val="0"/>
+              </a:ext>
+            </a:extLst>
+          </a:blip>
+          <a:srcRect/>
+          <a:stretch>
+            <a:fillRect/>
+          </a:stretch>
+        </p:blipFill>
+        <p:spPr bwMode="auto">
+          <a:xfrm>
+            <a:off x="8107633" y="9791046"/>
+            <a:ext cx="1240682" cy="306725"/>
+          </a:xfrm>
+          <a:prstGeom prst="rect">
+            <a:avLst/>
+          </a:prstGeom>
+          <a:noFill/>
+          <a:extLst>
+            <a:ext uri="{909E8E84-426E-40DD-AFC4-6F175D3DCCD1}">
+              <a14:hiddenFill xmlns:a14="http://schemas.microsoft.com/office/drawing/2010/main">
+                <a:solidFill>
+                  <a:srgbClr val="FFFFFF"/>
+                </a:solidFill>
+              </a14:hiddenFill>
+            </a:ext>
+          </a:extLst>
+        </p:spPr>
+      </p:pic>
+      <p:pic>
+        <p:nvPicPr>
+          <p:cNvPr id="1040" name="Picture 16">
+            <a:extLst>
+              <a:ext uri="{FF2B5EF4-FFF2-40B4-BE49-F238E27FC236}">
+                <a16:creationId xmlns:a16="http://schemas.microsoft.com/office/drawing/2014/main" id="{8D2EDB43-8C50-0A66-7344-160C00D2FA97}"/>
+              </a:ext>
+            </a:extLst>
+          </p:cNvPr>
+          <p:cNvPicPr>
+            <a:picLocks noChangeAspect="1" noChangeArrowheads="1"/>
+          </p:cNvPicPr>
+          <p:nvPr/>
+        </p:nvPicPr>
+        <p:blipFill>
+          <a:blip r:embed="rId23">
+            <a:extLst>
+              <a:ext uri="{28A0092B-C50C-407E-A947-70E740481C1C}">
+                <a14:useLocalDpi xmlns:a14="http://schemas.microsoft.com/office/drawing/2010/main" val="0"/>
+              </a:ext>
+            </a:extLst>
+          </a:blip>
+          <a:srcRect/>
+          <a:stretch>
+            <a:fillRect/>
+          </a:stretch>
+        </p:blipFill>
+        <p:spPr bwMode="auto">
+          <a:xfrm>
+            <a:off x="8994847" y="9263283"/>
+            <a:ext cx="1081778" cy="267439"/>
+          </a:xfrm>
+          <a:prstGeom prst="rect">
+            <a:avLst/>
+          </a:prstGeom>
+          <a:noFill/>
+          <a:extLst>
+            <a:ext uri="{909E8E84-426E-40DD-AFC4-6F175D3DCCD1}">
+              <a14:hiddenFill xmlns:a14="http://schemas.microsoft.com/office/drawing/2010/main">
+                <a:solidFill>
+                  <a:srgbClr val="FFFFFF"/>
+                </a:solidFill>
+              </a14:hiddenFill>
+            </a:ext>
+          </a:extLst>
+        </p:spPr>
+      </p:pic>
+    </p:spTree>
+    <p:extLst>
+      <p:ext uri="{BB962C8B-B14F-4D97-AF65-F5344CB8AC3E}">
+        <p14:creationId xmlns:p14="http://schemas.microsoft.com/office/powerpoint/2010/main" val="3583388227"/>
+      </p:ext>
+    </p:extLst>
+  </p:cSld>
+  <p:clrMapOvr>
+    <a:masterClrMapping/>
+  </p:clrMapOvr>
+  <p:transition spd="med"/>
+</p:sld>
+</file>
+
+<file path=ppt/slides/slide3.xml><?xml version="1.0" encoding="utf-8"?>
 <p:sld xmlns:a="http://schemas.openxmlformats.org/drawingml/2006/main" xmlns:r="http://schemas.openxmlformats.org/officeDocument/2006/relationships" xmlns:p="http://schemas.openxmlformats.org/presentationml/2006/main">
   <p:cSld>
     <p:spTree>
@@ -8111,7 +12407,11 @@
             </a:r>
             <a:r>
               <a:rPr lang="fr-FR" dirty="0"/>
-              <a:t> Machine Learning  Scientist  • aboniaa@gmail.com</a:t>
+              <a:t> Machine Learning  Scientist  • </a:t>
+            </a:r>
+            <a:r>
+              <a:rPr lang="fr-FR" dirty="0" err="1"/>
+              <a:t>aboniaa@gmail.com</a:t>
             </a:r>
             <a:r>
               <a:rPr dirty="0"/>
@@ -8138,64 +12438,6 @@
               <a:t>2</a:t>
             </a:r>
             <a:endParaRPr i="1" dirty="0"/>
-          </a:p>
-        </p:txBody>
-      </p:sp>
-      <p:sp>
-        <p:nvSpPr>
-          <p:cNvPr id="273" name="Line"/>
-          <p:cNvSpPr/>
-          <p:nvPr/>
-        </p:nvSpPr>
-        <p:spPr>
-          <a:xfrm>
-            <a:off x="6946238" y="1104898"/>
-            <a:ext cx="3149601" cy="2"/>
-          </a:xfrm>
-          <a:prstGeom prst="line">
-            <a:avLst/>
-          </a:prstGeom>
-          <a:ln w="6350">
-            <a:solidFill>
-              <a:srgbClr val="767C85"/>
-            </a:solidFill>
-            <a:miter lim="400000"/>
-          </a:ln>
-        </p:spPr>
-        <p:txBody>
-          <a:bodyPr lIns="45718" tIns="45718" rIns="45718" bIns="45718"/>
-          <a:lstStyle/>
-          <a:p>
-            <a:endParaRPr dirty="0"/>
-          </a:p>
-        </p:txBody>
-      </p:sp>
-      <p:sp>
-        <p:nvSpPr>
-          <p:cNvPr id="275" name="Line"/>
-          <p:cNvSpPr/>
-          <p:nvPr/>
-        </p:nvSpPr>
-        <p:spPr>
-          <a:xfrm flipV="1">
-            <a:off x="3572192" y="1124365"/>
-            <a:ext cx="3075056" cy="3"/>
-          </a:xfrm>
-          <a:prstGeom prst="line">
-            <a:avLst/>
-          </a:prstGeom>
-          <a:ln w="6350">
-            <a:solidFill>
-              <a:srgbClr val="767C85"/>
-            </a:solidFill>
-            <a:miter lim="400000"/>
-          </a:ln>
-        </p:spPr>
-        <p:txBody>
-          <a:bodyPr lIns="45718" tIns="45718" rIns="45718" bIns="45718"/>
-          <a:lstStyle/>
-          <a:p>
-            <a:endParaRPr dirty="0"/>
           </a:p>
         </p:txBody>
       </p:sp>
@@ -8225,65 +12467,6 @@
           <a:lstStyle/>
           <a:p>
             <a:endParaRPr dirty="0"/>
-          </a:p>
-        </p:txBody>
-      </p:sp>
-      <p:sp>
-        <p:nvSpPr>
-          <p:cNvPr id="2" name="Package Development">
-            <a:extLst>
-              <a:ext uri="{FF2B5EF4-FFF2-40B4-BE49-F238E27FC236}">
-                <a16:creationId xmlns:a16="http://schemas.microsoft.com/office/drawing/2014/main" id="{4A81DEF9-65A4-6CE4-B19A-B96C61D7F58D}"/>
-              </a:ext>
-            </a:extLst>
-          </p:cNvPr>
-          <p:cNvSpPr txBox="1"/>
-          <p:nvPr/>
-        </p:nvSpPr>
-        <p:spPr>
-          <a:xfrm>
-            <a:off x="3686051" y="7875059"/>
-            <a:ext cx="1041952" cy="252185"/>
-          </a:xfrm>
-          <a:prstGeom prst="rect">
-            <a:avLst/>
-          </a:prstGeom>
-          <a:ln w="12700">
-            <a:miter lim="400000"/>
-          </a:ln>
-          <a:extLst>
-            <a:ext uri="{C572A759-6A51-4108-AA02-DFA0A04FC94B}">
-              <ma14:wrappingTextBoxFlag xmlns="" xmlns:m="http://schemas.openxmlformats.org/officeDocument/2006/math" xmlns:a14="http://schemas.microsoft.com/office/drawing/2010/main" xmlns:ma14="http://schemas.microsoft.com/office/mac/drawingml/2011/main" val="1"/>
-            </a:ext>
-          </a:extLst>
-        </p:spPr>
-        <p:txBody>
-          <a:bodyPr wrap="none" lIns="0" tIns="0" rIns="0" bIns="0" anchor="ctr">
-            <a:spAutoFit/>
-          </a:bodyPr>
-          <a:lstStyle/>
-          <a:p>
-            <a:pPr lvl="1">
-              <a:lnSpc>
-                <a:spcPct val="80000"/>
-              </a:lnSpc>
-              <a:spcBef>
-                <a:spcPts val="0"/>
-              </a:spcBef>
-              <a:defRPr sz="2500">
-                <a:solidFill>
-                  <a:srgbClr val="628DB5"/>
-                </a:solidFill>
-              </a:defRPr>
-            </a:pPr>
-            <a:r>
-              <a:rPr lang="en-IN" sz="2000" dirty="0">
-                <a:latin typeface="Calibri" panose="020F0502020204030204" pitchFamily="34" charset="0"/>
-                <a:cs typeface="Times New Roman" panose="02020603050405020304" pitchFamily="18" charset="0"/>
-              </a:rPr>
-              <a:t>Use Cases</a:t>
-            </a:r>
-            <a:endParaRPr sz="2000" dirty="0"/>
           </a:p>
         </p:txBody>
       </p:sp>
@@ -8550,41 +12733,6 @@
       </p:pic>
       <p:sp>
         <p:nvSpPr>
-          <p:cNvPr id="30" name="Line">
-            <a:extLst>
-              <a:ext uri="{FF2B5EF4-FFF2-40B4-BE49-F238E27FC236}">
-                <a16:creationId xmlns:a16="http://schemas.microsoft.com/office/drawing/2014/main" id="{E67808E4-8A6F-013D-934F-2B67D1E6136B}"/>
-              </a:ext>
-            </a:extLst>
-          </p:cNvPr>
-          <p:cNvSpPr/>
-          <p:nvPr/>
-        </p:nvSpPr>
-        <p:spPr>
-          <a:xfrm>
-            <a:off x="6946238" y="7694156"/>
-            <a:ext cx="3087757" cy="0"/>
-          </a:xfrm>
-          <a:prstGeom prst="line">
-            <a:avLst/>
-          </a:prstGeom>
-          <a:ln w="6350">
-            <a:solidFill>
-              <a:srgbClr val="767C85"/>
-            </a:solidFill>
-            <a:miter lim="400000"/>
-          </a:ln>
-        </p:spPr>
-        <p:txBody>
-          <a:bodyPr lIns="45718" tIns="45718" rIns="45718" bIns="45718"/>
-          <a:lstStyle/>
-          <a:p>
-            <a:endParaRPr lang="fr-FR" dirty="0"/>
-          </a:p>
-        </p:txBody>
-      </p:sp>
-      <p:sp>
-        <p:nvSpPr>
           <p:cNvPr id="56" name="Line">
             <a:extLst>
               <a:ext uri="{FF2B5EF4-FFF2-40B4-BE49-F238E27FC236}">
@@ -8597,8 +12745,8 @@
         </p:nvSpPr>
         <p:spPr>
           <a:xfrm>
-            <a:off x="10519690" y="1104968"/>
-            <a:ext cx="3149601" cy="2"/>
+            <a:off x="8790602" y="1112215"/>
+            <a:ext cx="4779880" cy="3837"/>
           </a:xfrm>
           <a:prstGeom prst="line">
             <a:avLst/>
@@ -8620,10 +12768,10 @@
       </p:sp>
       <p:sp>
         <p:nvSpPr>
-          <p:cNvPr id="57" name="Source Editor">
+          <p:cNvPr id="15" name="Source Editor">
             <a:extLst>
               <a:ext uri="{FF2B5EF4-FFF2-40B4-BE49-F238E27FC236}">
-                <a16:creationId xmlns:a16="http://schemas.microsoft.com/office/drawing/2014/main" id="{BF099895-AB30-2CEB-2F28-C6B2AA5B1DAE}"/>
+                <a16:creationId xmlns:a16="http://schemas.microsoft.com/office/drawing/2014/main" id="{80517E16-8BEF-D71B-7371-DA1AB1D779B4}"/>
               </a:ext>
             </a:extLst>
           </p:cNvPr>
@@ -8632,8 +12780,8 @@
         </p:nvSpPr>
         <p:spPr>
           <a:xfrm>
-            <a:off x="10577284" y="1236776"/>
-            <a:ext cx="2851743" cy="743922"/>
+            <a:off x="358224" y="1306923"/>
+            <a:ext cx="2720296" cy="252185"/>
           </a:xfrm>
           <a:prstGeom prst="rect">
             <a:avLst/>
@@ -8643,7 +12791,7 @@
           </a:ln>
           <a:extLst>
             <a:ext uri="{C572A759-6A51-4108-AA02-DFA0A04FC94B}">
-              <ma14:wrappingTextBoxFlag xmlns="" xmlns:m="http://schemas.openxmlformats.org/officeDocument/2006/math" xmlns:a14="http://schemas.microsoft.com/office/drawing/2010/main" xmlns:ma14="http://schemas.microsoft.com/office/mac/drawingml/2011/main" val="1"/>
+              <ma14:wrappingTextBoxFlag xmlns:ma14="http://schemas.microsoft.com/office/mac/drawingml/2011/main" xmlns:a14="http://schemas.microsoft.com/office/drawing/2010/main" xmlns:m="http://schemas.openxmlformats.org/officeDocument/2006/math" xmlns="" val="1"/>
             </a:ext>
           </a:extLst>
         </p:spPr>
@@ -8667,53 +12815,24 @@
               </a:defRPr>
             </a:pPr>
             <a:r>
-              <a:rPr lang="fr-FR" sz="2000" dirty="0"/>
-              <a:t>Challenges and limitations</a:t>
-            </a:r>
-          </a:p>
-          <a:p>
-            <a:pPr lvl="1">
-              <a:lnSpc>
-                <a:spcPct val="80000"/>
-              </a:lnSpc>
-              <a:spcBef>
-                <a:spcPts val="0"/>
-              </a:spcBef>
-              <a:defRPr sz="2500">
-                <a:solidFill>
-                  <a:srgbClr val="628DB5"/>
-                </a:solidFill>
-              </a:defRPr>
-            </a:pPr>
-            <a:r>
-              <a:rPr lang="fr-FR" sz="2000" dirty="0"/>
-              <a:t> with LLMs</a:t>
-            </a:r>
-          </a:p>
-          <a:p>
-            <a:pPr lvl="1">
-              <a:lnSpc>
-                <a:spcPct val="80000"/>
-              </a:lnSpc>
-              <a:spcBef>
-                <a:spcPts val="0"/>
-              </a:spcBef>
-              <a:defRPr sz="2500">
-                <a:solidFill>
-                  <a:srgbClr val="628DB5"/>
-                </a:solidFill>
-              </a:defRPr>
-            </a:pPr>
+              <a:rPr lang="fr-FR" sz="2000" dirty="0">
+                <a:effectLst/>
+                <a:latin typeface="Calibri" panose="020F0502020204030204" pitchFamily="34" charset="0"/>
+                <a:ea typeface="Calibri" panose="020F0502020204030204" pitchFamily="34" charset="0"/>
+                <a:cs typeface="Times New Roman" panose="02020603050405020304" pitchFamily="18" charset="0"/>
+              </a:rPr>
+              <a:t>Transformer  Architecture</a:t>
+            </a:r>
             <a:endParaRPr sz="2000" dirty="0"/>
           </a:p>
         </p:txBody>
       </p:sp>
       <p:sp>
         <p:nvSpPr>
-          <p:cNvPr id="58" name="Line">
+          <p:cNvPr id="27" name="Line">
             <a:extLst>
               <a:ext uri="{FF2B5EF4-FFF2-40B4-BE49-F238E27FC236}">
-                <a16:creationId xmlns:a16="http://schemas.microsoft.com/office/drawing/2014/main" id="{446FBAE0-EC20-C64B-532A-83B98ADF8B25}"/>
+                <a16:creationId xmlns:a16="http://schemas.microsoft.com/office/drawing/2014/main" id="{3811F0B1-9419-303F-1801-1E1AC779B626}"/>
               </a:ext>
             </a:extLst>
           </p:cNvPr>
@@ -8722,8 +12841,8 @@
         </p:nvSpPr>
         <p:spPr>
           <a:xfrm>
-            <a:off x="10616794" y="7268568"/>
-            <a:ext cx="3087757" cy="0"/>
+            <a:off x="258535" y="1101892"/>
+            <a:ext cx="7767654" cy="54408"/>
           </a:xfrm>
           <a:prstGeom prst="line">
             <a:avLst/>
@@ -8739,273 +12858,17 @@
           <a:bodyPr lIns="45718" tIns="45718" rIns="45718" bIns="45718"/>
           <a:lstStyle/>
           <a:p>
-            <a:endParaRPr lang="fr-FR" dirty="0"/>
-          </a:p>
-        </p:txBody>
-      </p:sp>
-      <p:sp>
-        <p:nvSpPr>
-          <p:cNvPr id="59" name="ZoneTexte 58">
-            <a:extLst>
-              <a:ext uri="{FF2B5EF4-FFF2-40B4-BE49-F238E27FC236}">
-                <a16:creationId xmlns:a16="http://schemas.microsoft.com/office/drawing/2014/main" id="{0729C3ED-8197-9DD3-FDFC-3DBD5CF7DF09}"/>
-              </a:ext>
-            </a:extLst>
-          </p:cNvPr>
-          <p:cNvSpPr txBox="1"/>
-          <p:nvPr/>
-        </p:nvSpPr>
-        <p:spPr>
-          <a:xfrm>
-            <a:off x="11442168" y="1745875"/>
-            <a:ext cx="2285559" cy="3272691"/>
-          </a:xfrm>
-          <a:prstGeom prst="rect">
-            <a:avLst/>
-          </a:prstGeom>
-          <a:noFill/>
-          <a:ln w="12700" cap="flat">
-            <a:noFill/>
-            <a:miter lim="400000"/>
-          </a:ln>
-          <a:effectLst/>
-          <a:sp3d/>
-        </p:spPr>
-        <p:style>
-          <a:lnRef idx="0">
-            <a:scrgbClr r="0" g="0" b="0"/>
-          </a:lnRef>
-          <a:fillRef idx="0">
-            <a:scrgbClr r="0" g="0" b="0"/>
-          </a:fillRef>
-          <a:effectRef idx="0">
-            <a:scrgbClr r="0" g="0" b="0"/>
-          </a:effectRef>
-          <a:fontRef idx="none"/>
-        </p:style>
-        <p:txBody>
-          <a:bodyPr wrap="square">
-            <a:spAutoFit/>
-          </a:bodyPr>
-          <a:lstStyle/>
-          <a:p>
-            <a:pPr marL="171450" indent="-171450" algn="just">
-              <a:buFont typeface="Arial" panose="020B0604020202020204" pitchFamily="34" charset="0"/>
-              <a:buChar char="•"/>
-              <a:tabLst>
-                <a:tab pos="457200" algn="l"/>
-              </a:tabLst>
-            </a:pPr>
-            <a:r>
-              <a:rPr lang="en-IN" sz="1000" dirty="0">
-                <a:effectLst/>
-                <a:latin typeface="Calibri" panose="020F0502020204030204" pitchFamily="34" charset="0"/>
-                <a:ea typeface="Calibri" panose="020F0502020204030204" pitchFamily="34" charset="0"/>
-                <a:cs typeface="Times New Roman" panose="02020603050405020304" pitchFamily="18" charset="0"/>
-              </a:rPr>
-              <a:t>One of the main challenges with LLMs is the potential for biased or offensive language, as the models learn from the patterns found in the training data. </a:t>
-            </a:r>
-          </a:p>
-          <a:p>
-            <a:pPr marL="171450" indent="-171450" algn="just">
-              <a:buFont typeface="Arial" panose="020B0604020202020204" pitchFamily="34" charset="0"/>
-              <a:buChar char="•"/>
-              <a:tabLst>
-                <a:tab pos="457200" algn="l"/>
-              </a:tabLst>
-            </a:pPr>
-            <a:r>
-              <a:rPr lang="en-IN" sz="1000" dirty="0">
-                <a:latin typeface="Calibri" panose="020F0502020204030204" pitchFamily="34" charset="0"/>
-                <a:ea typeface="Calibri" panose="020F0502020204030204" pitchFamily="34" charset="0"/>
-                <a:cs typeface="Times New Roman" panose="02020603050405020304" pitchFamily="18" charset="0"/>
-              </a:rPr>
-              <a:t>U</a:t>
-            </a:r>
-            <a:r>
-              <a:rPr lang="en-IN" sz="1000" dirty="0">
-                <a:effectLst/>
-                <a:latin typeface="Calibri" panose="020F0502020204030204" pitchFamily="34" charset="0"/>
-                <a:ea typeface="Calibri" panose="020F0502020204030204" pitchFamily="34" charset="0"/>
-                <a:cs typeface="Times New Roman" panose="02020603050405020304" pitchFamily="18" charset="0"/>
-              </a:rPr>
-              <a:t>nethical considerations, such as gender and racial biases.</a:t>
-            </a:r>
-          </a:p>
-          <a:p>
-            <a:pPr marL="171450" indent="-171450" algn="just">
-              <a:buFont typeface="Arial" panose="020B0604020202020204" pitchFamily="34" charset="0"/>
-              <a:buChar char="•"/>
-              <a:tabLst>
-                <a:tab pos="457200" algn="l"/>
-              </a:tabLst>
-            </a:pPr>
-            <a:r>
-              <a:rPr lang="en-IN" sz="1000" dirty="0">
-                <a:latin typeface="Calibri" panose="020F0502020204030204" pitchFamily="34" charset="0"/>
-                <a:ea typeface="Calibri" panose="020F0502020204030204" pitchFamily="34" charset="0"/>
-                <a:cs typeface="Times New Roman" panose="02020603050405020304" pitchFamily="18" charset="0"/>
-              </a:rPr>
-              <a:t>A</a:t>
-            </a:r>
-            <a:r>
-              <a:rPr lang="en-IN" sz="1000" dirty="0">
-                <a:effectLst/>
-                <a:latin typeface="Calibri" panose="020F0502020204030204" pitchFamily="34" charset="0"/>
-                <a:ea typeface="Calibri" panose="020F0502020204030204" pitchFamily="34" charset="0"/>
-                <a:cs typeface="Times New Roman" panose="02020603050405020304" pitchFamily="18" charset="0"/>
-              </a:rPr>
-              <a:t>mount of computational resources needed to train and run LLMs, which can be expensive and energy-intensive. </a:t>
-            </a:r>
-          </a:p>
-          <a:p>
-            <a:pPr marL="171450" indent="-171450" algn="just">
-              <a:buFont typeface="Arial" panose="020B0604020202020204" pitchFamily="34" charset="0"/>
-              <a:buChar char="•"/>
-              <a:tabLst>
-                <a:tab pos="457200" algn="l"/>
-              </a:tabLst>
-            </a:pPr>
-            <a:r>
-              <a:rPr lang="en-IN" sz="1000" dirty="0">
-                <a:latin typeface="Calibri" panose="020F0502020204030204" pitchFamily="34" charset="0"/>
-                <a:ea typeface="Calibri" panose="020F0502020204030204" pitchFamily="34" charset="0"/>
-                <a:cs typeface="Times New Roman" panose="02020603050405020304" pitchFamily="18" charset="0"/>
-              </a:rPr>
-              <a:t>H</a:t>
-            </a:r>
-            <a:r>
-              <a:rPr lang="en-IN" sz="1000" dirty="0">
-                <a:effectLst/>
-                <a:latin typeface="Calibri" panose="020F0502020204030204" pitchFamily="34" charset="0"/>
-                <a:ea typeface="Calibri" panose="020F0502020204030204" pitchFamily="34" charset="0"/>
-                <a:cs typeface="Times New Roman" panose="02020603050405020304" pitchFamily="18" charset="0"/>
-              </a:rPr>
-              <a:t>andling out-of-vocabulary words</a:t>
-            </a:r>
-          </a:p>
-          <a:p>
-            <a:pPr marL="171450" indent="-171450" algn="just">
-              <a:buFont typeface="Arial" panose="020B0604020202020204" pitchFamily="34" charset="0"/>
-              <a:buChar char="•"/>
-              <a:tabLst>
-                <a:tab pos="457200" algn="l"/>
-              </a:tabLst>
-            </a:pPr>
-            <a:r>
-              <a:rPr lang="en-IN" sz="1000" dirty="0">
-                <a:latin typeface="Calibri" panose="020F0502020204030204" pitchFamily="34" charset="0"/>
-                <a:ea typeface="Calibri" panose="020F0502020204030204" pitchFamily="34" charset="0"/>
-                <a:cs typeface="Times New Roman" panose="02020603050405020304" pitchFamily="18" charset="0"/>
-              </a:rPr>
-              <a:t>I</a:t>
-            </a:r>
-            <a:r>
-              <a:rPr lang="en-IN" sz="1000" dirty="0">
-                <a:effectLst/>
-                <a:latin typeface="Calibri" panose="020F0502020204030204" pitchFamily="34" charset="0"/>
-                <a:ea typeface="Calibri" panose="020F0502020204030204" pitchFamily="34" charset="0"/>
-                <a:cs typeface="Times New Roman" panose="02020603050405020304" pitchFamily="18" charset="0"/>
-              </a:rPr>
-              <a:t>mproving interpretability. While large language models have shown impressive performance on a variety of NLP tasks, they may not perform as well on specific tasks, such as those that require a deeper understanding of the underlying context. </a:t>
-            </a:r>
-            <a:endParaRPr lang="fr-FR" sz="1000" dirty="0">
-              <a:effectLst/>
-              <a:latin typeface="Calibri" panose="020F0502020204030204" pitchFamily="34" charset="0"/>
-              <a:ea typeface="Calibri" panose="020F0502020204030204" pitchFamily="34" charset="0"/>
-              <a:cs typeface="Times New Roman" panose="02020603050405020304" pitchFamily="18" charset="0"/>
-            </a:endParaRPr>
+            <a:endParaRPr dirty="0"/>
           </a:p>
         </p:txBody>
       </p:sp>
       <p:pic>
         <p:nvPicPr>
-          <p:cNvPr id="60" name="Picture 14" descr="Challenge - Free education icons">
+          <p:cNvPr id="29" name="Picture 40" descr="Medium's New Logo (2020)— Unfinished Ellipses Logomark | by Medium  Formatting | Blogging Guide | Medium">
+            <a:hlinkClick r:id="rId9"/>
             <a:extLst>
               <a:ext uri="{FF2B5EF4-FFF2-40B4-BE49-F238E27FC236}">
-                <a16:creationId xmlns:a16="http://schemas.microsoft.com/office/drawing/2014/main" id="{13D898B2-63F6-30A0-227A-540342751FF8}"/>
-              </a:ext>
-            </a:extLst>
-          </p:cNvPr>
-          <p:cNvPicPr>
-            <a:picLocks noChangeAspect="1" noChangeArrowheads="1"/>
-          </p:cNvPicPr>
-          <p:nvPr/>
-        </p:nvPicPr>
-        <p:blipFill>
-          <a:blip r:embed="rId9">
-            <a:extLst>
-              <a:ext uri="{28A0092B-C50C-407E-A947-70E740481C1C}">
-                <a14:useLocalDpi xmlns:a14="http://schemas.microsoft.com/office/drawing/2010/main" val="0"/>
-              </a:ext>
-            </a:extLst>
-          </a:blip>
-          <a:srcRect/>
-          <a:stretch>
-            <a:fillRect/>
-          </a:stretch>
-        </p:blipFill>
-        <p:spPr bwMode="auto">
-          <a:xfrm>
-            <a:off x="10660330" y="1805137"/>
-            <a:ext cx="810862" cy="810862"/>
-          </a:xfrm>
-          <a:prstGeom prst="rect">
-            <a:avLst/>
-          </a:prstGeom>
-          <a:noFill/>
-          <a:extLst>
-            <a:ext uri="{909E8E84-426E-40DD-AFC4-6F175D3DCCD1}">
-              <a14:hiddenFill xmlns:a14="http://schemas.microsoft.com/office/drawing/2010/main">
-                <a:solidFill>
-                  <a:srgbClr val="FFFFFF"/>
-                </a:solidFill>
-              </a14:hiddenFill>
-            </a:ext>
-          </a:extLst>
-        </p:spPr>
-      </p:pic>
-      <p:sp>
-        <p:nvSpPr>
-          <p:cNvPr id="61" name="Line">
-            <a:extLst>
-              <a:ext uri="{FF2B5EF4-FFF2-40B4-BE49-F238E27FC236}">
-                <a16:creationId xmlns:a16="http://schemas.microsoft.com/office/drawing/2014/main" id="{02018303-E245-3848-EA22-196C74FCD58D}"/>
-              </a:ext>
-            </a:extLst>
-          </p:cNvPr>
-          <p:cNvSpPr/>
-          <p:nvPr/>
-        </p:nvSpPr>
-        <p:spPr>
-          <a:xfrm>
-            <a:off x="10616794" y="5077161"/>
-            <a:ext cx="3087757" cy="0"/>
-          </a:xfrm>
-          <a:prstGeom prst="line">
-            <a:avLst/>
-          </a:prstGeom>
-          <a:ln w="6350">
-            <a:solidFill>
-              <a:srgbClr val="767C85"/>
-            </a:solidFill>
-            <a:miter lim="400000"/>
-          </a:ln>
-        </p:spPr>
-        <p:txBody>
-          <a:bodyPr lIns="45718" tIns="45718" rIns="45718" bIns="45718"/>
-          <a:lstStyle/>
-          <a:p>
-            <a:endParaRPr dirty="0"/>
-          </a:p>
-        </p:txBody>
-      </p:sp>
-      <p:pic>
-        <p:nvPicPr>
-          <p:cNvPr id="62" name="Picture 16" descr="Ethics - Free miscellaneous icons">
-            <a:extLst>
-              <a:ext uri="{FF2B5EF4-FFF2-40B4-BE49-F238E27FC236}">
-                <a16:creationId xmlns:a16="http://schemas.microsoft.com/office/drawing/2014/main" id="{C548F9A6-8D68-AA14-9628-9B7CBFF085DB}"/>
+                <a16:creationId xmlns:a16="http://schemas.microsoft.com/office/drawing/2014/main" id="{09C6AB13-1E84-5776-7CB6-41B1AE2D299C}"/>
               </a:ext>
             </a:extLst>
           </p:cNvPr>
@@ -9029,8 +12892,8 @@
         </p:blipFill>
         <p:spPr bwMode="auto">
           <a:xfrm>
-            <a:off x="10954408" y="2686701"/>
-            <a:ext cx="312300" cy="312300"/>
+            <a:off x="9766773" y="10580147"/>
+            <a:ext cx="167226" cy="167226"/>
           </a:xfrm>
           <a:prstGeom prst="rect">
             <a:avLst/>
@@ -9049,10 +12912,10 @@
       </p:pic>
       <p:pic>
         <p:nvPicPr>
-          <p:cNvPr id="63" name="Picture 22" descr="Vocabulary Icon Stock Illustrations – 6,270 Vocabulary Icon Stock  Illustrations, Vectors &amp; Clipart - Dreamstime">
+          <p:cNvPr id="2050" name="Picture 2" descr="neural networks - Why does transformer has such a complex architecture? -  Cross Validated">
             <a:extLst>
               <a:ext uri="{FF2B5EF4-FFF2-40B4-BE49-F238E27FC236}">
-                <a16:creationId xmlns:a16="http://schemas.microsoft.com/office/drawing/2014/main" id="{A3AF04CB-8CC2-0F90-8FE1-470321CEA9C1}"/>
+                <a16:creationId xmlns:a16="http://schemas.microsoft.com/office/drawing/2014/main" id="{821CD3DC-7597-6A54-D1F2-26566973664A}"/>
               </a:ext>
             </a:extLst>
           </p:cNvPr>
@@ -9076,8 +12939,8 @@
         </p:blipFill>
         <p:spPr bwMode="auto">
           <a:xfrm>
-            <a:off x="10600061" y="3115271"/>
-            <a:ext cx="396008" cy="321655"/>
+            <a:off x="220299" y="1831482"/>
+            <a:ext cx="8148213" cy="4337072"/>
           </a:xfrm>
           <a:prstGeom prst="rect">
             <a:avLst/>
@@ -9096,10 +12959,10 @@
       </p:pic>
       <p:pic>
         <p:nvPicPr>
-          <p:cNvPr id="455" name="Picture 24" descr="Resource Allocation Icon - Download in Line Style">
+          <p:cNvPr id="2052" name="Picture 4" descr="BERT Explained: State of the art language model for NLP | by Rani Horev |  Towards Data Science">
             <a:extLst>
               <a:ext uri="{FF2B5EF4-FFF2-40B4-BE49-F238E27FC236}">
-                <a16:creationId xmlns:a16="http://schemas.microsoft.com/office/drawing/2014/main" id="{C30B8857-EC22-BA1A-2F75-961745D291CA}"/>
+                <a16:creationId xmlns:a16="http://schemas.microsoft.com/office/drawing/2014/main" id="{99917BFB-F7E9-5903-CAFB-527E7EEFD455}"/>
               </a:ext>
             </a:extLst>
           </p:cNvPr>
@@ -9123,8 +12986,8 @@
         </p:blipFill>
         <p:spPr bwMode="auto">
           <a:xfrm>
-            <a:off x="10970803" y="3486230"/>
-            <a:ext cx="351249" cy="351249"/>
+            <a:off x="1702239" y="6559594"/>
+            <a:ext cx="5179543" cy="3512156"/>
           </a:xfrm>
           <a:prstGeom prst="rect">
             <a:avLst/>
@@ -9141,12 +13004,108 @@
           </a:extLst>
         </p:spPr>
       </p:pic>
+      <p:sp>
+        <p:nvSpPr>
+          <p:cNvPr id="3" name="Source Editor">
+            <a:extLst>
+              <a:ext uri="{FF2B5EF4-FFF2-40B4-BE49-F238E27FC236}">
+                <a16:creationId xmlns:a16="http://schemas.microsoft.com/office/drawing/2014/main" id="{39E93BDA-1CA1-7DDC-C15F-0FF49903DDE4}"/>
+              </a:ext>
+            </a:extLst>
+          </p:cNvPr>
+          <p:cNvSpPr txBox="1"/>
+          <p:nvPr/>
+        </p:nvSpPr>
+        <p:spPr>
+          <a:xfrm>
+            <a:off x="300034" y="7832270"/>
+            <a:ext cx="1949252" cy="252185"/>
+          </a:xfrm>
+          <a:prstGeom prst="rect">
+            <a:avLst/>
+          </a:prstGeom>
+          <a:ln w="12700">
+            <a:miter lim="400000"/>
+          </a:ln>
+          <a:extLst>
+            <a:ext uri="{C572A759-6A51-4108-AA02-DFA0A04FC94B}">
+              <ma14:wrappingTextBoxFlag xmlns:ma14="http://schemas.microsoft.com/office/mac/drawingml/2011/main" xmlns:a14="http://schemas.microsoft.com/office/drawing/2010/main" xmlns:m="http://schemas.openxmlformats.org/officeDocument/2006/math" xmlns="" val="1"/>
+            </a:ext>
+          </a:extLst>
+        </p:spPr>
+        <p:txBody>
+          <a:bodyPr wrap="none" lIns="0" tIns="0" rIns="0" bIns="0" anchor="ctr">
+            <a:spAutoFit/>
+          </a:bodyPr>
+          <a:lstStyle/>
+          <a:p>
+            <a:pPr lvl="1">
+              <a:lnSpc>
+                <a:spcPct val="80000"/>
+              </a:lnSpc>
+              <a:spcBef>
+                <a:spcPts val="0"/>
+              </a:spcBef>
+              <a:defRPr sz="2500">
+                <a:solidFill>
+                  <a:srgbClr val="628DB5"/>
+                </a:solidFill>
+              </a:defRPr>
+            </a:pPr>
+            <a:r>
+              <a:rPr lang="fr-FR" sz="2000" dirty="0">
+                <a:effectLst/>
+                <a:latin typeface="Calibri" panose="020F0502020204030204" pitchFamily="34" charset="0"/>
+                <a:ea typeface="Calibri" panose="020F0502020204030204" pitchFamily="34" charset="0"/>
+                <a:cs typeface="Times New Roman" panose="02020603050405020304" pitchFamily="18" charset="0"/>
+              </a:rPr>
+              <a:t>BERT  Architecture</a:t>
+            </a:r>
+            <a:endParaRPr sz="2000" dirty="0"/>
+          </a:p>
+        </p:txBody>
+      </p:sp>
+      <p:sp>
+        <p:nvSpPr>
+          <p:cNvPr id="4" name="Line">
+            <a:extLst>
+              <a:ext uri="{FF2B5EF4-FFF2-40B4-BE49-F238E27FC236}">
+                <a16:creationId xmlns:a16="http://schemas.microsoft.com/office/drawing/2014/main" id="{5120E946-D8DA-05D8-78D2-A07108A8BEE0}"/>
+              </a:ext>
+            </a:extLst>
+          </p:cNvPr>
+          <p:cNvSpPr/>
+          <p:nvPr/>
+        </p:nvSpPr>
+        <p:spPr>
+          <a:xfrm>
+            <a:off x="275720" y="6321233"/>
+            <a:ext cx="7750469" cy="20483"/>
+          </a:xfrm>
+          <a:prstGeom prst="line">
+            <a:avLst/>
+          </a:prstGeom>
+          <a:ln w="6350">
+            <a:solidFill>
+              <a:srgbClr val="767C85"/>
+            </a:solidFill>
+            <a:miter lim="400000"/>
+          </a:ln>
+        </p:spPr>
+        <p:txBody>
+          <a:bodyPr lIns="45718" tIns="45718" rIns="45718" bIns="45718"/>
+          <a:lstStyle/>
+          <a:p>
+            <a:endParaRPr dirty="0"/>
+          </a:p>
+        </p:txBody>
+      </p:sp>
       <p:pic>
         <p:nvPicPr>
-          <p:cNvPr id="456" name="Picture 26" descr="Racism Icons - Free SVG &amp; PNG Racism Images - Noun Project">
+          <p:cNvPr id="5124" name="Picture 4">
             <a:extLst>
               <a:ext uri="{FF2B5EF4-FFF2-40B4-BE49-F238E27FC236}">
-                <a16:creationId xmlns:a16="http://schemas.microsoft.com/office/drawing/2014/main" id="{9C0662CA-DE8A-E40A-4BEB-F797C8E91481}"/>
+                <a16:creationId xmlns:a16="http://schemas.microsoft.com/office/drawing/2014/main" id="{A71B173C-AB24-AFA2-7673-8139FDE97A28}"/>
               </a:ext>
             </a:extLst>
           </p:cNvPr>
@@ -9170,8 +13129,8 @@
         </p:blipFill>
         <p:spPr bwMode="auto">
           <a:xfrm>
-            <a:off x="11278893" y="3080392"/>
-            <a:ext cx="348064" cy="348064"/>
+            <a:off x="8455132" y="3001107"/>
+            <a:ext cx="5272595" cy="6341937"/>
           </a:xfrm>
           <a:prstGeom prst="rect">
             <a:avLst/>
@@ -9190,10 +13149,10 @@
       </p:pic>
       <p:sp>
         <p:nvSpPr>
-          <p:cNvPr id="457" name="ZoneTexte 456">
+          <p:cNvPr id="2" name="Source Editor">
             <a:extLst>
               <a:ext uri="{FF2B5EF4-FFF2-40B4-BE49-F238E27FC236}">
-                <a16:creationId xmlns:a16="http://schemas.microsoft.com/office/drawing/2014/main" id="{5AC0B572-38BB-DC73-F4CF-4A898B848C05}"/>
+                <a16:creationId xmlns:a16="http://schemas.microsoft.com/office/drawing/2014/main" id="{A9F5B549-6635-8DA9-9296-29A524240D34}"/>
               </a:ext>
             </a:extLst>
           </p:cNvPr>
@@ -9202,130 +13161,8 @@
         </p:nvSpPr>
         <p:spPr>
           <a:xfrm>
-            <a:off x="11523696" y="5523332"/>
-            <a:ext cx="2103365" cy="1528624"/>
-          </a:xfrm>
-          <a:prstGeom prst="rect">
-            <a:avLst/>
-          </a:prstGeom>
-          <a:noFill/>
-          <a:ln w="12700" cap="flat">
-            <a:noFill/>
-            <a:miter lim="400000"/>
-          </a:ln>
-          <a:effectLst/>
-          <a:sp3d/>
-        </p:spPr>
-        <p:style>
-          <a:lnRef idx="0">
-            <a:scrgbClr r="0" g="0" b="0"/>
-          </a:lnRef>
-          <a:fillRef idx="0">
-            <a:scrgbClr r="0" g="0" b="0"/>
-          </a:fillRef>
-          <a:effectRef idx="0">
-            <a:scrgbClr r="0" g="0" b="0"/>
-          </a:effectRef>
-          <a:fontRef idx="none"/>
-        </p:style>
-        <p:txBody>
-          <a:bodyPr wrap="square">
-            <a:spAutoFit/>
-          </a:bodyPr>
-          <a:lstStyle/>
-          <a:p>
-            <a:pPr marL="171450" lvl="0" indent="-171450">
-              <a:buFont typeface="Arial" panose="020B0604020202020204" pitchFamily="34" charset="0"/>
-              <a:buChar char="•"/>
-              <a:tabLst>
-                <a:tab pos="457200" algn="l"/>
-              </a:tabLst>
-            </a:pPr>
-            <a:r>
-              <a:rPr lang="en-IN" sz="1000" dirty="0">
-                <a:effectLst/>
-                <a:latin typeface="Calibri" panose="020F0502020204030204" pitchFamily="34" charset="0"/>
-                <a:ea typeface="Calibri" panose="020F0502020204030204" pitchFamily="34" charset="0"/>
-                <a:cs typeface="Times New Roman" panose="02020603050405020304" pitchFamily="18" charset="0"/>
-              </a:rPr>
-              <a:t>LLMs are used in a wide range of applications, </a:t>
-            </a:r>
-            <a:r>
-              <a:rPr lang="en-IN" sz="1000" b="1" dirty="0">
-                <a:effectLst/>
-                <a:latin typeface="Calibri" panose="020F0502020204030204" pitchFamily="34" charset="0"/>
-                <a:ea typeface="Calibri" panose="020F0502020204030204" pitchFamily="34" charset="0"/>
-                <a:cs typeface="Times New Roman" panose="02020603050405020304" pitchFamily="18" charset="0"/>
-              </a:rPr>
-              <a:t>including language translation, chatbots, content creation, and text summarization</a:t>
-            </a:r>
-            <a:r>
-              <a:rPr lang="en-IN" sz="1000" dirty="0">
-                <a:effectLst/>
-                <a:latin typeface="Calibri" panose="020F0502020204030204" pitchFamily="34" charset="0"/>
-                <a:ea typeface="Calibri" panose="020F0502020204030204" pitchFamily="34" charset="0"/>
-                <a:cs typeface="Times New Roman" panose="02020603050405020304" pitchFamily="18" charset="0"/>
-              </a:rPr>
-              <a:t>. </a:t>
-            </a:r>
-          </a:p>
-          <a:p>
-            <a:pPr marL="171450" lvl="0" indent="-171450">
-              <a:buFont typeface="Arial" panose="020B0604020202020204" pitchFamily="34" charset="0"/>
-              <a:buChar char="•"/>
-              <a:tabLst>
-                <a:tab pos="457200" algn="l"/>
-              </a:tabLst>
-            </a:pPr>
-            <a:endParaRPr lang="en-IN" sz="1000" dirty="0">
-              <a:effectLst/>
-              <a:latin typeface="Calibri" panose="020F0502020204030204" pitchFamily="34" charset="0"/>
-              <a:ea typeface="Calibri" panose="020F0502020204030204" pitchFamily="34" charset="0"/>
-              <a:cs typeface="Times New Roman" panose="02020603050405020304" pitchFamily="18" charset="0"/>
-            </a:endParaRPr>
-          </a:p>
-          <a:p>
-            <a:pPr marL="171450" lvl="0" indent="-171450">
-              <a:buFont typeface="Arial" panose="020B0604020202020204" pitchFamily="34" charset="0"/>
-              <a:buChar char="•"/>
-              <a:tabLst>
-                <a:tab pos="457200" algn="l"/>
-              </a:tabLst>
-            </a:pPr>
-            <a:r>
-              <a:rPr lang="en-IN" sz="1000" dirty="0">
-                <a:effectLst/>
-                <a:latin typeface="Calibri" panose="020F0502020204030204" pitchFamily="34" charset="0"/>
-                <a:ea typeface="Calibri" panose="020F0502020204030204" pitchFamily="34" charset="0"/>
-                <a:cs typeface="Times New Roman" panose="02020603050405020304" pitchFamily="18" charset="0"/>
-              </a:rPr>
-              <a:t>They can also be used to improve search engines, voice assistants, and virtual assistants.</a:t>
-            </a:r>
-            <a:endParaRPr lang="fr-FR" sz="1000" dirty="0">
-              <a:effectLst/>
-              <a:latin typeface="Calibri" panose="020F0502020204030204" pitchFamily="34" charset="0"/>
-              <a:ea typeface="Calibri" panose="020F0502020204030204" pitchFamily="34" charset="0"/>
-              <a:cs typeface="Times New Roman" panose="02020603050405020304" pitchFamily="18" charset="0"/>
-            </a:endParaRPr>
-          </a:p>
-        </p:txBody>
-      </p:sp>
-      <p:sp>
-        <p:nvSpPr>
-          <p:cNvPr id="458" name="Source Editor">
-            <a:extLst>
-              <a:ext uri="{FF2B5EF4-FFF2-40B4-BE49-F238E27FC236}">
-                <a16:creationId xmlns:a16="http://schemas.microsoft.com/office/drawing/2014/main" id="{AB6C4815-8A23-8040-41C8-CC0DEA8FDB8A}"/>
-              </a:ext>
-            </a:extLst>
-          </p:cNvPr>
-          <p:cNvSpPr txBox="1"/>
-          <p:nvPr/>
-        </p:nvSpPr>
-        <p:spPr>
-          <a:xfrm>
-            <a:off x="10678907" y="5196280"/>
-            <a:ext cx="2149627" cy="252185"/>
+            <a:off x="10623851" y="1717194"/>
+            <a:ext cx="1840247" cy="252185"/>
           </a:xfrm>
           <a:prstGeom prst="rect">
             <a:avLst/>
@@ -9335,7 +13172,7 @@
           </a:ln>
           <a:extLst>
             <a:ext uri="{C572A759-6A51-4108-AA02-DFA0A04FC94B}">
-              <ma14:wrappingTextBoxFlag xmlns="" xmlns:m="http://schemas.openxmlformats.org/officeDocument/2006/math" xmlns:a14="http://schemas.microsoft.com/office/drawing/2010/main" xmlns:ma14="http://schemas.microsoft.com/office/mac/drawingml/2011/main" val="1"/>
+              <ma14:wrappingTextBoxFlag xmlns:ma14="http://schemas.microsoft.com/office/mac/drawingml/2011/main" xmlns:a14="http://schemas.microsoft.com/office/drawing/2010/main" xmlns:m="http://schemas.openxmlformats.org/officeDocument/2006/math" xmlns="" val="1"/>
             </a:ext>
           </a:extLst>
         </p:spPr>
@@ -9359,224 +13196,15 @@
               </a:defRPr>
             </a:pPr>
             <a:r>
-              <a:rPr lang="en-IN" sz="2000" dirty="0">
-                <a:latin typeface="Calibri" panose="020F0502020204030204" pitchFamily="34" charset="0"/>
-                <a:ea typeface="Calibri" panose="020F0502020204030204" pitchFamily="34" charset="0"/>
-                <a:cs typeface="Times New Roman" panose="02020603050405020304" pitchFamily="18" charset="0"/>
-              </a:rPr>
-              <a:t>A</a:t>
-            </a:r>
-            <a:r>
-              <a:rPr lang="en-IN" sz="2000" dirty="0">
+              <a:rPr lang="fr-FR" sz="2000" dirty="0">
                 <a:effectLst/>
                 <a:latin typeface="Calibri" panose="020F0502020204030204" pitchFamily="34" charset="0"/>
                 <a:ea typeface="Calibri" panose="020F0502020204030204" pitchFamily="34" charset="0"/>
                 <a:cs typeface="Times New Roman" panose="02020603050405020304" pitchFamily="18" charset="0"/>
               </a:rPr>
-              <a:t>pplications of LLMs</a:t>
+              <a:t>GPT  Architecture</a:t>
             </a:r>
             <a:endParaRPr sz="2000" dirty="0"/>
-          </a:p>
-        </p:txBody>
-      </p:sp>
-      <p:pic>
-        <p:nvPicPr>
-          <p:cNvPr id="459" name="Picture 28" descr="Online Application Icon - Free Transparent PNG Download - PNGkey">
-            <a:extLst>
-              <a:ext uri="{FF2B5EF4-FFF2-40B4-BE49-F238E27FC236}">
-                <a16:creationId xmlns:a16="http://schemas.microsoft.com/office/drawing/2014/main" id="{932C6AF8-32FE-5827-5E96-10118708F25B}"/>
-              </a:ext>
-            </a:extLst>
-          </p:cNvPr>
-          <p:cNvPicPr>
-            <a:picLocks noChangeAspect="1" noChangeArrowheads="1"/>
-          </p:cNvPicPr>
-          <p:nvPr/>
-        </p:nvPicPr>
-        <p:blipFill>
-          <a:blip r:embed="rId14">
-            <a:extLst>
-              <a:ext uri="{28A0092B-C50C-407E-A947-70E740481C1C}">
-                <a14:useLocalDpi xmlns:a14="http://schemas.microsoft.com/office/drawing/2010/main" val="0"/>
-              </a:ext>
-            </a:extLst>
-          </a:blip>
-          <a:srcRect/>
-          <a:stretch>
-            <a:fillRect/>
-          </a:stretch>
-        </p:blipFill>
-        <p:spPr bwMode="auto">
-          <a:xfrm>
-            <a:off x="10650936" y="5976990"/>
-            <a:ext cx="844089" cy="888256"/>
-          </a:xfrm>
-          <a:prstGeom prst="rect">
-            <a:avLst/>
-          </a:prstGeom>
-          <a:noFill/>
-          <a:extLst>
-            <a:ext uri="{909E8E84-426E-40DD-AFC4-6F175D3DCCD1}">
-              <a14:hiddenFill xmlns:a14="http://schemas.microsoft.com/office/drawing/2010/main">
-                <a:solidFill>
-                  <a:srgbClr val="FFFFFF"/>
-                </a:solidFill>
-              </a14:hiddenFill>
-            </a:ext>
-          </a:extLst>
-        </p:spPr>
-      </p:pic>
-      <p:sp>
-        <p:nvSpPr>
-          <p:cNvPr id="460" name="Source Editor">
-            <a:extLst>
-              <a:ext uri="{FF2B5EF4-FFF2-40B4-BE49-F238E27FC236}">
-                <a16:creationId xmlns:a16="http://schemas.microsoft.com/office/drawing/2014/main" id="{48D8D1D8-ADD4-B5FF-B5E0-B1E4686CE7C1}"/>
-              </a:ext>
-            </a:extLst>
-          </p:cNvPr>
-          <p:cNvSpPr txBox="1"/>
-          <p:nvPr/>
-        </p:nvSpPr>
-        <p:spPr>
-          <a:xfrm>
-            <a:off x="10623120" y="7399465"/>
-            <a:ext cx="1556516" cy="252185"/>
-          </a:xfrm>
-          <a:prstGeom prst="rect">
-            <a:avLst/>
-          </a:prstGeom>
-          <a:ln w="12700">
-            <a:miter lim="400000"/>
-          </a:ln>
-          <a:extLst>
-            <a:ext uri="{C572A759-6A51-4108-AA02-DFA0A04FC94B}">
-              <ma14:wrappingTextBoxFlag xmlns="" xmlns:m="http://schemas.openxmlformats.org/officeDocument/2006/math" xmlns:a14="http://schemas.microsoft.com/office/drawing/2010/main" xmlns:ma14="http://schemas.microsoft.com/office/mac/drawingml/2011/main" val="1"/>
-            </a:ext>
-          </a:extLst>
-        </p:spPr>
-        <p:txBody>
-          <a:bodyPr wrap="none" lIns="0" tIns="0" rIns="0" bIns="0" anchor="ctr">
-            <a:spAutoFit/>
-          </a:bodyPr>
-          <a:lstStyle/>
-          <a:p>
-            <a:pPr lvl="1">
-              <a:lnSpc>
-                <a:spcPct val="80000"/>
-              </a:lnSpc>
-              <a:spcBef>
-                <a:spcPts val="0"/>
-              </a:spcBef>
-              <a:defRPr sz="2500">
-                <a:solidFill>
-                  <a:srgbClr val="628DB5"/>
-                </a:solidFill>
-              </a:defRPr>
-            </a:pPr>
-            <a:r>
-              <a:rPr lang="en-IN" sz="2000" dirty="0">
-                <a:latin typeface="Calibri" panose="020F0502020204030204" pitchFamily="34" charset="0"/>
-                <a:ea typeface="Calibri" panose="020F0502020204030204" pitchFamily="34" charset="0"/>
-                <a:cs typeface="Times New Roman" panose="02020603050405020304" pitchFamily="18" charset="0"/>
-              </a:rPr>
-              <a:t>F</a:t>
-            </a:r>
-            <a:r>
-              <a:rPr lang="en-IN" sz="2000" dirty="0">
-                <a:effectLst/>
-                <a:latin typeface="Calibri" panose="020F0502020204030204" pitchFamily="34" charset="0"/>
-                <a:ea typeface="Calibri" panose="020F0502020204030204" pitchFamily="34" charset="0"/>
-                <a:cs typeface="Times New Roman" panose="02020603050405020304" pitchFamily="18" charset="0"/>
-              </a:rPr>
-              <a:t>uture of LLMs</a:t>
-            </a:r>
-            <a:endParaRPr sz="2000" dirty="0"/>
-          </a:p>
-        </p:txBody>
-      </p:sp>
-      <p:sp>
-        <p:nvSpPr>
-          <p:cNvPr id="461" name="ZoneTexte 460">
-            <a:extLst>
-              <a:ext uri="{FF2B5EF4-FFF2-40B4-BE49-F238E27FC236}">
-                <a16:creationId xmlns:a16="http://schemas.microsoft.com/office/drawing/2014/main" id="{62C51730-1AB8-309E-C01E-51127D6F200D}"/>
-              </a:ext>
-            </a:extLst>
-          </p:cNvPr>
-          <p:cNvSpPr txBox="1"/>
-          <p:nvPr/>
-        </p:nvSpPr>
-        <p:spPr>
-          <a:xfrm>
-            <a:off x="10614631" y="7758991"/>
-            <a:ext cx="3124472" cy="1595309"/>
-          </a:xfrm>
-          <a:prstGeom prst="rect">
-            <a:avLst/>
-          </a:prstGeom>
-          <a:noFill/>
-          <a:ln w="12700" cap="flat">
-            <a:noFill/>
-            <a:miter lim="400000"/>
-          </a:ln>
-          <a:effectLst/>
-          <a:sp3d/>
-        </p:spPr>
-        <p:style>
-          <a:lnRef idx="0">
-            <a:scrgbClr r="0" g="0" b="0"/>
-          </a:lnRef>
-          <a:fillRef idx="0">
-            <a:scrgbClr r="0" g="0" b="0"/>
-          </a:fillRef>
-          <a:effectRef idx="0">
-            <a:scrgbClr r="0" g="0" b="0"/>
-          </a:effectRef>
-          <a:fontRef idx="none"/>
-        </p:style>
-        <p:txBody>
-          <a:bodyPr wrap="square">
-            <a:spAutoFit/>
-          </a:bodyPr>
-          <a:lstStyle/>
-          <a:p>
-            <a:pPr lvl="0" algn="just">
-              <a:tabLst>
-                <a:tab pos="457200" algn="l"/>
-              </a:tabLst>
-            </a:pPr>
-            <a:r>
-              <a:rPr lang="en-IN" sz="1200" dirty="0">
-                <a:effectLst/>
-                <a:latin typeface="Calibri" panose="020F0502020204030204" pitchFamily="34" charset="0"/>
-                <a:ea typeface="Calibri" panose="020F0502020204030204" pitchFamily="34" charset="0"/>
-                <a:cs typeface="Times New Roman" panose="02020603050405020304" pitchFamily="18" charset="0"/>
-              </a:rPr>
-              <a:t>The future of LLMs is promising, with ongoing research focused on improving their accuracy, reducing bias, and making them more accessible and energy-efficient. </a:t>
-            </a:r>
-          </a:p>
-          <a:p>
-            <a:pPr lvl="0" algn="just">
-              <a:tabLst>
-                <a:tab pos="457200" algn="l"/>
-              </a:tabLst>
-            </a:pPr>
-            <a:r>
-              <a:rPr lang="en-IN" sz="1200" dirty="0">
-                <a:effectLst/>
-                <a:latin typeface="Calibri" panose="020F0502020204030204" pitchFamily="34" charset="0"/>
-                <a:ea typeface="Calibri" panose="020F0502020204030204" pitchFamily="34" charset="0"/>
-                <a:cs typeface="Times New Roman" panose="02020603050405020304" pitchFamily="18" charset="0"/>
-              </a:rPr>
-              <a:t>As the demand for AI-driven applications continues to grow, LLMs will play an increasingly important role in shaping the future of human-machine interaction.</a:t>
-            </a:r>
-            <a:endParaRPr lang="fr-FR" sz="1800" dirty="0">
-              <a:effectLst/>
-              <a:latin typeface="Calibri" panose="020F0502020204030204" pitchFamily="34" charset="0"/>
-              <a:ea typeface="Calibri" panose="020F0502020204030204" pitchFamily="34" charset="0"/>
-              <a:cs typeface="Times New Roman" panose="02020603050405020304" pitchFamily="18" charset="0"/>
-            </a:endParaRPr>
           </a:p>
         </p:txBody>
       </p:sp>
@@ -9593,9 +13221,9 @@
           <p:nvPr/>
         </p:nvSpPr>
         <p:spPr>
-          <a:xfrm>
-            <a:off x="10639970" y="9805985"/>
-            <a:ext cx="3087757" cy="0"/>
+          <a:xfrm flipH="1">
+            <a:off x="8455132" y="1287245"/>
+            <a:ext cx="55421" cy="8924031"/>
           </a:xfrm>
           <a:prstGeom prst="line">
             <a:avLst/>
@@ -9615,1355 +13243,10 @@
           </a:p>
         </p:txBody>
       </p:sp>
-      <p:sp>
-        <p:nvSpPr>
-          <p:cNvPr id="9" name="ZoneTexte 8">
-            <a:extLst>
-              <a:ext uri="{FF2B5EF4-FFF2-40B4-BE49-F238E27FC236}">
-                <a16:creationId xmlns:a16="http://schemas.microsoft.com/office/drawing/2014/main" id="{169407A1-1A24-C4BB-9715-F994BBB316A6}"/>
-              </a:ext>
-            </a:extLst>
-          </p:cNvPr>
-          <p:cNvSpPr txBox="1"/>
-          <p:nvPr/>
-        </p:nvSpPr>
-        <p:spPr>
-          <a:xfrm>
-            <a:off x="3618696" y="8315230"/>
-            <a:ext cx="3127720" cy="1272143"/>
-          </a:xfrm>
-          <a:prstGeom prst="rect">
-            <a:avLst/>
-          </a:prstGeom>
-          <a:noFill/>
-          <a:ln w="12700" cap="flat">
-            <a:noFill/>
-            <a:miter lim="400000"/>
-          </a:ln>
-          <a:effectLst/>
-          <a:sp3d/>
-        </p:spPr>
-        <p:style>
-          <a:lnRef idx="0">
-            <a:scrgbClr r="0" g="0" b="0"/>
-          </a:lnRef>
-          <a:fillRef idx="0">
-            <a:scrgbClr r="0" g="0" b="0"/>
-          </a:fillRef>
-          <a:effectRef idx="0">
-            <a:scrgbClr r="0" g="0" b="0"/>
-          </a:effectRef>
-          <a:fontRef idx="none"/>
-        </p:style>
-        <p:txBody>
-          <a:bodyPr wrap="square">
-            <a:spAutoFit/>
-          </a:bodyPr>
-          <a:lstStyle/>
-          <a:p>
-            <a:pPr algn="just"/>
-            <a:r>
-              <a:rPr lang="fr-FR" sz="1000" dirty="0">
-                <a:solidFill>
-                  <a:srgbClr val="0070C0"/>
-                </a:solidFill>
-                <a:latin typeface="Calibri" panose="020F0502020204030204" pitchFamily="34" charset="0"/>
-                <a:cs typeface="Calibri" panose="020F0502020204030204" pitchFamily="34" charset="0"/>
-              </a:rPr>
-              <a:t>Question Answering</a:t>
-            </a:r>
-            <a:r>
-              <a:rPr lang="fr-FR" sz="1000" dirty="0">
-                <a:latin typeface="Calibri" panose="020F0502020204030204" pitchFamily="34" charset="0"/>
-                <a:cs typeface="Calibri" panose="020F0502020204030204" pitchFamily="34" charset="0"/>
-              </a:rPr>
-              <a:t>: ChatGPT can answer factual questions based on the information it has been trained on. Example:</a:t>
-            </a:r>
-          </a:p>
-          <a:p>
-            <a:pPr algn="just"/>
-            <a:endParaRPr lang="fr-FR" sz="1000" dirty="0">
-              <a:latin typeface="Calibri" panose="020F0502020204030204" pitchFamily="34" charset="0"/>
-              <a:cs typeface="Calibri" panose="020F0502020204030204" pitchFamily="34" charset="0"/>
-            </a:endParaRPr>
-          </a:p>
-          <a:p>
-            <a:pPr algn="just"/>
-            <a:r>
-              <a:rPr lang="fr-FR" sz="1000" dirty="0">
-                <a:solidFill>
-                  <a:schemeClr val="accent6"/>
-                </a:solidFill>
-                <a:latin typeface="Calibri" panose="020F0502020204030204" pitchFamily="34" charset="0"/>
-                <a:cs typeface="Calibri" panose="020F0502020204030204" pitchFamily="34" charset="0"/>
-              </a:rPr>
-              <a:t>Human : </a:t>
-            </a:r>
-            <a:r>
-              <a:rPr lang="fr-FR" sz="1000" dirty="0">
-                <a:solidFill>
-                  <a:schemeClr val="accent4"/>
-                </a:solidFill>
-                <a:latin typeface="Calibri" panose="020F0502020204030204" pitchFamily="34" charset="0"/>
-                <a:cs typeface="Calibri" panose="020F0502020204030204" pitchFamily="34" charset="0"/>
-              </a:rPr>
-              <a:t>What is the capital of France?   </a:t>
-            </a:r>
-          </a:p>
-          <a:p>
-            <a:pPr algn="just"/>
-            <a:r>
-              <a:rPr lang="fr-FR" sz="1000" dirty="0">
-                <a:solidFill>
-                  <a:schemeClr val="accent6"/>
-                </a:solidFill>
-                <a:latin typeface="Calibri" panose="020F0502020204030204" pitchFamily="34" charset="0"/>
-                <a:cs typeface="Calibri" panose="020F0502020204030204" pitchFamily="34" charset="0"/>
-              </a:rPr>
-              <a:t>ChatGPT: </a:t>
-            </a:r>
-            <a:r>
-              <a:rPr lang="fr-FR" sz="1000" dirty="0">
-                <a:solidFill>
-                  <a:srgbClr val="00B050"/>
-                </a:solidFill>
-                <a:latin typeface="Calibri" panose="020F0502020204030204" pitchFamily="34" charset="0"/>
-                <a:cs typeface="Calibri" panose="020F0502020204030204" pitchFamily="34" charset="0"/>
-              </a:rPr>
-              <a:t>The capital of France is Paris.</a:t>
-            </a:r>
-          </a:p>
-          <a:p>
-            <a:pPr algn="just"/>
-            <a:endParaRPr lang="fr-FR" sz="1000" dirty="0">
-              <a:solidFill>
-                <a:srgbClr val="00B050"/>
-              </a:solidFill>
-              <a:latin typeface="Calibri" panose="020F0502020204030204" pitchFamily="34" charset="0"/>
-              <a:cs typeface="Calibri" panose="020F0502020204030204" pitchFamily="34" charset="0"/>
-            </a:endParaRPr>
-          </a:p>
-        </p:txBody>
-      </p:sp>
-      <p:sp>
-        <p:nvSpPr>
-          <p:cNvPr id="12" name="Source Editor">
-            <a:extLst>
-              <a:ext uri="{FF2B5EF4-FFF2-40B4-BE49-F238E27FC236}">
-                <a16:creationId xmlns:a16="http://schemas.microsoft.com/office/drawing/2014/main" id="{2EF3FA6B-0814-FBD7-7161-2F6D74F13363}"/>
-              </a:ext>
-            </a:extLst>
-          </p:cNvPr>
-          <p:cNvSpPr txBox="1"/>
-          <p:nvPr/>
-        </p:nvSpPr>
-        <p:spPr>
-          <a:xfrm>
-            <a:off x="6963894" y="7842257"/>
-            <a:ext cx="3334521" cy="250068"/>
-          </a:xfrm>
-          <a:prstGeom prst="rect">
-            <a:avLst/>
-          </a:prstGeom>
-          <a:ln w="12700">
-            <a:miter lim="400000"/>
-          </a:ln>
-          <a:extLst>
-            <a:ext uri="{C572A759-6A51-4108-AA02-DFA0A04FC94B}">
-              <ma14:wrappingTextBoxFlag xmlns:ma14="http://schemas.microsoft.com/office/mac/drawingml/2011/main" xmlns:a14="http://schemas.microsoft.com/office/drawing/2010/main" xmlns:m="http://schemas.openxmlformats.org/officeDocument/2006/math" xmlns="" val="1"/>
-            </a:ext>
-          </a:extLst>
-        </p:spPr>
-        <p:txBody>
-          <a:bodyPr wrap="square" lIns="0" tIns="0" rIns="0" bIns="0" anchor="ctr">
-            <a:spAutoFit/>
-          </a:bodyPr>
-          <a:lstStyle/>
-          <a:p>
-            <a:pPr lvl="1">
-              <a:lnSpc>
-                <a:spcPct val="80000"/>
-              </a:lnSpc>
-              <a:spcBef>
-                <a:spcPts val="0"/>
-              </a:spcBef>
-              <a:defRPr sz="2500">
-                <a:solidFill>
-                  <a:srgbClr val="628DB5"/>
-                </a:solidFill>
-              </a:defRPr>
-            </a:pPr>
-            <a:r>
-              <a:rPr lang="en-US" sz="2000" dirty="0">
-                <a:effectLst/>
-                <a:latin typeface="Times New Roman" panose="02020603050405020304" pitchFamily="18" charset="0"/>
-                <a:ea typeface="Times New Roman" panose="02020603050405020304" pitchFamily="18" charset="0"/>
-              </a:rPr>
-              <a:t>Tools&amp;Libraries support LLMs</a:t>
-            </a:r>
-            <a:endParaRPr sz="2000" dirty="0"/>
-          </a:p>
-        </p:txBody>
-      </p:sp>
-      <p:sp>
-        <p:nvSpPr>
-          <p:cNvPr id="13" name="ZoneTexte 12">
-            <a:extLst>
-              <a:ext uri="{FF2B5EF4-FFF2-40B4-BE49-F238E27FC236}">
-                <a16:creationId xmlns:a16="http://schemas.microsoft.com/office/drawing/2014/main" id="{5760EE29-F038-1F40-1A63-B589972FC1B8}"/>
-              </a:ext>
-            </a:extLst>
-          </p:cNvPr>
-          <p:cNvSpPr txBox="1"/>
-          <p:nvPr/>
-        </p:nvSpPr>
-        <p:spPr>
-          <a:xfrm>
-            <a:off x="6859836" y="8266126"/>
-            <a:ext cx="3542636" cy="1805623"/>
-          </a:xfrm>
-          <a:prstGeom prst="rect">
-            <a:avLst/>
-          </a:prstGeom>
-          <a:noFill/>
-          <a:ln w="12700" cap="flat">
-            <a:noFill/>
-            <a:miter lim="400000"/>
-          </a:ln>
-          <a:effectLst/>
-          <a:sp3d/>
-        </p:spPr>
-        <p:style>
-          <a:lnRef idx="0">
-            <a:scrgbClr r="0" g="0" b="0"/>
-          </a:lnRef>
-          <a:fillRef idx="0">
-            <a:scrgbClr r="0" g="0" b="0"/>
-          </a:fillRef>
-          <a:effectRef idx="0">
-            <a:scrgbClr r="0" g="0" b="0"/>
-          </a:effectRef>
-          <a:fontRef idx="none"/>
-        </p:style>
-        <p:txBody>
-          <a:bodyPr wrap="square">
-            <a:spAutoFit/>
-          </a:bodyPr>
-          <a:lstStyle/>
-          <a:p>
-            <a:pPr marL="228600" lvl="0" indent="-228600">
-              <a:buAutoNum type="alphaLcPeriod"/>
-              <a:tabLst>
-                <a:tab pos="457200" algn="l"/>
-              </a:tabLst>
-            </a:pPr>
-            <a:r>
-              <a:rPr lang="en-US" sz="1200" dirty="0">
-                <a:effectLst/>
-                <a:latin typeface="Calibri" panose="020F0502020204030204" pitchFamily="34" charset="0"/>
-                <a:ea typeface="Times New Roman" panose="02020603050405020304" pitchFamily="18" charset="0"/>
-                <a:cs typeface="Calibri" panose="020F0502020204030204" pitchFamily="34" charset="0"/>
-              </a:rPr>
-              <a:t>Popular NLP libraries, such as TensorFlow, PyTorch, and spaCy, provide tools for working with large language models. These libraries allow for easy fine-tuning and deployment of models. </a:t>
-            </a:r>
-          </a:p>
-          <a:p>
-            <a:pPr marL="228600" lvl="0" indent="-228600">
-              <a:buAutoNum type="alphaLcPeriod"/>
-              <a:tabLst>
-                <a:tab pos="457200" algn="l"/>
-              </a:tabLst>
-            </a:pPr>
-            <a:endParaRPr lang="en-US" dirty="0">
-              <a:latin typeface="Calibri" panose="020F0502020204030204" pitchFamily="34" charset="0"/>
-              <a:ea typeface="Times New Roman" panose="02020603050405020304" pitchFamily="18" charset="0"/>
-              <a:cs typeface="Calibri" panose="020F0502020204030204" pitchFamily="34" charset="0"/>
-            </a:endParaRPr>
-          </a:p>
-          <a:p>
-            <a:pPr marL="228600" lvl="0" indent="-228600">
-              <a:buAutoNum type="alphaLcPeriod"/>
-              <a:tabLst>
-                <a:tab pos="457200" algn="l"/>
-              </a:tabLst>
-            </a:pPr>
-            <a:r>
-              <a:rPr lang="en-US" sz="1200" dirty="0">
-                <a:effectLst/>
-                <a:latin typeface="Calibri" panose="020F0502020204030204" pitchFamily="34" charset="0"/>
-                <a:ea typeface="Times New Roman" panose="02020603050405020304" pitchFamily="18" charset="0"/>
-                <a:cs typeface="Calibri" panose="020F0502020204030204" pitchFamily="34" charset="0"/>
-              </a:rPr>
-              <a:t>Some large language models, such as GPT-3, provide APIs for access to their models. This can simplify the process of integrating a large language model into a real-world application.</a:t>
-            </a:r>
-            <a:endParaRPr lang="en-US" dirty="0">
-              <a:latin typeface="Calibri" panose="020F0502020204030204" pitchFamily="34" charset="0"/>
-              <a:ea typeface="Times New Roman" panose="02020603050405020304" pitchFamily="18" charset="0"/>
-              <a:cs typeface="Calibri" panose="020F0502020204030204" pitchFamily="34" charset="0"/>
-            </a:endParaRPr>
-          </a:p>
-        </p:txBody>
-      </p:sp>
-      <p:sp>
-        <p:nvSpPr>
-          <p:cNvPr id="15" name="Source Editor">
-            <a:extLst>
-              <a:ext uri="{FF2B5EF4-FFF2-40B4-BE49-F238E27FC236}">
-                <a16:creationId xmlns:a16="http://schemas.microsoft.com/office/drawing/2014/main" id="{80517E16-8BEF-D71B-7371-DA1AB1D779B4}"/>
-              </a:ext>
-            </a:extLst>
-          </p:cNvPr>
-          <p:cNvSpPr txBox="1"/>
-          <p:nvPr/>
-        </p:nvSpPr>
-        <p:spPr>
-          <a:xfrm>
-            <a:off x="273492" y="1326903"/>
-            <a:ext cx="2167260" cy="227113"/>
-          </a:xfrm>
-          <a:prstGeom prst="rect">
-            <a:avLst/>
-          </a:prstGeom>
-          <a:ln w="12700">
-            <a:miter lim="400000"/>
-          </a:ln>
-          <a:extLst>
-            <a:ext uri="{C572A759-6A51-4108-AA02-DFA0A04FC94B}">
-              <ma14:wrappingTextBoxFlag xmlns:ma14="http://schemas.microsoft.com/office/mac/drawingml/2011/main" xmlns:a14="http://schemas.microsoft.com/office/drawing/2010/main" xmlns:m="http://schemas.openxmlformats.org/officeDocument/2006/math" xmlns="" val="1"/>
-            </a:ext>
-          </a:extLst>
-        </p:spPr>
-        <p:txBody>
-          <a:bodyPr wrap="none" lIns="0" tIns="0" rIns="0" bIns="0" anchor="ctr">
-            <a:spAutoFit/>
-          </a:bodyPr>
-          <a:lstStyle/>
-          <a:p>
-            <a:pPr lvl="1">
-              <a:lnSpc>
-                <a:spcPct val="80000"/>
-              </a:lnSpc>
-              <a:spcBef>
-                <a:spcPts val="0"/>
-              </a:spcBef>
-              <a:defRPr sz="2500">
-                <a:solidFill>
-                  <a:srgbClr val="628DB5"/>
-                </a:solidFill>
-              </a:defRPr>
-            </a:pPr>
-            <a:r>
-              <a:rPr lang="en-US" sz="1800" dirty="0">
-                <a:effectLst/>
-                <a:latin typeface="Calibri" panose="020F0502020204030204" pitchFamily="34" charset="0"/>
-                <a:ea typeface="Calibri" panose="020F0502020204030204" pitchFamily="34" charset="0"/>
-                <a:cs typeface="Times New Roman" panose="02020603050405020304" pitchFamily="18" charset="0"/>
-              </a:rPr>
-              <a:t>Attention Mechanisms</a:t>
-            </a:r>
-            <a:r>
-              <a:rPr lang="fr-FR" sz="1400" dirty="0">
-                <a:effectLst/>
-              </a:rPr>
-              <a:t> </a:t>
-            </a:r>
-            <a:endParaRPr sz="2000" dirty="0"/>
-          </a:p>
-        </p:txBody>
-      </p:sp>
-      <p:sp>
-        <p:nvSpPr>
-          <p:cNvPr id="16" name="Source Editor">
-            <a:extLst>
-              <a:ext uri="{FF2B5EF4-FFF2-40B4-BE49-F238E27FC236}">
-                <a16:creationId xmlns:a16="http://schemas.microsoft.com/office/drawing/2014/main" id="{9B72EFC2-DCEA-6AAE-7817-A9D7DAB1F215}"/>
-              </a:ext>
-            </a:extLst>
-          </p:cNvPr>
-          <p:cNvSpPr txBox="1"/>
-          <p:nvPr/>
-        </p:nvSpPr>
-        <p:spPr>
-          <a:xfrm>
-            <a:off x="3704600" y="1289524"/>
-            <a:ext cx="1538883" cy="227113"/>
-          </a:xfrm>
-          <a:prstGeom prst="rect">
-            <a:avLst/>
-          </a:prstGeom>
-          <a:ln w="12700">
-            <a:miter lim="400000"/>
-          </a:ln>
-          <a:extLst>
-            <a:ext uri="{C572A759-6A51-4108-AA02-DFA0A04FC94B}">
-              <ma14:wrappingTextBoxFlag xmlns:ma14="http://schemas.microsoft.com/office/mac/drawingml/2011/main" xmlns:a14="http://schemas.microsoft.com/office/drawing/2010/main" xmlns:m="http://schemas.openxmlformats.org/officeDocument/2006/math" xmlns="" val="1"/>
-            </a:ext>
-          </a:extLst>
-        </p:spPr>
-        <p:txBody>
-          <a:bodyPr wrap="none" lIns="0" tIns="0" rIns="0" bIns="0" anchor="ctr">
-            <a:spAutoFit/>
-          </a:bodyPr>
-          <a:lstStyle/>
-          <a:p>
-            <a:pPr lvl="1">
-              <a:lnSpc>
-                <a:spcPct val="80000"/>
-              </a:lnSpc>
-              <a:spcBef>
-                <a:spcPts val="0"/>
-              </a:spcBef>
-              <a:defRPr sz="2500">
-                <a:solidFill>
-                  <a:srgbClr val="628DB5"/>
-                </a:solidFill>
-              </a:defRPr>
-            </a:pPr>
-            <a:r>
-              <a:rPr lang="en-US" sz="1800" dirty="0">
-                <a:effectLst/>
-                <a:latin typeface="Calibri" panose="020F0502020204030204" pitchFamily="34" charset="0"/>
-                <a:ea typeface="Calibri" panose="020F0502020204030204" pitchFamily="34" charset="0"/>
-                <a:cs typeface="Times New Roman" panose="02020603050405020304" pitchFamily="18" charset="0"/>
-              </a:rPr>
-              <a:t>Evaluating LLMs</a:t>
-            </a:r>
-            <a:r>
-              <a:rPr lang="fr-FR" sz="1200" dirty="0">
-                <a:effectLst/>
-              </a:rPr>
-              <a:t> </a:t>
-            </a:r>
-            <a:endParaRPr sz="2000" dirty="0"/>
-          </a:p>
-        </p:txBody>
-      </p:sp>
-      <p:sp>
-        <p:nvSpPr>
-          <p:cNvPr id="17" name="Line">
-            <a:extLst>
-              <a:ext uri="{FF2B5EF4-FFF2-40B4-BE49-F238E27FC236}">
-                <a16:creationId xmlns:a16="http://schemas.microsoft.com/office/drawing/2014/main" id="{5C144FFE-49AB-AF6A-6B45-73385AAB66E5}"/>
-              </a:ext>
-            </a:extLst>
-          </p:cNvPr>
-          <p:cNvSpPr/>
-          <p:nvPr/>
-        </p:nvSpPr>
-        <p:spPr>
-          <a:xfrm>
-            <a:off x="3686975" y="5760278"/>
-            <a:ext cx="3087757" cy="0"/>
-          </a:xfrm>
-          <a:prstGeom prst="line">
-            <a:avLst/>
-          </a:prstGeom>
-          <a:ln w="6350">
-            <a:solidFill>
-              <a:srgbClr val="767C85"/>
-            </a:solidFill>
-            <a:miter lim="400000"/>
-          </a:ln>
-        </p:spPr>
-        <p:txBody>
-          <a:bodyPr lIns="45718" tIns="45718" rIns="45718" bIns="45718"/>
-          <a:lstStyle/>
-          <a:p>
-            <a:endParaRPr dirty="0"/>
-          </a:p>
-        </p:txBody>
-      </p:sp>
-      <p:sp>
-        <p:nvSpPr>
-          <p:cNvPr id="18" name="ZoneTexte 17">
-            <a:extLst>
-              <a:ext uri="{FF2B5EF4-FFF2-40B4-BE49-F238E27FC236}">
-                <a16:creationId xmlns:a16="http://schemas.microsoft.com/office/drawing/2014/main" id="{1A8A89A2-B633-C2CC-595E-CF9B0FD25B8A}"/>
-              </a:ext>
-            </a:extLst>
-          </p:cNvPr>
-          <p:cNvSpPr txBox="1"/>
-          <p:nvPr/>
-        </p:nvSpPr>
-        <p:spPr>
-          <a:xfrm>
-            <a:off x="3584694" y="1657212"/>
-            <a:ext cx="3167462" cy="3968241"/>
-          </a:xfrm>
-          <a:prstGeom prst="rect">
-            <a:avLst/>
-          </a:prstGeom>
-          <a:noFill/>
-          <a:ln w="12700" cap="flat">
-            <a:noFill/>
-            <a:miter lim="400000"/>
-          </a:ln>
-          <a:effectLst/>
-          <a:sp3d/>
-        </p:spPr>
-        <p:style>
-          <a:lnRef idx="0">
-            <a:scrgbClr r="0" g="0" b="0"/>
-          </a:lnRef>
-          <a:fillRef idx="0">
-            <a:scrgbClr r="0" g="0" b="0"/>
-          </a:fillRef>
-          <a:effectRef idx="0">
-            <a:scrgbClr r="0" g="0" b="0"/>
-          </a:effectRef>
-          <a:fontRef idx="none"/>
-        </p:style>
-        <p:txBody>
-          <a:bodyPr wrap="square">
-            <a:spAutoFit/>
-          </a:bodyPr>
-          <a:lstStyle/>
-          <a:p>
-            <a:pPr>
-              <a:buFont typeface="Arial" panose="020B0604020202020204" pitchFamily="34" charset="0"/>
-              <a:buChar char="•"/>
-            </a:pPr>
-            <a:r>
-              <a:rPr lang="fr-FR" sz="1000" b="1" dirty="0">
-                <a:latin typeface="Calibri" panose="020F0502020204030204" pitchFamily="34" charset="0"/>
-                <a:cs typeface="Calibri" panose="020F0502020204030204" pitchFamily="34" charset="0"/>
-              </a:rPr>
-              <a:t>Accuracy</a:t>
-            </a:r>
-            <a:r>
-              <a:rPr lang="fr-FR" sz="1000" dirty="0">
-                <a:latin typeface="Calibri" panose="020F0502020204030204" pitchFamily="34" charset="0"/>
-                <a:cs typeface="Calibri" panose="020F0502020204030204" pitchFamily="34" charset="0"/>
-              </a:rPr>
-              <a:t> measures the proportion of correctly classified instances out of all instances. This metric is commonly used for text classification tasks such as sentiment analysis, where the goal is to correctly classify a text as positive, negative, or neutral.</a:t>
-            </a:r>
-          </a:p>
-          <a:p>
-            <a:pPr>
-              <a:buFont typeface="Arial" panose="020B0604020202020204" pitchFamily="34" charset="0"/>
-              <a:buChar char="•"/>
-            </a:pPr>
-            <a:endParaRPr lang="fr-FR" sz="1000" dirty="0">
-              <a:latin typeface="Calibri" panose="020F0502020204030204" pitchFamily="34" charset="0"/>
-              <a:cs typeface="Calibri" panose="020F0502020204030204" pitchFamily="34" charset="0"/>
-            </a:endParaRPr>
-          </a:p>
-          <a:p>
-            <a:pPr>
-              <a:buFont typeface="Arial" panose="020B0604020202020204" pitchFamily="34" charset="0"/>
-              <a:buChar char="•"/>
-            </a:pPr>
-            <a:r>
-              <a:rPr lang="fr-FR" sz="1000" b="1" dirty="0">
-                <a:latin typeface="Calibri" panose="020F0502020204030204" pitchFamily="34" charset="0"/>
-                <a:cs typeface="Calibri" panose="020F0502020204030204" pitchFamily="34" charset="0"/>
-              </a:rPr>
-              <a:t>F1-score</a:t>
-            </a:r>
-            <a:r>
-              <a:rPr lang="fr-FR" sz="1000" dirty="0">
-                <a:latin typeface="Calibri" panose="020F0502020204030204" pitchFamily="34" charset="0"/>
-                <a:cs typeface="Calibri" panose="020F0502020204030204" pitchFamily="34" charset="0"/>
-              </a:rPr>
-              <a:t> is a metric that takes into account both precision and recall. Precision is the proportion of true positive results out of all predicted positive results, while recall is the proportion of true positive results out of all actual positive results. The F1-score is the harmonic mean of precision and recall, and it provides a balanced measure of model performance on text classification, question answering, and other tasks.</a:t>
-            </a:r>
-          </a:p>
-          <a:p>
-            <a:pPr>
-              <a:buFont typeface="Arial" panose="020B0604020202020204" pitchFamily="34" charset="0"/>
-              <a:buChar char="•"/>
-            </a:pPr>
-            <a:endParaRPr lang="fr-FR" sz="1000" dirty="0">
-              <a:latin typeface="Calibri" panose="020F0502020204030204" pitchFamily="34" charset="0"/>
-              <a:cs typeface="Calibri" panose="020F0502020204030204" pitchFamily="34" charset="0"/>
-            </a:endParaRPr>
-          </a:p>
-          <a:p>
-            <a:pPr>
-              <a:buFont typeface="Arial" panose="020B0604020202020204" pitchFamily="34" charset="0"/>
-              <a:buChar char="•"/>
-            </a:pPr>
-            <a:r>
-              <a:rPr lang="fr-FR" sz="1000" b="1" dirty="0">
-                <a:latin typeface="Calibri" panose="020F0502020204030204" pitchFamily="34" charset="0"/>
-                <a:cs typeface="Calibri" panose="020F0502020204030204" pitchFamily="34" charset="0"/>
-              </a:rPr>
-              <a:t>Perplexity </a:t>
-            </a:r>
-            <a:r>
-              <a:rPr lang="fr-FR" sz="1000" dirty="0">
-                <a:latin typeface="Calibri" panose="020F0502020204030204" pitchFamily="34" charset="0"/>
-                <a:cs typeface="Calibri" panose="020F0502020204030204" pitchFamily="34" charset="0"/>
-              </a:rPr>
-              <a:t>: It measures how well a language model predicts the next word in a sequence. The lower the perplexity, the better the model is at predicting the next word. Perplexity is calculated as 2 to the power of the cross-entropy, which is a measure of how well the model's predicted probabilities match the true probabilities of the next word in the sequence.Also  text can be evaluated using metrics such as BLEU or ROUGE scores.</a:t>
-            </a:r>
-          </a:p>
-        </p:txBody>
-      </p:sp>
-      <p:sp>
-        <p:nvSpPr>
-          <p:cNvPr id="20" name="ZoneTexte 19">
-            <a:extLst>
-              <a:ext uri="{FF2B5EF4-FFF2-40B4-BE49-F238E27FC236}">
-                <a16:creationId xmlns:a16="http://schemas.microsoft.com/office/drawing/2014/main" id="{BD195FE1-5CEF-09A7-4C3A-5EF633BA43D0}"/>
-              </a:ext>
-            </a:extLst>
-          </p:cNvPr>
-          <p:cNvSpPr txBox="1"/>
-          <p:nvPr/>
-        </p:nvSpPr>
-        <p:spPr>
-          <a:xfrm>
-            <a:off x="152683" y="1721590"/>
-            <a:ext cx="3365318" cy="3400931"/>
-          </a:xfrm>
-          <a:prstGeom prst="rect">
-            <a:avLst/>
-          </a:prstGeom>
-          <a:noFill/>
-          <a:ln w="12700" cap="flat">
-            <a:noFill/>
-            <a:miter lim="400000"/>
-          </a:ln>
-          <a:effectLst/>
-          <a:sp3d/>
-        </p:spPr>
-        <p:style>
-          <a:lnRef idx="0">
-            <a:scrgbClr r="0" g="0" b="0"/>
-          </a:lnRef>
-          <a:fillRef idx="0">
-            <a:scrgbClr r="0" g="0" b="0"/>
-          </a:fillRef>
-          <a:effectRef idx="0">
-            <a:scrgbClr r="0" g="0" b="0"/>
-          </a:effectRef>
-          <a:fontRef idx="none"/>
-        </p:style>
-        <p:txBody>
-          <a:bodyPr wrap="square">
-            <a:spAutoFit/>
-          </a:bodyPr>
-          <a:lstStyle/>
-          <a:p>
-            <a:pPr algn="just"/>
-            <a:r>
-              <a:rPr lang="fr-FR" sz="1000" b="1" dirty="0">
-                <a:latin typeface="Calibri" panose="020F0502020204030204" pitchFamily="34" charset="0"/>
-                <a:cs typeface="Calibri" panose="020F0502020204030204" pitchFamily="34" charset="0"/>
-              </a:rPr>
-              <a:t>Self-Attention:</a:t>
-            </a:r>
-          </a:p>
-          <a:p>
-            <a:pPr algn="just">
-              <a:buFont typeface="Arial" panose="020B0604020202020204" pitchFamily="34" charset="0"/>
-              <a:buChar char="•"/>
-            </a:pPr>
-            <a:r>
-              <a:rPr lang="fr-FR" sz="1000" dirty="0">
-                <a:latin typeface="Calibri" panose="020F0502020204030204" pitchFamily="34" charset="0"/>
-                <a:cs typeface="Calibri" panose="020F0502020204030204" pitchFamily="34" charset="0"/>
-              </a:rPr>
-              <a:t>A mechanism that allows a sequence to weigh the importance of all other elements in the sequence when computing a representation for each element.</a:t>
-            </a:r>
-          </a:p>
-          <a:p>
-            <a:pPr algn="just">
-              <a:buFont typeface="Arial" panose="020B0604020202020204" pitchFamily="34" charset="0"/>
-              <a:buChar char="•"/>
-            </a:pPr>
-            <a:r>
-              <a:rPr lang="fr-FR" sz="1000" dirty="0">
-                <a:latin typeface="Calibri" panose="020F0502020204030204" pitchFamily="34" charset="0"/>
-                <a:cs typeface="Calibri" panose="020F0502020204030204" pitchFamily="34" charset="0"/>
-              </a:rPr>
-              <a:t>Can capture relationships between different elements in the sequence, making it well-suited for tasks that require modeling long-range dependencies.</a:t>
-            </a:r>
-          </a:p>
-          <a:p>
-            <a:pPr algn="just">
-              <a:buFont typeface="Arial" panose="020B0604020202020204" pitchFamily="34" charset="0"/>
-              <a:buChar char="•"/>
-            </a:pPr>
-            <a:r>
-              <a:rPr lang="fr-FR" sz="1000" dirty="0">
-                <a:latin typeface="Calibri" panose="020F0502020204030204" pitchFamily="34" charset="0"/>
-                <a:cs typeface="Calibri" panose="020F0502020204030204" pitchFamily="34" charset="0"/>
-              </a:rPr>
-              <a:t>Popularized by the Transformer model.</a:t>
-            </a:r>
-          </a:p>
-          <a:p>
-            <a:pPr algn="just">
-              <a:buFont typeface="Arial" panose="020B0604020202020204" pitchFamily="34" charset="0"/>
-              <a:buChar char="•"/>
-            </a:pPr>
-            <a:endParaRPr lang="fr-FR" sz="1000" dirty="0">
-              <a:latin typeface="Calibri" panose="020F0502020204030204" pitchFamily="34" charset="0"/>
-              <a:cs typeface="Calibri" panose="020F0502020204030204" pitchFamily="34" charset="0"/>
-            </a:endParaRPr>
-          </a:p>
-          <a:p>
-            <a:pPr algn="just"/>
-            <a:r>
-              <a:rPr lang="fr-FR" sz="1000" b="1" dirty="0">
-                <a:latin typeface="Calibri" panose="020F0502020204030204" pitchFamily="34" charset="0"/>
-                <a:cs typeface="Calibri" panose="020F0502020204030204" pitchFamily="34" charset="0"/>
-              </a:rPr>
-              <a:t>Multi-Head Attention:</a:t>
-            </a:r>
-          </a:p>
-          <a:p>
-            <a:pPr algn="just">
-              <a:buFont typeface="Arial" panose="020B0604020202020204" pitchFamily="34" charset="0"/>
-              <a:buChar char="•"/>
-            </a:pPr>
-            <a:r>
-              <a:rPr lang="fr-FR" sz="1000" dirty="0">
-                <a:latin typeface="Calibri" panose="020F0502020204030204" pitchFamily="34" charset="0"/>
-                <a:cs typeface="Calibri" panose="020F0502020204030204" pitchFamily="34" charset="0"/>
-              </a:rPr>
-              <a:t>A variation of self-attention where the attention mechanism is applied multiple times in parallel with different sets of weights.</a:t>
-            </a:r>
-          </a:p>
-          <a:p>
-            <a:pPr algn="just">
-              <a:buFont typeface="Arial" panose="020B0604020202020204" pitchFamily="34" charset="0"/>
-              <a:buChar char="•"/>
-            </a:pPr>
-            <a:r>
-              <a:rPr lang="fr-FR" sz="1000" dirty="0">
-                <a:latin typeface="Calibri" panose="020F0502020204030204" pitchFamily="34" charset="0"/>
-                <a:cs typeface="Calibri" panose="020F0502020204030204" pitchFamily="34" charset="0"/>
-              </a:rPr>
-              <a:t>Allows the model to attend to different aspects of the input sequence, improving its ability to capture complex patterns and dependencies.</a:t>
-            </a:r>
-          </a:p>
-          <a:p>
-            <a:pPr algn="just">
-              <a:buFont typeface="Arial" panose="020B0604020202020204" pitchFamily="34" charset="0"/>
-              <a:buChar char="•"/>
-            </a:pPr>
-            <a:r>
-              <a:rPr lang="fr-FR" sz="1000" dirty="0">
-                <a:latin typeface="Calibri" panose="020F0502020204030204" pitchFamily="34" charset="0"/>
-                <a:cs typeface="Calibri" panose="020F0502020204030204" pitchFamily="34" charset="0"/>
-              </a:rPr>
-              <a:t>Each "head" produces a separate output that is concatenated and linearly transformed to produce the final output.</a:t>
-            </a:r>
-          </a:p>
-          <a:p>
-            <a:pPr algn="just">
-              <a:buFont typeface="Arial" panose="020B0604020202020204" pitchFamily="34" charset="0"/>
-              <a:buChar char="•"/>
-            </a:pPr>
-            <a:r>
-              <a:rPr lang="fr-FR" sz="1000" dirty="0">
-                <a:latin typeface="Calibri" panose="020F0502020204030204" pitchFamily="34" charset="0"/>
-                <a:cs typeface="Calibri" panose="020F0502020204030204" pitchFamily="34" charset="0"/>
-              </a:rPr>
-              <a:t>Also commonly used in the Transformer model.</a:t>
-            </a:r>
-          </a:p>
-        </p:txBody>
-      </p:sp>
-      <p:sp>
-        <p:nvSpPr>
-          <p:cNvPr id="21" name="Documents and Apps">
-            <a:extLst>
-              <a:ext uri="{FF2B5EF4-FFF2-40B4-BE49-F238E27FC236}">
-                <a16:creationId xmlns:a16="http://schemas.microsoft.com/office/drawing/2014/main" id="{3E8F5C43-F4CC-4D58-4401-FC6FCC08CEF4}"/>
-              </a:ext>
-            </a:extLst>
-          </p:cNvPr>
-          <p:cNvSpPr txBox="1"/>
-          <p:nvPr/>
-        </p:nvSpPr>
-        <p:spPr>
-          <a:xfrm>
-            <a:off x="3711234" y="5917243"/>
-            <a:ext cx="2574423" cy="252185"/>
-          </a:xfrm>
-          <a:prstGeom prst="rect">
-            <a:avLst/>
-          </a:prstGeom>
-          <a:ln w="12700">
-            <a:miter lim="400000"/>
-          </a:ln>
-          <a:extLst>
-            <a:ext uri="{C572A759-6A51-4108-AA02-DFA0A04FC94B}">
-              <ma14:wrappingTextBoxFlag xmlns="" xmlns:m="http://schemas.openxmlformats.org/officeDocument/2006/math" xmlns:a14="http://schemas.microsoft.com/office/drawing/2010/main" xmlns:ma14="http://schemas.microsoft.com/office/mac/drawingml/2011/main" val="1"/>
-            </a:ext>
-          </a:extLst>
-        </p:spPr>
-        <p:txBody>
-          <a:bodyPr wrap="none" lIns="0" tIns="0" rIns="0" bIns="0" anchor="ctr">
-            <a:spAutoFit/>
-          </a:bodyPr>
-          <a:lstStyle/>
-          <a:p>
-            <a:pPr lvl="1">
-              <a:lnSpc>
-                <a:spcPct val="80000"/>
-              </a:lnSpc>
-              <a:spcBef>
-                <a:spcPts val="0"/>
-              </a:spcBef>
-              <a:defRPr sz="2500">
-                <a:solidFill>
-                  <a:srgbClr val="628DB5"/>
-                </a:solidFill>
-              </a:defRPr>
-            </a:pPr>
-            <a:r>
-              <a:rPr lang="en-IN" sz="2000" dirty="0">
-                <a:effectLst/>
-                <a:latin typeface="Calibri" panose="020F0502020204030204" pitchFamily="34" charset="0"/>
-                <a:ea typeface="Calibri" panose="020F0502020204030204" pitchFamily="34" charset="0"/>
-                <a:cs typeface="Times New Roman" panose="02020603050405020304" pitchFamily="18" charset="0"/>
-              </a:rPr>
-              <a:t>Example LLM - </a:t>
-            </a:r>
-            <a:r>
-              <a:rPr lang="fr-FR" sz="2000" dirty="0"/>
-              <a:t>ChatGPT</a:t>
-            </a:r>
-            <a:r>
-              <a:rPr lang="en-IN" sz="2000" dirty="0">
-                <a:effectLst/>
-                <a:latin typeface="Calibri" panose="020F0502020204030204" pitchFamily="34" charset="0"/>
-                <a:ea typeface="Calibri" panose="020F0502020204030204" pitchFamily="34" charset="0"/>
-                <a:cs typeface="Times New Roman" panose="02020603050405020304" pitchFamily="18" charset="0"/>
-              </a:rPr>
-              <a:t> </a:t>
-            </a:r>
-            <a:endParaRPr sz="2000" dirty="0"/>
-          </a:p>
-        </p:txBody>
-      </p:sp>
-      <p:sp>
-        <p:nvSpPr>
-          <p:cNvPr id="22" name="ZoneTexte 21">
-            <a:extLst>
-              <a:ext uri="{FF2B5EF4-FFF2-40B4-BE49-F238E27FC236}">
-                <a16:creationId xmlns:a16="http://schemas.microsoft.com/office/drawing/2014/main" id="{7583D631-8A6F-A771-6D50-CF0AC7E32658}"/>
-              </a:ext>
-            </a:extLst>
-          </p:cNvPr>
-          <p:cNvSpPr txBox="1"/>
-          <p:nvPr/>
-        </p:nvSpPr>
-        <p:spPr>
-          <a:xfrm>
-            <a:off x="3618696" y="6272927"/>
-            <a:ext cx="2942647" cy="1015663"/>
-          </a:xfrm>
-          <a:prstGeom prst="rect">
-            <a:avLst/>
-          </a:prstGeom>
-          <a:noFill/>
-          <a:ln w="12700" cap="flat">
-            <a:noFill/>
-            <a:miter lim="400000"/>
-          </a:ln>
-          <a:effectLst/>
-          <a:sp3d/>
-        </p:spPr>
-        <p:style>
-          <a:lnRef idx="0">
-            <a:scrgbClr r="0" g="0" b="0"/>
-          </a:lnRef>
-          <a:fillRef idx="0">
-            <a:scrgbClr r="0" g="0" b="0"/>
-          </a:fillRef>
-          <a:effectRef idx="0">
-            <a:scrgbClr r="0" g="0" b="0"/>
-          </a:effectRef>
-          <a:fontRef idx="none"/>
-        </p:style>
-        <p:txBody>
-          <a:bodyPr wrap="square">
-            <a:spAutoFit/>
-          </a:bodyPr>
-          <a:lstStyle/>
-          <a:p>
-            <a:pPr algn="just"/>
-            <a:r>
-              <a:rPr lang="fr-FR" sz="1000" dirty="0"/>
-              <a:t>ChatGPT is a large language model developed by OpenAI that has been trained on a diverse range of internet text, including articles, forums, and social media. This training allows ChatGPT to generate human-like text and answer a wide variety of questions on many topics.</a:t>
-            </a:r>
-          </a:p>
-        </p:txBody>
-      </p:sp>
-      <p:sp>
-        <p:nvSpPr>
-          <p:cNvPr id="27" name="Line">
-            <a:extLst>
-              <a:ext uri="{FF2B5EF4-FFF2-40B4-BE49-F238E27FC236}">
-                <a16:creationId xmlns:a16="http://schemas.microsoft.com/office/drawing/2014/main" id="{3811F0B1-9419-303F-1801-1E1AC779B626}"/>
-              </a:ext>
-            </a:extLst>
-          </p:cNvPr>
-          <p:cNvSpPr/>
-          <p:nvPr/>
-        </p:nvSpPr>
-        <p:spPr>
-          <a:xfrm flipV="1">
-            <a:off x="153810" y="1145581"/>
-            <a:ext cx="3075056" cy="3"/>
-          </a:xfrm>
-          <a:prstGeom prst="line">
-            <a:avLst/>
-          </a:prstGeom>
-          <a:ln w="6350">
-            <a:solidFill>
-              <a:srgbClr val="767C85"/>
-            </a:solidFill>
-            <a:miter lim="400000"/>
-          </a:ln>
-        </p:spPr>
-        <p:txBody>
-          <a:bodyPr lIns="45718" tIns="45718" rIns="45718" bIns="45718"/>
-          <a:lstStyle/>
-          <a:p>
-            <a:endParaRPr dirty="0"/>
-          </a:p>
-        </p:txBody>
-      </p:sp>
-      <p:pic>
-        <p:nvPicPr>
-          <p:cNvPr id="29" name="Picture 40" descr="Medium's New Logo (2020)— Unfinished Ellipses Logomark | by Medium  Formatting | Blogging Guide | Medium">
-            <a:hlinkClick r:id="rId15"/>
-            <a:extLst>
-              <a:ext uri="{FF2B5EF4-FFF2-40B4-BE49-F238E27FC236}">
-                <a16:creationId xmlns:a16="http://schemas.microsoft.com/office/drawing/2014/main" id="{09C6AB13-1E84-5776-7CB6-41B1AE2D299C}"/>
-              </a:ext>
-            </a:extLst>
-          </p:cNvPr>
-          <p:cNvPicPr>
-            <a:picLocks noChangeAspect="1" noChangeArrowheads="1"/>
-          </p:cNvPicPr>
-          <p:nvPr/>
-        </p:nvPicPr>
-        <p:blipFill>
-          <a:blip r:embed="rId16">
-            <a:extLst>
-              <a:ext uri="{28A0092B-C50C-407E-A947-70E740481C1C}">
-                <a14:useLocalDpi xmlns:a14="http://schemas.microsoft.com/office/drawing/2010/main" val="0"/>
-              </a:ext>
-            </a:extLst>
-          </a:blip>
-          <a:srcRect/>
-          <a:stretch>
-            <a:fillRect/>
-          </a:stretch>
-        </p:blipFill>
-        <p:spPr bwMode="auto">
-          <a:xfrm>
-            <a:off x="9766773" y="10580147"/>
-            <a:ext cx="167226" cy="167226"/>
-          </a:xfrm>
-          <a:prstGeom prst="rect">
-            <a:avLst/>
-          </a:prstGeom>
-          <a:noFill/>
-          <a:extLst>
-            <a:ext uri="{909E8E84-426E-40DD-AFC4-6F175D3DCCD1}">
-              <a14:hiddenFill xmlns:a14="http://schemas.microsoft.com/office/drawing/2010/main">
-                <a:solidFill>
-                  <a:srgbClr val="FFFFFF"/>
-                </a:solidFill>
-              </a14:hiddenFill>
-            </a:ext>
-          </a:extLst>
-        </p:spPr>
-      </p:pic>
-      <p:sp>
-        <p:nvSpPr>
-          <p:cNvPr id="32" name="ZoneTexte 31">
-            <a:extLst>
-              <a:ext uri="{FF2B5EF4-FFF2-40B4-BE49-F238E27FC236}">
-                <a16:creationId xmlns:a16="http://schemas.microsoft.com/office/drawing/2014/main" id="{BA10B32C-0D43-8C11-E69B-2EE5F099222E}"/>
-              </a:ext>
-            </a:extLst>
-          </p:cNvPr>
-          <p:cNvSpPr txBox="1"/>
-          <p:nvPr/>
-        </p:nvSpPr>
-        <p:spPr>
-          <a:xfrm>
-            <a:off x="6938020" y="1237360"/>
-            <a:ext cx="3086441" cy="6529993"/>
-          </a:xfrm>
-          <a:prstGeom prst="rect">
-            <a:avLst/>
-          </a:prstGeom>
-          <a:noFill/>
-          <a:ln w="12700" cap="flat">
-            <a:noFill/>
-            <a:miter lim="400000"/>
-          </a:ln>
-          <a:effectLst/>
-          <a:sp3d/>
-        </p:spPr>
-        <p:style>
-          <a:lnRef idx="0">
-            <a:scrgbClr r="0" g="0" b="0"/>
-          </a:lnRef>
-          <a:fillRef idx="0">
-            <a:scrgbClr r="0" g="0" b="0"/>
-          </a:fillRef>
-          <a:effectRef idx="0">
-            <a:scrgbClr r="0" g="0" b="0"/>
-          </a:effectRef>
-          <a:fontRef idx="none"/>
-        </p:style>
-        <p:txBody>
-          <a:bodyPr wrap="square">
-            <a:spAutoFit/>
-          </a:bodyPr>
-          <a:lstStyle/>
-          <a:p>
-            <a:pPr algn="just"/>
-            <a:r>
-              <a:rPr lang="fr-FR" sz="1000" dirty="0">
-                <a:solidFill>
-                  <a:srgbClr val="0070C0"/>
-                </a:solidFill>
-                <a:latin typeface="Calibri" panose="020F0502020204030204" pitchFamily="34" charset="0"/>
-                <a:cs typeface="Calibri" panose="020F0502020204030204" pitchFamily="34" charset="0"/>
-              </a:rPr>
-              <a:t>Text Generation</a:t>
-            </a:r>
-            <a:r>
-              <a:rPr lang="fr-FR" sz="1000" dirty="0">
-                <a:latin typeface="Calibri" panose="020F0502020204030204" pitchFamily="34" charset="0"/>
-                <a:cs typeface="Calibri" panose="020F0502020204030204" pitchFamily="34" charset="0"/>
-              </a:rPr>
-              <a:t>: ChatGPT can generate text based on a prompt or seed text. Example:</a:t>
-            </a:r>
-          </a:p>
-          <a:p>
-            <a:pPr algn="just"/>
-            <a:endParaRPr lang="fr-FR" sz="1000" dirty="0">
-              <a:latin typeface="Calibri" panose="020F0502020204030204" pitchFamily="34" charset="0"/>
-              <a:cs typeface="Calibri" panose="020F0502020204030204" pitchFamily="34" charset="0"/>
-            </a:endParaRPr>
-          </a:p>
-          <a:p>
-            <a:pPr algn="just"/>
-            <a:r>
-              <a:rPr lang="fr-FR" sz="1000" dirty="0">
-                <a:solidFill>
-                  <a:schemeClr val="accent6"/>
-                </a:solidFill>
-                <a:latin typeface="Calibri" panose="020F0502020204030204" pitchFamily="34" charset="0"/>
-                <a:cs typeface="Calibri" panose="020F0502020204030204" pitchFamily="34" charset="0"/>
-              </a:rPr>
-              <a:t>Human : </a:t>
-            </a:r>
-            <a:r>
-              <a:rPr lang="fr-FR" sz="1000" dirty="0">
-                <a:solidFill>
-                  <a:schemeClr val="accent4"/>
-                </a:solidFill>
-                <a:latin typeface="Calibri" panose="020F0502020204030204" pitchFamily="34" charset="0"/>
-                <a:cs typeface="Calibri" panose="020F0502020204030204" pitchFamily="34" charset="0"/>
-              </a:rPr>
-              <a:t>Write a short story about a magical world.  </a:t>
-            </a:r>
-          </a:p>
-          <a:p>
-            <a:pPr algn="just"/>
-            <a:r>
-              <a:rPr lang="fr-FR" sz="1000" dirty="0">
-                <a:solidFill>
-                  <a:schemeClr val="accent6"/>
-                </a:solidFill>
-                <a:latin typeface="Calibri" panose="020F0502020204030204" pitchFamily="34" charset="0"/>
-                <a:cs typeface="Calibri" panose="020F0502020204030204" pitchFamily="34" charset="0"/>
-              </a:rPr>
-              <a:t>ChatGPT: </a:t>
-            </a:r>
-            <a:r>
-              <a:rPr lang="fr-FR" sz="1000" dirty="0">
-                <a:solidFill>
-                  <a:srgbClr val="00B050"/>
-                </a:solidFill>
-                <a:latin typeface="Calibri" panose="020F0502020204030204" pitchFamily="34" charset="0"/>
-                <a:cs typeface="Calibri" panose="020F0502020204030204" pitchFamily="34" charset="0"/>
-              </a:rPr>
-              <a:t>Once upon a time, in a land far away, there was a magical world filled with wonder and enchantment. The sky was always a brilliant shade of purple, and the stars twinkled like diamonds in the sky. The people of this world possessed magical powers that they used to create incredible wonders and to help those in need. One day, a young woman discovered that she too had magical powers, and set out on an incredible journey to explore the wonders of this magical world and to hone her skills.</a:t>
-            </a:r>
-          </a:p>
-          <a:p>
-            <a:pPr algn="just"/>
-            <a:endParaRPr lang="fr-FR" sz="1000" dirty="0">
-              <a:latin typeface="Calibri" panose="020F0502020204030204" pitchFamily="34" charset="0"/>
-              <a:cs typeface="Calibri" panose="020F0502020204030204" pitchFamily="34" charset="0"/>
-            </a:endParaRPr>
-          </a:p>
-          <a:p>
-            <a:pPr algn="just"/>
-            <a:r>
-              <a:rPr lang="fr-FR" sz="1000" dirty="0">
-                <a:solidFill>
-                  <a:srgbClr val="0070C0"/>
-                </a:solidFill>
-                <a:latin typeface="Calibri" panose="020F0502020204030204" pitchFamily="34" charset="0"/>
-                <a:cs typeface="Calibri" panose="020F0502020204030204" pitchFamily="34" charset="0"/>
-              </a:rPr>
-              <a:t>Conversational</a:t>
-            </a:r>
-            <a:r>
-              <a:rPr lang="fr-FR" sz="1000" dirty="0">
-                <a:latin typeface="Calibri" panose="020F0502020204030204" pitchFamily="34" charset="0"/>
-                <a:cs typeface="Calibri" panose="020F0502020204030204" pitchFamily="34" charset="0"/>
-              </a:rPr>
-              <a:t>: ChatGPT can engage in a conversation with a user. Example:</a:t>
-            </a:r>
-          </a:p>
-          <a:p>
-            <a:pPr algn="just"/>
-            <a:endParaRPr lang="fr-FR" sz="1000" dirty="0">
-              <a:latin typeface="Calibri" panose="020F0502020204030204" pitchFamily="34" charset="0"/>
-              <a:cs typeface="Calibri" panose="020F0502020204030204" pitchFamily="34" charset="0"/>
-            </a:endParaRPr>
-          </a:p>
-          <a:p>
-            <a:pPr algn="just"/>
-            <a:r>
-              <a:rPr lang="fr-FR" sz="1000" dirty="0">
-                <a:solidFill>
-                  <a:schemeClr val="accent6"/>
-                </a:solidFill>
-                <a:latin typeface="Calibri" panose="020F0502020204030204" pitchFamily="34" charset="0"/>
-                <a:cs typeface="Calibri" panose="020F0502020204030204" pitchFamily="34" charset="0"/>
-              </a:rPr>
-              <a:t> Human  : </a:t>
-            </a:r>
-            <a:r>
-              <a:rPr lang="fr-FR" sz="1000" dirty="0">
-                <a:solidFill>
-                  <a:schemeClr val="accent4"/>
-                </a:solidFill>
-                <a:latin typeface="Calibri" panose="020F0502020204030204" pitchFamily="34" charset="0"/>
-                <a:cs typeface="Calibri" panose="020F0502020204030204" pitchFamily="34" charset="0"/>
-              </a:rPr>
-              <a:t>Hi, how are you today?   </a:t>
-            </a:r>
-          </a:p>
-          <a:p>
-            <a:pPr algn="just"/>
-            <a:r>
-              <a:rPr lang="fr-FR" sz="1000" dirty="0">
-                <a:solidFill>
-                  <a:schemeClr val="accent6"/>
-                </a:solidFill>
-                <a:latin typeface="Calibri" panose="020F0502020204030204" pitchFamily="34" charset="0"/>
-                <a:cs typeface="Calibri" panose="020F0502020204030204" pitchFamily="34" charset="0"/>
-              </a:rPr>
-              <a:t>ChatGPT: </a:t>
-            </a:r>
-            <a:r>
-              <a:rPr lang="fr-FR" sz="1000" dirty="0">
-                <a:solidFill>
-                  <a:srgbClr val="00B050"/>
-                </a:solidFill>
-                <a:latin typeface="Calibri" panose="020F0502020204030204" pitchFamily="34" charset="0"/>
-                <a:cs typeface="Calibri" panose="020F0502020204030204" pitchFamily="34" charset="0"/>
-              </a:rPr>
-              <a:t>Hello! I'm just an AI, so I don't have emotions, but I'm functioning well today. How can I assist you?</a:t>
-            </a:r>
-          </a:p>
-          <a:p>
-            <a:pPr algn="just"/>
-            <a:r>
-              <a:rPr lang="fr-FR" sz="1000" dirty="0">
-                <a:solidFill>
-                  <a:srgbClr val="0070C0"/>
-                </a:solidFill>
-                <a:latin typeface="Calibri" panose="020F0502020204030204" pitchFamily="34" charset="0"/>
-                <a:cs typeface="Calibri" panose="020F0502020204030204" pitchFamily="34" charset="0"/>
-              </a:rPr>
-              <a:t>Summarization</a:t>
-            </a:r>
-            <a:r>
-              <a:rPr lang="fr-FR" sz="1000" dirty="0">
-                <a:latin typeface="Calibri" panose="020F0502020204030204" pitchFamily="34" charset="0"/>
-                <a:cs typeface="Calibri" panose="020F0502020204030204" pitchFamily="34" charset="0"/>
-              </a:rPr>
-              <a:t>: ChatGPT can summarize a long text or article. Example:</a:t>
-            </a:r>
-          </a:p>
-          <a:p>
-            <a:pPr algn="just"/>
-            <a:endParaRPr lang="fr-FR" sz="1000" dirty="0">
-              <a:latin typeface="Calibri" panose="020F0502020204030204" pitchFamily="34" charset="0"/>
-              <a:cs typeface="Calibri" panose="020F0502020204030204" pitchFamily="34" charset="0"/>
-            </a:endParaRPr>
-          </a:p>
-          <a:p>
-            <a:pPr algn="just"/>
-            <a:r>
-              <a:rPr lang="fr-FR" sz="1000" dirty="0">
-                <a:solidFill>
-                  <a:schemeClr val="accent6"/>
-                </a:solidFill>
-                <a:latin typeface="Calibri" panose="020F0502020204030204" pitchFamily="34" charset="0"/>
-                <a:cs typeface="Calibri" panose="020F0502020204030204" pitchFamily="34" charset="0"/>
-              </a:rPr>
-              <a:t>Human : </a:t>
-            </a:r>
-            <a:r>
-              <a:rPr lang="fr-FR" sz="1000" dirty="0">
-                <a:solidFill>
-                  <a:schemeClr val="accent4"/>
-                </a:solidFill>
-                <a:latin typeface="Calibri" panose="020F0502020204030204" pitchFamily="34" charset="0"/>
-                <a:cs typeface="Calibri" panose="020F0502020204030204" pitchFamily="34" charset="0"/>
-              </a:rPr>
-              <a:t>Please summarize this article about the benefits of exercise.   </a:t>
-            </a:r>
-          </a:p>
-          <a:p>
-            <a:pPr algn="just"/>
-            <a:r>
-              <a:rPr lang="fr-FR" sz="1000" dirty="0">
-                <a:solidFill>
-                  <a:schemeClr val="accent6"/>
-                </a:solidFill>
-                <a:latin typeface="Calibri" panose="020F0502020204030204" pitchFamily="34" charset="0"/>
-                <a:cs typeface="Calibri" panose="020F0502020204030204" pitchFamily="34" charset="0"/>
-              </a:rPr>
-              <a:t>ChatGPT: </a:t>
-            </a:r>
-            <a:r>
-              <a:rPr lang="fr-FR" sz="1000" dirty="0">
-                <a:solidFill>
-                  <a:srgbClr val="00B050"/>
-                </a:solidFill>
-                <a:latin typeface="Calibri" panose="020F0502020204030204" pitchFamily="34" charset="0"/>
-                <a:cs typeface="Calibri" panose="020F0502020204030204" pitchFamily="34" charset="0"/>
-              </a:rPr>
-              <a:t>The article discusses the various physical and mental health benefits of exercise, including improved cardiovascular health, stronger muscles and bones, better weight management, and reduced stress and anxiety. It also highlights the importance of finding an exercise routine that is enjoyable and sustainable.</a:t>
-            </a:r>
-          </a:p>
-          <a:p>
-            <a:pPr algn="just"/>
-            <a:r>
-              <a:rPr lang="fr-FR" sz="1000" dirty="0">
-                <a:solidFill>
-                  <a:srgbClr val="0070C0"/>
-                </a:solidFill>
-                <a:latin typeface="Calibri" panose="020F0502020204030204" pitchFamily="34" charset="0"/>
-                <a:cs typeface="Calibri" panose="020F0502020204030204" pitchFamily="34" charset="0"/>
-              </a:rPr>
-              <a:t>Translation</a:t>
-            </a:r>
-            <a:r>
-              <a:rPr lang="fr-FR" sz="1000" dirty="0">
-                <a:latin typeface="Calibri" panose="020F0502020204030204" pitchFamily="34" charset="0"/>
-                <a:cs typeface="Calibri" panose="020F0502020204030204" pitchFamily="34" charset="0"/>
-              </a:rPr>
-              <a:t>: ChatGPT can translate text from one language to another. Example:</a:t>
-            </a:r>
-          </a:p>
-          <a:p>
-            <a:pPr algn="just"/>
-            <a:endParaRPr lang="fr-FR" sz="1000" dirty="0">
-              <a:latin typeface="Calibri" panose="020F0502020204030204" pitchFamily="34" charset="0"/>
-              <a:cs typeface="Calibri" panose="020F0502020204030204" pitchFamily="34" charset="0"/>
-            </a:endParaRPr>
-          </a:p>
-          <a:p>
-            <a:pPr algn="just"/>
-            <a:r>
-              <a:rPr lang="fr-FR" sz="1000" dirty="0">
-                <a:latin typeface="Calibri" panose="020F0502020204030204" pitchFamily="34" charset="0"/>
-                <a:cs typeface="Calibri" panose="020F0502020204030204" pitchFamily="34" charset="0"/>
-              </a:rPr>
-              <a:t> </a:t>
-            </a:r>
-            <a:r>
-              <a:rPr lang="fr-FR" sz="1000" dirty="0">
-                <a:solidFill>
-                  <a:schemeClr val="accent4">
-                    <a:lumMod val="60000"/>
-                    <a:lumOff val="40000"/>
-                  </a:schemeClr>
-                </a:solidFill>
-                <a:latin typeface="Calibri" panose="020F0502020204030204" pitchFamily="34" charset="0"/>
-                <a:cs typeface="Calibri" panose="020F0502020204030204" pitchFamily="34" charset="0"/>
-              </a:rPr>
-              <a:t>Translate this sentence from English to Spanish. "The sky is blue." </a:t>
-            </a:r>
-          </a:p>
-          <a:p>
-            <a:pPr algn="just"/>
-            <a:r>
-              <a:rPr lang="fr-FR" sz="1000" dirty="0">
-                <a:solidFill>
-                  <a:schemeClr val="accent6"/>
-                </a:solidFill>
-                <a:latin typeface="Calibri" panose="020F0502020204030204" pitchFamily="34" charset="0"/>
-                <a:cs typeface="Calibri" panose="020F0502020204030204" pitchFamily="34" charset="0"/>
-              </a:rPr>
-              <a:t>ChatGPT: </a:t>
-            </a:r>
-            <a:r>
-              <a:rPr lang="fr-FR" sz="1000" dirty="0">
-                <a:solidFill>
-                  <a:srgbClr val="00B050"/>
-                </a:solidFill>
-                <a:latin typeface="Calibri" panose="020F0502020204030204" pitchFamily="34" charset="0"/>
-                <a:cs typeface="Calibri" panose="020F0502020204030204" pitchFamily="34" charset="0"/>
-              </a:rPr>
-              <a:t>El cielo es azul.</a:t>
-            </a:r>
-          </a:p>
-        </p:txBody>
-      </p:sp>
-      <p:sp>
-        <p:nvSpPr>
-          <p:cNvPr id="33" name="Line">
-            <a:extLst>
-              <a:ext uri="{FF2B5EF4-FFF2-40B4-BE49-F238E27FC236}">
-                <a16:creationId xmlns:a16="http://schemas.microsoft.com/office/drawing/2014/main" id="{FFC4599C-6D0D-1D25-B92A-366D00EC083F}"/>
-              </a:ext>
-            </a:extLst>
-          </p:cNvPr>
-          <p:cNvSpPr/>
-          <p:nvPr/>
-        </p:nvSpPr>
-        <p:spPr>
-          <a:xfrm>
-            <a:off x="3699604" y="7694156"/>
-            <a:ext cx="3087757" cy="0"/>
-          </a:xfrm>
-          <a:prstGeom prst="line">
-            <a:avLst/>
-          </a:prstGeom>
-          <a:ln w="6350">
-            <a:solidFill>
-              <a:srgbClr val="767C85"/>
-            </a:solidFill>
-            <a:miter lim="400000"/>
-          </a:ln>
-        </p:spPr>
-        <p:txBody>
-          <a:bodyPr lIns="45718" tIns="45718" rIns="45718" bIns="45718"/>
-          <a:lstStyle/>
-          <a:p>
-            <a:endParaRPr dirty="0"/>
-          </a:p>
-        </p:txBody>
-      </p:sp>
     </p:spTree>
     <p:extLst>
       <p:ext uri="{BB962C8B-B14F-4D97-AF65-F5344CB8AC3E}">
-        <p14:creationId xmlns:p14="http://schemas.microsoft.com/office/powerpoint/2010/main" val="183033976"/>
+        <p14:creationId xmlns:p14="http://schemas.microsoft.com/office/powerpoint/2010/main" val="2768512142"/>
       </p:ext>
     </p:extLst>
   </p:cSld>

--- a/LLMs.pptx
+++ b/LLMs.pptx
@@ -12407,11 +12407,7 @@
             </a:r>
             <a:r>
               <a:rPr lang="fr-FR" dirty="0"/>
-              <a:t> Machine Learning  Scientist  • </a:t>
-            </a:r>
-            <a:r>
-              <a:rPr lang="fr-FR" dirty="0" err="1"/>
-              <a:t>aboniaa@gmail.com</a:t>
+              <a:t> Machine Learning  Scientist  • aboniaa@gmail.com</a:t>
             </a:r>
             <a:r>
               <a:rPr dirty="0"/>
